--- a/chapter9/ASE_9_program_manager.pptx
+++ b/chapter9/ASE_9_program_manager.pptx
@@ -220,7 +220,7 @@
 <file path=ppt/revisionInfo.xml><?xml version="1.0" encoding="utf-8"?>
 <p1510:revInfo xmlns:a="http://schemas.openxmlformats.org/drawingml/2006/main" xmlns:r="http://schemas.openxmlformats.org/officeDocument/2006/relationships" xmlns:p1510="http://schemas.microsoft.com/office/powerpoint/2015/10/main">
   <p1510:revLst>
-    <p1510:client id="{46DFD426-ED4D-43B9-906F-4E50473E9166}" v="302" dt="2018-10-07T00:37:03.710"/>
+    <p1510:client id="{46DFD426-ED4D-43B9-906F-4E50473E9166}" v="323" dt="2018-10-08T17:28:51.437"/>
   </p1510:revLst>
 </p1510:revInfo>
 </file>
@@ -230,7 +230,7 @@
   <pc:docChgLst>
     <pc:chgData name="Xin Zou" userId="260b9726081dae15" providerId="LiveId" clId="{46DFD426-ED4D-43B9-906F-4E50473E9166}"/>
     <pc:docChg chg="undo custSel mod addSld delSld modSld modMainMaster">
-      <pc:chgData name="Xin Zou" userId="260b9726081dae15" providerId="LiveId" clId="{46DFD426-ED4D-43B9-906F-4E50473E9166}" dt="2018-10-07T00:34:52.051" v="675"/>
+      <pc:chgData name="Xin Zou" userId="260b9726081dae15" providerId="LiveId" clId="{46DFD426-ED4D-43B9-906F-4E50473E9166}" dt="2018-10-08T17:28:51.435" v="783"/>
       <pc:docMkLst>
         <pc:docMk/>
       </pc:docMkLst>
@@ -249,13 +249,13 @@
         </pc:sldMkLst>
       </pc:sldChg>
       <pc:sldChg chg="modSp">
-        <pc:chgData name="Xin Zou" userId="260b9726081dae15" providerId="LiveId" clId="{46DFD426-ED4D-43B9-906F-4E50473E9166}" dt="2018-10-06T23:25:10.816" v="163" actId="27636"/>
+        <pc:chgData name="Xin Zou" userId="260b9726081dae15" providerId="LiveId" clId="{46DFD426-ED4D-43B9-906F-4E50473E9166}" dt="2018-10-08T17:27:33.469" v="678" actId="27636"/>
         <pc:sldMkLst>
           <pc:docMk/>
           <pc:sldMk cId="0" sldId="265"/>
         </pc:sldMkLst>
         <pc:spChg chg="mod">
-          <ac:chgData name="Xin Zou" userId="260b9726081dae15" providerId="LiveId" clId="{46DFD426-ED4D-43B9-906F-4E50473E9166}" dt="2018-10-06T23:25:10.816" v="163" actId="27636"/>
+          <ac:chgData name="Xin Zou" userId="260b9726081dae15" providerId="LiveId" clId="{46DFD426-ED4D-43B9-906F-4E50473E9166}" dt="2018-10-08T17:27:33.464" v="677" actId="27636"/>
           <ac:spMkLst>
             <pc:docMk/>
             <pc:sldMk cId="0" sldId="265"/>
@@ -263,11 +263,34 @@
           </ac:spMkLst>
         </pc:spChg>
         <pc:spChg chg="mod">
-          <ac:chgData name="Xin Zou" userId="260b9726081dae15" providerId="LiveId" clId="{46DFD426-ED4D-43B9-906F-4E50473E9166}" dt="2018-10-06T23:24:56.805" v="157" actId="2711"/>
+          <ac:chgData name="Xin Zou" userId="260b9726081dae15" providerId="LiveId" clId="{46DFD426-ED4D-43B9-906F-4E50473E9166}" dt="2018-10-08T17:27:33.469" v="678" actId="27636"/>
           <ac:spMkLst>
             <pc:docMk/>
             <pc:sldMk cId="0" sldId="265"/>
             <ac:spMk id="6147" creationId="{00000000-0000-0000-0000-000000000000}"/>
+          </ac:spMkLst>
+        </pc:spChg>
+      </pc:sldChg>
+      <pc:sldChg chg="modSp">
+        <pc:chgData name="Xin Zou" userId="260b9726081dae15" providerId="LiveId" clId="{46DFD426-ED4D-43B9-906F-4E50473E9166}" dt="2018-10-08T17:28:51.435" v="783"/>
+        <pc:sldMkLst>
+          <pc:docMk/>
+          <pc:sldMk cId="0" sldId="266"/>
+        </pc:sldMkLst>
+        <pc:spChg chg="mod">
+          <ac:chgData name="Xin Zou" userId="260b9726081dae15" providerId="LiveId" clId="{46DFD426-ED4D-43B9-906F-4E50473E9166}" dt="2018-10-08T17:28:07.150" v="715"/>
+          <ac:spMkLst>
+            <pc:docMk/>
+            <pc:sldMk cId="0" sldId="266"/>
+            <ac:spMk id="7170" creationId="{00000000-0000-0000-0000-000000000000}"/>
+          </ac:spMkLst>
+        </pc:spChg>
+        <pc:spChg chg="mod">
+          <ac:chgData name="Xin Zou" userId="260b9726081dae15" providerId="LiveId" clId="{46DFD426-ED4D-43B9-906F-4E50473E9166}" dt="2018-10-08T17:28:51.435" v="783"/>
+          <ac:spMkLst>
+            <pc:docMk/>
+            <pc:sldMk cId="0" sldId="266"/>
+            <ac:spMk id="7171" creationId="{00000000-0000-0000-0000-000000000000}"/>
           </ac:spMkLst>
         </pc:spChg>
       </pc:sldChg>
@@ -506,88 +529,6 @@
           </ac:spMkLst>
         </pc:spChg>
       </pc:sldChg>
-      <pc:sldChg chg="modSp del">
-        <pc:chgData name="Xin Zou" userId="260b9726081dae15" providerId="LiveId" clId="{46DFD426-ED4D-43B9-906F-4E50473E9166}" dt="2018-10-06T23:36:18.053" v="473" actId="2696"/>
-        <pc:sldMkLst>
-          <pc:docMk/>
-          <pc:sldMk cId="0" sldId="282"/>
-        </pc:sldMkLst>
-        <pc:spChg chg="mod">
-          <ac:chgData name="Xin Zou" userId="260b9726081dae15" providerId="LiveId" clId="{46DFD426-ED4D-43B9-906F-4E50473E9166}" dt="2018-10-06T23:34:40.658" v="436" actId="20577"/>
-          <ac:spMkLst>
-            <pc:docMk/>
-            <pc:sldMk cId="0" sldId="282"/>
-            <ac:spMk id="3" creationId="{00000000-0000-0000-0000-000000000000}"/>
-          </ac:spMkLst>
-        </pc:spChg>
-      </pc:sldChg>
-      <pc:sldChg chg="del">
-        <pc:chgData name="Xin Zou" userId="260b9726081dae15" providerId="LiveId" clId="{46DFD426-ED4D-43B9-906F-4E50473E9166}" dt="2018-10-06T23:15:51.811" v="54" actId="2696"/>
-        <pc:sldMkLst>
-          <pc:docMk/>
-          <pc:sldMk cId="0" sldId="283"/>
-        </pc:sldMkLst>
-      </pc:sldChg>
-      <pc:sldChg chg="del">
-        <pc:chgData name="Xin Zou" userId="260b9726081dae15" providerId="LiveId" clId="{46DFD426-ED4D-43B9-906F-4E50473E9166}" dt="2018-10-06T23:15:51.838" v="55" actId="2696"/>
-        <pc:sldMkLst>
-          <pc:docMk/>
-          <pc:sldMk cId="0" sldId="284"/>
-        </pc:sldMkLst>
-      </pc:sldChg>
-      <pc:sldChg chg="modSp del">
-        <pc:chgData name="Xin Zou" userId="260b9726081dae15" providerId="LiveId" clId="{46DFD426-ED4D-43B9-906F-4E50473E9166}" dt="2018-10-06T23:37:14.324" v="481" actId="2696"/>
-        <pc:sldMkLst>
-          <pc:docMk/>
-          <pc:sldMk cId="0" sldId="285"/>
-        </pc:sldMkLst>
-        <pc:graphicFrameChg chg="mod">
-          <ac:chgData name="Xin Zou" userId="260b9726081dae15" providerId="LiveId" clId="{46DFD426-ED4D-43B9-906F-4E50473E9166}" dt="2018-10-06T23:22:44.096" v="119"/>
-          <ac:graphicFrameMkLst>
-            <pc:docMk/>
-            <pc:sldMk cId="0" sldId="285"/>
-            <ac:graphicFrameMk id="5" creationId="{00000000-0000-0000-0000-000000000000}"/>
-          </ac:graphicFrameMkLst>
-        </pc:graphicFrameChg>
-        <pc:graphicFrameChg chg="mod">
-          <ac:chgData name="Xin Zou" userId="260b9726081dae15" providerId="LiveId" clId="{46DFD426-ED4D-43B9-906F-4E50473E9166}" dt="2018-10-06T23:22:44.096" v="119"/>
-          <ac:graphicFrameMkLst>
-            <pc:docMk/>
-            <pc:sldMk cId="0" sldId="285"/>
-            <ac:graphicFrameMk id="7" creationId="{00000000-0000-0000-0000-000000000000}"/>
-          </ac:graphicFrameMkLst>
-        </pc:graphicFrameChg>
-      </pc:sldChg>
-      <pc:sldChg chg="modSp del">
-        <pc:chgData name="Xin Zou" userId="260b9726081dae15" providerId="LiveId" clId="{46DFD426-ED4D-43B9-906F-4E50473E9166}" dt="2018-10-06T23:37:14.370" v="483" actId="2696"/>
-        <pc:sldMkLst>
-          <pc:docMk/>
-          <pc:sldMk cId="0" sldId="286"/>
-        </pc:sldMkLst>
-        <pc:spChg chg="mod">
-          <ac:chgData name="Xin Zou" userId="260b9726081dae15" providerId="LiveId" clId="{46DFD426-ED4D-43B9-906F-4E50473E9166}" dt="2018-10-06T23:22:44.096" v="119"/>
-          <ac:spMkLst>
-            <pc:docMk/>
-            <pc:sldMk cId="0" sldId="286"/>
-            <ac:spMk id="5" creationId="{00000000-0000-0000-0000-000000000000}"/>
-          </ac:spMkLst>
-        </pc:spChg>
-        <pc:picChg chg="mod">
-          <ac:chgData name="Xin Zou" userId="260b9726081dae15" providerId="LiveId" clId="{46DFD426-ED4D-43B9-906F-4E50473E9166}" dt="2018-10-06T23:22:44.096" v="119"/>
-          <ac:picMkLst>
-            <pc:docMk/>
-            <pc:sldMk cId="0" sldId="286"/>
-            <ac:picMk id="4" creationId="{00000000-0000-0000-0000-000000000000}"/>
-          </ac:picMkLst>
-        </pc:picChg>
-      </pc:sldChg>
-      <pc:sldChg chg="del">
-        <pc:chgData name="Xin Zou" userId="260b9726081dae15" providerId="LiveId" clId="{46DFD426-ED4D-43B9-906F-4E50473E9166}" dt="2018-10-06T23:37:14.335" v="482" actId="2696"/>
-        <pc:sldMkLst>
-          <pc:docMk/>
-          <pc:sldMk cId="0" sldId="287"/>
-        </pc:sldMkLst>
-      </pc:sldChg>
       <pc:sldChg chg="modSp">
         <pc:chgData name="Xin Zou" userId="260b9726081dae15" providerId="LiveId" clId="{46DFD426-ED4D-43B9-906F-4E50473E9166}" dt="2018-10-06T23:24:07.142" v="144" actId="27636"/>
         <pc:sldMkLst>
@@ -632,13 +573,6 @@
             <ac:spMk id="3" creationId="{00000000-0000-0000-0000-000000000000}"/>
           </ac:spMkLst>
         </pc:spChg>
-      </pc:sldChg>
-      <pc:sldChg chg="del">
-        <pc:chgData name="Xin Zou" userId="260b9726081dae15" providerId="LiveId" clId="{46DFD426-ED4D-43B9-906F-4E50473E9166}" dt="2018-10-06T23:12:13.961" v="28" actId="2696"/>
-        <pc:sldMkLst>
-          <pc:docMk/>
-          <pc:sldMk cId="4227236876" sldId="297"/>
-        </pc:sldMkLst>
       </pc:sldChg>
       <pc:sldChg chg="modSp">
         <pc:chgData name="Xin Zou" userId="260b9726081dae15" providerId="LiveId" clId="{46DFD426-ED4D-43B9-906F-4E50473E9166}" dt="2018-10-06T23:22:44.096" v="119"/>
@@ -1223,437 +1157,6 @@
           </ac:spMkLst>
         </pc:spChg>
       </pc:sldChg>
-      <pc:sldChg chg="add del">
-        <pc:chgData name="Xin Zou" userId="260b9726081dae15" providerId="LiveId" clId="{46DFD426-ED4D-43B9-906F-4E50473E9166}" dt="2018-10-06T23:24:33.521" v="154" actId="2696"/>
-        <pc:sldMkLst>
-          <pc:docMk/>
-          <pc:sldMk cId="2158256483" sldId="375"/>
-        </pc:sldMkLst>
-      </pc:sldChg>
-      <pc:sldMasterChg chg="modSp modSldLayout">
-        <pc:chgData name="Xin Zou" userId="260b9726081dae15" providerId="LiveId" clId="{46DFD426-ED4D-43B9-906F-4E50473E9166}" dt="2018-10-06T23:22:44.096" v="119"/>
-        <pc:sldMasterMkLst>
-          <pc:docMk/>
-          <pc:sldMasterMk cId="2132834065" sldId="2147483840"/>
-        </pc:sldMasterMkLst>
-        <pc:spChg chg="mod">
-          <ac:chgData name="Xin Zou" userId="260b9726081dae15" providerId="LiveId" clId="{46DFD426-ED4D-43B9-906F-4E50473E9166}" dt="2018-10-06T23:22:44.096" v="119"/>
-          <ac:spMkLst>
-            <pc:docMk/>
-            <pc:sldMasterMk cId="2132834065" sldId="2147483840"/>
-            <ac:spMk id="2" creationId="{00000000-0000-0000-0000-000000000000}"/>
-          </ac:spMkLst>
-        </pc:spChg>
-        <pc:spChg chg="mod">
-          <ac:chgData name="Xin Zou" userId="260b9726081dae15" providerId="LiveId" clId="{46DFD426-ED4D-43B9-906F-4E50473E9166}" dt="2018-10-06T23:22:44.096" v="119"/>
-          <ac:spMkLst>
-            <pc:docMk/>
-            <pc:sldMasterMk cId="2132834065" sldId="2147483840"/>
-            <ac:spMk id="3" creationId="{00000000-0000-0000-0000-000000000000}"/>
-          </ac:spMkLst>
-        </pc:spChg>
-        <pc:spChg chg="mod">
-          <ac:chgData name="Xin Zou" userId="260b9726081dae15" providerId="LiveId" clId="{46DFD426-ED4D-43B9-906F-4E50473E9166}" dt="2018-10-06T23:22:44.096" v="119"/>
-          <ac:spMkLst>
-            <pc:docMk/>
-            <pc:sldMasterMk cId="2132834065" sldId="2147483840"/>
-            <ac:spMk id="4" creationId="{00000000-0000-0000-0000-000000000000}"/>
-          </ac:spMkLst>
-        </pc:spChg>
-        <pc:spChg chg="mod">
-          <ac:chgData name="Xin Zou" userId="260b9726081dae15" providerId="LiveId" clId="{46DFD426-ED4D-43B9-906F-4E50473E9166}" dt="2018-10-06T23:22:44.096" v="119"/>
-          <ac:spMkLst>
-            <pc:docMk/>
-            <pc:sldMasterMk cId="2132834065" sldId="2147483840"/>
-            <ac:spMk id="5" creationId="{00000000-0000-0000-0000-000000000000}"/>
-          </ac:spMkLst>
-        </pc:spChg>
-        <pc:spChg chg="mod">
-          <ac:chgData name="Xin Zou" userId="260b9726081dae15" providerId="LiveId" clId="{46DFD426-ED4D-43B9-906F-4E50473E9166}" dt="2018-10-06T23:22:44.096" v="119"/>
-          <ac:spMkLst>
-            <pc:docMk/>
-            <pc:sldMasterMk cId="2132834065" sldId="2147483840"/>
-            <ac:spMk id="6" creationId="{00000000-0000-0000-0000-000000000000}"/>
-          </ac:spMkLst>
-        </pc:spChg>
-        <pc:spChg chg="mod">
-          <ac:chgData name="Xin Zou" userId="260b9726081dae15" providerId="LiveId" clId="{46DFD426-ED4D-43B9-906F-4E50473E9166}" dt="2018-10-06T23:22:44.096" v="119"/>
-          <ac:spMkLst>
-            <pc:docMk/>
-            <pc:sldMasterMk cId="2132834065" sldId="2147483840"/>
-            <ac:spMk id="7" creationId="{00000000-0000-0000-0000-000000000000}"/>
-          </ac:spMkLst>
-        </pc:spChg>
-        <pc:spChg chg="mod">
-          <ac:chgData name="Xin Zou" userId="260b9726081dae15" providerId="LiveId" clId="{46DFD426-ED4D-43B9-906F-4E50473E9166}" dt="2018-10-06T23:22:44.096" v="119"/>
-          <ac:spMkLst>
-            <pc:docMk/>
-            <pc:sldMasterMk cId="2132834065" sldId="2147483840"/>
-            <ac:spMk id="10" creationId="{00000000-0000-0000-0000-000000000000}"/>
-          </ac:spMkLst>
-        </pc:spChg>
-        <pc:sldLayoutChg chg="modSp">
-          <pc:chgData name="Xin Zou" userId="260b9726081dae15" providerId="LiveId" clId="{46DFD426-ED4D-43B9-906F-4E50473E9166}" dt="2018-10-06T23:22:44.096" v="119"/>
-          <pc:sldLayoutMkLst>
-            <pc:docMk/>
-            <pc:sldMasterMk cId="2132834065" sldId="2147483840"/>
-            <pc:sldLayoutMk cId="1891364059" sldId="2147483841"/>
-          </pc:sldLayoutMkLst>
-          <pc:spChg chg="mod">
-            <ac:chgData name="Xin Zou" userId="260b9726081dae15" providerId="LiveId" clId="{46DFD426-ED4D-43B9-906F-4E50473E9166}" dt="2018-10-06T23:22:44.096" v="119"/>
-            <ac:spMkLst>
-              <pc:docMk/>
-              <pc:sldMasterMk cId="2132834065" sldId="2147483840"/>
-              <pc:sldLayoutMk cId="1891364059" sldId="2147483841"/>
-              <ac:spMk id="2" creationId="{00000000-0000-0000-0000-000000000000}"/>
-            </ac:spMkLst>
-          </pc:spChg>
-          <pc:spChg chg="mod">
-            <ac:chgData name="Xin Zou" userId="260b9726081dae15" providerId="LiveId" clId="{46DFD426-ED4D-43B9-906F-4E50473E9166}" dt="2018-10-06T23:22:44.096" v="119"/>
-            <ac:spMkLst>
-              <pc:docMk/>
-              <pc:sldMasterMk cId="2132834065" sldId="2147483840"/>
-              <pc:sldLayoutMk cId="1891364059" sldId="2147483841"/>
-              <ac:spMk id="3" creationId="{00000000-0000-0000-0000-000000000000}"/>
-            </ac:spMkLst>
-          </pc:spChg>
-          <pc:spChg chg="mod">
-            <ac:chgData name="Xin Zou" userId="260b9726081dae15" providerId="LiveId" clId="{46DFD426-ED4D-43B9-906F-4E50473E9166}" dt="2018-10-06T23:22:44.096" v="119"/>
-            <ac:spMkLst>
-              <pc:docMk/>
-              <pc:sldMasterMk cId="2132834065" sldId="2147483840"/>
-              <pc:sldLayoutMk cId="1891364059" sldId="2147483841"/>
-              <ac:spMk id="9" creationId="{00000000-0000-0000-0000-000000000000}"/>
-            </ac:spMkLst>
-          </pc:spChg>
-          <pc:spChg chg="mod">
-            <ac:chgData name="Xin Zou" userId="260b9726081dae15" providerId="LiveId" clId="{46DFD426-ED4D-43B9-906F-4E50473E9166}" dt="2018-10-06T23:22:44.096" v="119"/>
-            <ac:spMkLst>
-              <pc:docMk/>
-              <pc:sldMasterMk cId="2132834065" sldId="2147483840"/>
-              <pc:sldLayoutMk cId="1891364059" sldId="2147483841"/>
-              <ac:spMk id="10" creationId="{00000000-0000-0000-0000-000000000000}"/>
-            </ac:spMkLst>
-          </pc:spChg>
-        </pc:sldLayoutChg>
-        <pc:sldLayoutChg chg="modSp">
-          <pc:chgData name="Xin Zou" userId="260b9726081dae15" providerId="LiveId" clId="{46DFD426-ED4D-43B9-906F-4E50473E9166}" dt="2018-10-06T23:22:44.096" v="119"/>
-          <pc:sldLayoutMkLst>
-            <pc:docMk/>
-            <pc:sldMasterMk cId="2132834065" sldId="2147483840"/>
-            <pc:sldLayoutMk cId="2370166727" sldId="2147483842"/>
-          </pc:sldLayoutMkLst>
-          <pc:spChg chg="mod">
-            <ac:chgData name="Xin Zou" userId="260b9726081dae15" providerId="LiveId" clId="{46DFD426-ED4D-43B9-906F-4E50473E9166}" dt="2018-10-06T23:22:44.096" v="119"/>
-            <ac:spMkLst>
-              <pc:docMk/>
-              <pc:sldMasterMk cId="2132834065" sldId="2147483840"/>
-              <pc:sldLayoutMk cId="2370166727" sldId="2147483842"/>
-              <ac:spMk id="2" creationId="{00000000-0000-0000-0000-000000000000}"/>
-            </ac:spMkLst>
-          </pc:spChg>
-        </pc:sldLayoutChg>
-        <pc:sldLayoutChg chg="modSp">
-          <pc:chgData name="Xin Zou" userId="260b9726081dae15" providerId="LiveId" clId="{46DFD426-ED4D-43B9-906F-4E50473E9166}" dt="2018-10-06T23:22:44.096" v="119"/>
-          <pc:sldLayoutMkLst>
-            <pc:docMk/>
-            <pc:sldMasterMk cId="2132834065" sldId="2147483840"/>
-            <pc:sldLayoutMk cId="3703460908" sldId="2147483843"/>
-          </pc:sldLayoutMkLst>
-          <pc:spChg chg="mod">
-            <ac:chgData name="Xin Zou" userId="260b9726081dae15" providerId="LiveId" clId="{46DFD426-ED4D-43B9-906F-4E50473E9166}" dt="2018-10-06T23:22:44.096" v="119"/>
-            <ac:spMkLst>
-              <pc:docMk/>
-              <pc:sldMasterMk cId="2132834065" sldId="2147483840"/>
-              <pc:sldLayoutMk cId="3703460908" sldId="2147483843"/>
-              <ac:spMk id="2" creationId="{00000000-0000-0000-0000-000000000000}"/>
-            </ac:spMkLst>
-          </pc:spChg>
-          <pc:spChg chg="mod">
-            <ac:chgData name="Xin Zou" userId="260b9726081dae15" providerId="LiveId" clId="{46DFD426-ED4D-43B9-906F-4E50473E9166}" dt="2018-10-06T23:22:44.096" v="119"/>
-            <ac:spMkLst>
-              <pc:docMk/>
-              <pc:sldMasterMk cId="2132834065" sldId="2147483840"/>
-              <pc:sldLayoutMk cId="3703460908" sldId="2147483843"/>
-              <ac:spMk id="3" creationId="{00000000-0000-0000-0000-000000000000}"/>
-            </ac:spMkLst>
-          </pc:spChg>
-          <pc:spChg chg="mod">
-            <ac:chgData name="Xin Zou" userId="260b9726081dae15" providerId="LiveId" clId="{46DFD426-ED4D-43B9-906F-4E50473E9166}" dt="2018-10-06T23:22:44.096" v="119"/>
-            <ac:spMkLst>
-              <pc:docMk/>
-              <pc:sldMasterMk cId="2132834065" sldId="2147483840"/>
-              <pc:sldLayoutMk cId="3703460908" sldId="2147483843"/>
-              <ac:spMk id="9" creationId="{00000000-0000-0000-0000-000000000000}"/>
-            </ac:spMkLst>
-          </pc:spChg>
-          <pc:spChg chg="mod">
-            <ac:chgData name="Xin Zou" userId="260b9726081dae15" providerId="LiveId" clId="{46DFD426-ED4D-43B9-906F-4E50473E9166}" dt="2018-10-06T23:22:44.096" v="119"/>
-            <ac:spMkLst>
-              <pc:docMk/>
-              <pc:sldMasterMk cId="2132834065" sldId="2147483840"/>
-              <pc:sldLayoutMk cId="3703460908" sldId="2147483843"/>
-              <ac:spMk id="12" creationId="{00000000-0000-0000-0000-000000000000}"/>
-            </ac:spMkLst>
-          </pc:spChg>
-        </pc:sldLayoutChg>
-        <pc:sldLayoutChg chg="modSp">
-          <pc:chgData name="Xin Zou" userId="260b9726081dae15" providerId="LiveId" clId="{46DFD426-ED4D-43B9-906F-4E50473E9166}" dt="2018-10-06T23:22:44.096" v="119"/>
-          <pc:sldLayoutMkLst>
-            <pc:docMk/>
-            <pc:sldMasterMk cId="2132834065" sldId="2147483840"/>
-            <pc:sldLayoutMk cId="1668313745" sldId="2147483844"/>
-          </pc:sldLayoutMkLst>
-          <pc:spChg chg="mod">
-            <ac:chgData name="Xin Zou" userId="260b9726081dae15" providerId="LiveId" clId="{46DFD426-ED4D-43B9-906F-4E50473E9166}" dt="2018-10-06T23:22:44.096" v="119"/>
-            <ac:spMkLst>
-              <pc:docMk/>
-              <pc:sldMasterMk cId="2132834065" sldId="2147483840"/>
-              <pc:sldLayoutMk cId="1668313745" sldId="2147483844"/>
-              <ac:spMk id="3" creationId="{00000000-0000-0000-0000-000000000000}"/>
-            </ac:spMkLst>
-          </pc:spChg>
-          <pc:spChg chg="mod">
-            <ac:chgData name="Xin Zou" userId="260b9726081dae15" providerId="LiveId" clId="{46DFD426-ED4D-43B9-906F-4E50473E9166}" dt="2018-10-06T23:22:44.096" v="119"/>
-            <ac:spMkLst>
-              <pc:docMk/>
-              <pc:sldMasterMk cId="2132834065" sldId="2147483840"/>
-              <pc:sldLayoutMk cId="1668313745" sldId="2147483844"/>
-              <ac:spMk id="4" creationId="{00000000-0000-0000-0000-000000000000}"/>
-            </ac:spMkLst>
-          </pc:spChg>
-        </pc:sldLayoutChg>
-        <pc:sldLayoutChg chg="modSp">
-          <pc:chgData name="Xin Zou" userId="260b9726081dae15" providerId="LiveId" clId="{46DFD426-ED4D-43B9-906F-4E50473E9166}" dt="2018-10-06T23:22:44.096" v="119"/>
-          <pc:sldLayoutMkLst>
-            <pc:docMk/>
-            <pc:sldMasterMk cId="2132834065" sldId="2147483840"/>
-            <pc:sldLayoutMk cId="3959644187" sldId="2147483845"/>
-          </pc:sldLayoutMkLst>
-          <pc:spChg chg="mod">
-            <ac:chgData name="Xin Zou" userId="260b9726081dae15" providerId="LiveId" clId="{46DFD426-ED4D-43B9-906F-4E50473E9166}" dt="2018-10-06T23:22:44.096" v="119"/>
-            <ac:spMkLst>
-              <pc:docMk/>
-              <pc:sldMasterMk cId="2132834065" sldId="2147483840"/>
-              <pc:sldLayoutMk cId="3959644187" sldId="2147483845"/>
-              <ac:spMk id="3" creationId="{00000000-0000-0000-0000-000000000000}"/>
-            </ac:spMkLst>
-          </pc:spChg>
-          <pc:spChg chg="mod">
-            <ac:chgData name="Xin Zou" userId="260b9726081dae15" providerId="LiveId" clId="{46DFD426-ED4D-43B9-906F-4E50473E9166}" dt="2018-10-06T23:22:44.096" v="119"/>
-            <ac:spMkLst>
-              <pc:docMk/>
-              <pc:sldMasterMk cId="2132834065" sldId="2147483840"/>
-              <pc:sldLayoutMk cId="3959644187" sldId="2147483845"/>
-              <ac:spMk id="4" creationId="{00000000-0000-0000-0000-000000000000}"/>
-            </ac:spMkLst>
-          </pc:spChg>
-          <pc:spChg chg="mod">
-            <ac:chgData name="Xin Zou" userId="260b9726081dae15" providerId="LiveId" clId="{46DFD426-ED4D-43B9-906F-4E50473E9166}" dt="2018-10-06T23:22:44.096" v="119"/>
-            <ac:spMkLst>
-              <pc:docMk/>
-              <pc:sldMasterMk cId="2132834065" sldId="2147483840"/>
-              <pc:sldLayoutMk cId="3959644187" sldId="2147483845"/>
-              <ac:spMk id="5" creationId="{00000000-0000-0000-0000-000000000000}"/>
-            </ac:spMkLst>
-          </pc:spChg>
-          <pc:spChg chg="mod">
-            <ac:chgData name="Xin Zou" userId="260b9726081dae15" providerId="LiveId" clId="{46DFD426-ED4D-43B9-906F-4E50473E9166}" dt="2018-10-06T23:22:44.096" v="119"/>
-            <ac:spMkLst>
-              <pc:docMk/>
-              <pc:sldMasterMk cId="2132834065" sldId="2147483840"/>
-              <pc:sldLayoutMk cId="3959644187" sldId="2147483845"/>
-              <ac:spMk id="6" creationId="{00000000-0000-0000-0000-000000000000}"/>
-            </ac:spMkLst>
-          </pc:spChg>
-        </pc:sldLayoutChg>
-        <pc:sldLayoutChg chg="modSp">
-          <pc:chgData name="Xin Zou" userId="260b9726081dae15" providerId="LiveId" clId="{46DFD426-ED4D-43B9-906F-4E50473E9166}" dt="2018-10-06T23:22:44.096" v="119"/>
-          <pc:sldLayoutMkLst>
-            <pc:docMk/>
-            <pc:sldMasterMk cId="2132834065" sldId="2147483840"/>
-            <pc:sldLayoutMk cId="3645258193" sldId="2147483848"/>
-          </pc:sldLayoutMkLst>
-          <pc:spChg chg="mod">
-            <ac:chgData name="Xin Zou" userId="260b9726081dae15" providerId="LiveId" clId="{46DFD426-ED4D-43B9-906F-4E50473E9166}" dt="2018-10-06T23:22:44.096" v="119"/>
-            <ac:spMkLst>
-              <pc:docMk/>
-              <pc:sldMasterMk cId="2132834065" sldId="2147483840"/>
-              <pc:sldLayoutMk cId="3645258193" sldId="2147483848"/>
-              <ac:spMk id="2" creationId="{00000000-0000-0000-0000-000000000000}"/>
-            </ac:spMkLst>
-          </pc:spChg>
-          <pc:spChg chg="mod">
-            <ac:chgData name="Xin Zou" userId="260b9726081dae15" providerId="LiveId" clId="{46DFD426-ED4D-43B9-906F-4E50473E9166}" dt="2018-10-06T23:22:44.096" v="119"/>
-            <ac:spMkLst>
-              <pc:docMk/>
-              <pc:sldMasterMk cId="2132834065" sldId="2147483840"/>
-              <pc:sldLayoutMk cId="3645258193" sldId="2147483848"/>
-              <ac:spMk id="3" creationId="{00000000-0000-0000-0000-000000000000}"/>
-            </ac:spMkLst>
-          </pc:spChg>
-          <pc:spChg chg="mod">
-            <ac:chgData name="Xin Zou" userId="260b9726081dae15" providerId="LiveId" clId="{46DFD426-ED4D-43B9-906F-4E50473E9166}" dt="2018-10-06T23:22:44.096" v="119"/>
-            <ac:spMkLst>
-              <pc:docMk/>
-              <pc:sldMasterMk cId="2132834065" sldId="2147483840"/>
-              <pc:sldLayoutMk cId="3645258193" sldId="2147483848"/>
-              <ac:spMk id="4" creationId="{00000000-0000-0000-0000-000000000000}"/>
-            </ac:spMkLst>
-          </pc:spChg>
-          <pc:spChg chg="mod">
-            <ac:chgData name="Xin Zou" userId="260b9726081dae15" providerId="LiveId" clId="{46DFD426-ED4D-43B9-906F-4E50473E9166}" dt="2018-10-06T23:22:44.096" v="119"/>
-            <ac:spMkLst>
-              <pc:docMk/>
-              <pc:sldMasterMk cId="2132834065" sldId="2147483840"/>
-              <pc:sldLayoutMk cId="3645258193" sldId="2147483848"/>
-              <ac:spMk id="9" creationId="{00000000-0000-0000-0000-000000000000}"/>
-            </ac:spMkLst>
-          </pc:spChg>
-          <pc:spChg chg="mod">
-            <ac:chgData name="Xin Zou" userId="260b9726081dae15" providerId="LiveId" clId="{46DFD426-ED4D-43B9-906F-4E50473E9166}" dt="2018-10-06T23:22:44.096" v="119"/>
-            <ac:spMkLst>
-              <pc:docMk/>
-              <pc:sldMasterMk cId="2132834065" sldId="2147483840"/>
-              <pc:sldLayoutMk cId="3645258193" sldId="2147483848"/>
-              <ac:spMk id="12" creationId="{00000000-0000-0000-0000-000000000000}"/>
-            </ac:spMkLst>
-          </pc:spChg>
-        </pc:sldLayoutChg>
-        <pc:sldLayoutChg chg="modSp">
-          <pc:chgData name="Xin Zou" userId="260b9726081dae15" providerId="LiveId" clId="{46DFD426-ED4D-43B9-906F-4E50473E9166}" dt="2018-10-06T23:22:44.096" v="119"/>
-          <pc:sldLayoutMkLst>
-            <pc:docMk/>
-            <pc:sldMasterMk cId="2132834065" sldId="2147483840"/>
-            <pc:sldLayoutMk cId="1968055645" sldId="2147483849"/>
-          </pc:sldLayoutMkLst>
-          <pc:spChg chg="mod">
-            <ac:chgData name="Xin Zou" userId="260b9726081dae15" providerId="LiveId" clId="{46DFD426-ED4D-43B9-906F-4E50473E9166}" dt="2018-10-06T23:22:44.096" v="119"/>
-            <ac:spMkLst>
-              <pc:docMk/>
-              <pc:sldMasterMk cId="2132834065" sldId="2147483840"/>
-              <pc:sldLayoutMk cId="1968055645" sldId="2147483849"/>
-              <ac:spMk id="2" creationId="{00000000-0000-0000-0000-000000000000}"/>
-            </ac:spMkLst>
-          </pc:spChg>
-          <pc:spChg chg="mod">
-            <ac:chgData name="Xin Zou" userId="260b9726081dae15" providerId="LiveId" clId="{46DFD426-ED4D-43B9-906F-4E50473E9166}" dt="2018-10-06T23:22:44.096" v="119"/>
-            <ac:spMkLst>
-              <pc:docMk/>
-              <pc:sldMasterMk cId="2132834065" sldId="2147483840"/>
-              <pc:sldLayoutMk cId="1968055645" sldId="2147483849"/>
-              <ac:spMk id="3" creationId="{00000000-0000-0000-0000-000000000000}"/>
-            </ac:spMkLst>
-          </pc:spChg>
-          <pc:spChg chg="mod">
-            <ac:chgData name="Xin Zou" userId="260b9726081dae15" providerId="LiveId" clId="{46DFD426-ED4D-43B9-906F-4E50473E9166}" dt="2018-10-06T23:22:44.096" v="119"/>
-            <ac:spMkLst>
-              <pc:docMk/>
-              <pc:sldMasterMk cId="2132834065" sldId="2147483840"/>
-              <pc:sldLayoutMk cId="1968055645" sldId="2147483849"/>
-              <ac:spMk id="4" creationId="{00000000-0000-0000-0000-000000000000}"/>
-            </ac:spMkLst>
-          </pc:spChg>
-          <pc:spChg chg="mod">
-            <ac:chgData name="Xin Zou" userId="260b9726081dae15" providerId="LiveId" clId="{46DFD426-ED4D-43B9-906F-4E50473E9166}" dt="2018-10-06T23:22:44.096" v="119"/>
-            <ac:spMkLst>
-              <pc:docMk/>
-              <pc:sldMasterMk cId="2132834065" sldId="2147483840"/>
-              <pc:sldLayoutMk cId="1968055645" sldId="2147483849"/>
-              <ac:spMk id="5" creationId="{00000000-0000-0000-0000-000000000000}"/>
-            </ac:spMkLst>
-          </pc:spChg>
-          <pc:spChg chg="mod">
-            <ac:chgData name="Xin Zou" userId="260b9726081dae15" providerId="LiveId" clId="{46DFD426-ED4D-43B9-906F-4E50473E9166}" dt="2018-10-06T23:22:44.096" v="119"/>
-            <ac:spMkLst>
-              <pc:docMk/>
-              <pc:sldMasterMk cId="2132834065" sldId="2147483840"/>
-              <pc:sldLayoutMk cId="1968055645" sldId="2147483849"/>
-              <ac:spMk id="6" creationId="{00000000-0000-0000-0000-000000000000}"/>
-            </ac:spMkLst>
-          </pc:spChg>
-          <pc:spChg chg="mod">
-            <ac:chgData name="Xin Zou" userId="260b9726081dae15" providerId="LiveId" clId="{46DFD426-ED4D-43B9-906F-4E50473E9166}" dt="2018-10-06T23:22:44.096" v="119"/>
-            <ac:spMkLst>
-              <pc:docMk/>
-              <pc:sldMasterMk cId="2132834065" sldId="2147483840"/>
-              <pc:sldLayoutMk cId="1968055645" sldId="2147483849"/>
-              <ac:spMk id="7" creationId="{00000000-0000-0000-0000-000000000000}"/>
-            </ac:spMkLst>
-          </pc:spChg>
-          <pc:spChg chg="mod">
-            <ac:chgData name="Xin Zou" userId="260b9726081dae15" providerId="LiveId" clId="{46DFD426-ED4D-43B9-906F-4E50473E9166}" dt="2018-10-06T23:22:44.096" v="119"/>
-            <ac:spMkLst>
-              <pc:docMk/>
-              <pc:sldMasterMk cId="2132834065" sldId="2147483840"/>
-              <pc:sldLayoutMk cId="1968055645" sldId="2147483849"/>
-              <ac:spMk id="9" creationId="{00000000-0000-0000-0000-000000000000}"/>
-            </ac:spMkLst>
-          </pc:spChg>
-          <pc:spChg chg="mod">
-            <ac:chgData name="Xin Zou" userId="260b9726081dae15" providerId="LiveId" clId="{46DFD426-ED4D-43B9-906F-4E50473E9166}" dt="2018-10-06T23:22:44.096" v="119"/>
-            <ac:spMkLst>
-              <pc:docMk/>
-              <pc:sldMasterMk cId="2132834065" sldId="2147483840"/>
-              <pc:sldLayoutMk cId="1968055645" sldId="2147483849"/>
-              <ac:spMk id="11" creationId="{00000000-0000-0000-0000-000000000000}"/>
-            </ac:spMkLst>
-          </pc:spChg>
-        </pc:sldLayoutChg>
-        <pc:sldLayoutChg chg="modSp">
-          <pc:chgData name="Xin Zou" userId="260b9726081dae15" providerId="LiveId" clId="{46DFD426-ED4D-43B9-906F-4E50473E9166}" dt="2018-10-06T23:22:44.096" v="119"/>
-          <pc:sldLayoutMkLst>
-            <pc:docMk/>
-            <pc:sldMasterMk cId="2132834065" sldId="2147483840"/>
-            <pc:sldLayoutMk cId="275407233" sldId="2147483851"/>
-          </pc:sldLayoutMkLst>
-          <pc:spChg chg="mod">
-            <ac:chgData name="Xin Zou" userId="260b9726081dae15" providerId="LiveId" clId="{46DFD426-ED4D-43B9-906F-4E50473E9166}" dt="2018-10-06T23:22:44.096" v="119"/>
-            <ac:spMkLst>
-              <pc:docMk/>
-              <pc:sldMasterMk cId="2132834065" sldId="2147483840"/>
-              <pc:sldLayoutMk cId="275407233" sldId="2147483851"/>
-              <ac:spMk id="2" creationId="{00000000-0000-0000-0000-000000000000}"/>
-            </ac:spMkLst>
-          </pc:spChg>
-          <pc:spChg chg="mod">
-            <ac:chgData name="Xin Zou" userId="260b9726081dae15" providerId="LiveId" clId="{46DFD426-ED4D-43B9-906F-4E50473E9166}" dt="2018-10-06T23:22:44.096" v="119"/>
-            <ac:spMkLst>
-              <pc:docMk/>
-              <pc:sldMasterMk cId="2132834065" sldId="2147483840"/>
-              <pc:sldLayoutMk cId="275407233" sldId="2147483851"/>
-              <ac:spMk id="3" creationId="{00000000-0000-0000-0000-000000000000}"/>
-            </ac:spMkLst>
-          </pc:spChg>
-          <pc:spChg chg="mod">
-            <ac:chgData name="Xin Zou" userId="260b9726081dae15" providerId="LiveId" clId="{46DFD426-ED4D-43B9-906F-4E50473E9166}" dt="2018-10-06T23:22:44.096" v="119"/>
-            <ac:spMkLst>
-              <pc:docMk/>
-              <pc:sldMasterMk cId="2132834065" sldId="2147483840"/>
-              <pc:sldLayoutMk cId="275407233" sldId="2147483851"/>
-              <ac:spMk id="5" creationId="{00000000-0000-0000-0000-000000000000}"/>
-            </ac:spMkLst>
-          </pc:spChg>
-          <pc:spChg chg="mod">
-            <ac:chgData name="Xin Zou" userId="260b9726081dae15" providerId="LiveId" clId="{46DFD426-ED4D-43B9-906F-4E50473E9166}" dt="2018-10-06T23:22:44.096" v="119"/>
-            <ac:spMkLst>
-              <pc:docMk/>
-              <pc:sldMasterMk cId="2132834065" sldId="2147483840"/>
-              <pc:sldLayoutMk cId="275407233" sldId="2147483851"/>
-              <ac:spMk id="8" creationId="{00000000-0000-0000-0000-000000000000}"/>
-            </ac:spMkLst>
-          </pc:spChg>
-          <pc:spChg chg="mod">
-            <ac:chgData name="Xin Zou" userId="260b9726081dae15" providerId="LiveId" clId="{46DFD426-ED4D-43B9-906F-4E50473E9166}" dt="2018-10-06T23:22:44.096" v="119"/>
-            <ac:spMkLst>
-              <pc:docMk/>
-              <pc:sldMasterMk cId="2132834065" sldId="2147483840"/>
-              <pc:sldLayoutMk cId="275407233" sldId="2147483851"/>
-              <ac:spMk id="9" creationId="{00000000-0000-0000-0000-000000000000}"/>
-            </ac:spMkLst>
-          </pc:spChg>
-        </pc:sldLayoutChg>
-      </pc:sldMasterChg>
     </pc:docChg>
   </pc:docChgLst>
 </pc:chgInfo>
@@ -4738,7 +4241,7 @@
             <a:fld id="{6455661B-2E2A-4413-A8EF-12FE8F14696A}" type="datetimeFigureOut">
               <a:rPr lang="en-US" smtClean="0"/>
               <a:pPr/>
-              <a:t>10/6/2018</a:t>
+              <a:t>10/8/2018</a:t>
             </a:fld>
             <a:endParaRPr lang="en-US"/>
           </a:p>
@@ -6118,7 +5621,7 @@
           <a:p>
             <a:fld id="{48A87A34-81AB-432B-8DAE-1953F412C126}" type="datetimeFigureOut">
               <a:rPr lang="en-US" smtClean="0"/>
-              <a:t>10/6/2018</a:t>
+              <a:t>10/8/2018</a:t>
             </a:fld>
             <a:endParaRPr lang="en-US" dirty="0"/>
           </a:p>
@@ -6400,7 +5903,7 @@
             <a:fld id="{48A87A34-81AB-432B-8DAE-1953F412C126}" type="datetimeFigureOut">
               <a:rPr lang="en-US" smtClean="0"/>
               <a:pPr/>
-              <a:t>10/6/2018</a:t>
+              <a:t>10/8/2018</a:t>
             </a:fld>
             <a:endParaRPr lang="en-US" dirty="0"/>
           </a:p>
@@ -6594,7 +6097,7 @@
             <a:fld id="{48A87A34-81AB-432B-8DAE-1953F412C126}" type="datetimeFigureOut">
               <a:rPr lang="en-US" smtClean="0"/>
               <a:pPr/>
-              <a:t>10/6/2018</a:t>
+              <a:t>10/8/2018</a:t>
             </a:fld>
             <a:endParaRPr lang="en-US" dirty="0"/>
           </a:p>
@@ -6857,7 +6360,7 @@
             <a:fld id="{48A87A34-81AB-432B-8DAE-1953F412C126}" type="datetimeFigureOut">
               <a:rPr lang="en-US" smtClean="0"/>
               <a:pPr/>
-              <a:t>10/6/2018</a:t>
+              <a:t>10/8/2018</a:t>
             </a:fld>
             <a:endParaRPr lang="en-US" dirty="0"/>
           </a:p>
@@ -7285,7 +6788,7 @@
             <a:fld id="{48A87A34-81AB-432B-8DAE-1953F412C126}" type="datetimeFigureOut">
               <a:rPr lang="en-US" smtClean="0"/>
               <a:pPr/>
-              <a:t>10/6/2018</a:t>
+              <a:t>10/8/2018</a:t>
             </a:fld>
             <a:endParaRPr lang="en-US" dirty="0"/>
           </a:p>
@@ -7833,7 +7336,7 @@
             <a:fld id="{48A87A34-81AB-432B-8DAE-1953F412C126}" type="datetimeFigureOut">
               <a:rPr lang="en-US" smtClean="0"/>
               <a:pPr/>
-              <a:t>10/6/2018</a:t>
+              <a:t>10/8/2018</a:t>
             </a:fld>
             <a:endParaRPr lang="en-US" dirty="0"/>
           </a:p>
@@ -8666,7 +8169,7 @@
             <a:fld id="{48A87A34-81AB-432B-8DAE-1953F412C126}" type="datetimeFigureOut">
               <a:rPr lang="en-US" smtClean="0"/>
               <a:pPr/>
-              <a:t>10/6/2018</a:t>
+              <a:t>10/8/2018</a:t>
             </a:fld>
             <a:endParaRPr lang="en-US" dirty="0"/>
           </a:p>
@@ -8837,7 +8340,7 @@
           <a:p>
             <a:fld id="{48A87A34-81AB-432B-8DAE-1953F412C126}" type="datetimeFigureOut">
               <a:rPr lang="en-US" smtClean="0"/>
-              <a:t>10/6/2018</a:t>
+              <a:t>10/8/2018</a:t>
             </a:fld>
             <a:endParaRPr lang="en-US" dirty="0"/>
           </a:p>
@@ -9017,7 +8520,7 @@
           <a:p>
             <a:fld id="{48A87A34-81AB-432B-8DAE-1953F412C126}" type="datetimeFigureOut">
               <a:rPr lang="en-US" smtClean="0"/>
-              <a:t>10/6/2018</a:t>
+              <a:t>10/8/2018</a:t>
             </a:fld>
             <a:endParaRPr lang="en-US" dirty="0"/>
           </a:p>
@@ -9274,7 +8777,7 @@
           <a:p>
             <a:fld id="{48A87A34-81AB-432B-8DAE-1953F412C126}" type="datetimeFigureOut">
               <a:rPr lang="en-US" smtClean="0"/>
-              <a:t>10/6/2018</a:t>
+              <a:t>10/8/2018</a:t>
             </a:fld>
             <a:endParaRPr lang="en-US" dirty="0"/>
           </a:p>
@@ -9444,7 +8947,7 @@
           <a:p>
             <a:fld id="{48A87A34-81AB-432B-8DAE-1953F412C126}" type="datetimeFigureOut">
               <a:rPr lang="en-US" smtClean="0"/>
-              <a:t>10/6/2018</a:t>
+              <a:t>10/8/2018</a:t>
             </a:fld>
             <a:endParaRPr lang="en-US" dirty="0"/>
           </a:p>
@@ -9614,7 +9117,7 @@
           <a:p>
             <a:fld id="{48A87A34-81AB-432B-8DAE-1953F412C126}" type="datetimeFigureOut">
               <a:rPr lang="en-US" smtClean="0"/>
-              <a:t>10/6/2018</a:t>
+              <a:t>10/8/2018</a:t>
             </a:fld>
             <a:endParaRPr lang="en-US" dirty="0"/>
           </a:p>
@@ -9871,7 +9374,7 @@
           <a:p>
             <a:fld id="{48A87A34-81AB-432B-8DAE-1953F412C126}" type="datetimeFigureOut">
               <a:rPr lang="en-US" smtClean="0"/>
-              <a:t>10/6/2018</a:t>
+              <a:t>10/8/2018</a:t>
             </a:fld>
             <a:endParaRPr lang="en-US" dirty="0"/>
           </a:p>
@@ -10103,7 +9606,7 @@
           <a:p>
             <a:fld id="{48A87A34-81AB-432B-8DAE-1953F412C126}" type="datetimeFigureOut">
               <a:rPr lang="en-US" smtClean="0"/>
-              <a:t>10/6/2018</a:t>
+              <a:t>10/8/2018</a:t>
             </a:fld>
             <a:endParaRPr lang="en-US" dirty="0"/>
           </a:p>
@@ -10496,7 +9999,7 @@
           <a:p>
             <a:fld id="{48A87A34-81AB-432B-8DAE-1953F412C126}" type="datetimeFigureOut">
               <a:rPr lang="en-US" smtClean="0"/>
-              <a:t>10/6/2018</a:t>
+              <a:t>10/8/2018</a:t>
             </a:fld>
             <a:endParaRPr lang="en-US" dirty="0"/>
           </a:p>
@@ -10614,7 +10117,7 @@
           <a:p>
             <a:fld id="{48A87A34-81AB-432B-8DAE-1953F412C126}" type="datetimeFigureOut">
               <a:rPr lang="en-US" smtClean="0"/>
-              <a:t>10/6/2018</a:t>
+              <a:t>10/8/2018</a:t>
             </a:fld>
             <a:endParaRPr lang="en-US" dirty="0"/>
           </a:p>
@@ -10709,7 +10212,7 @@
           <a:p>
             <a:fld id="{48A87A34-81AB-432B-8DAE-1953F412C126}" type="datetimeFigureOut">
               <a:rPr lang="en-US" smtClean="0"/>
-              <a:t>10/6/2018</a:t>
+              <a:t>10/8/2018</a:t>
             </a:fld>
             <a:endParaRPr lang="en-US" dirty="0"/>
           </a:p>
@@ -10982,7 +10485,7 @@
           <a:p>
             <a:fld id="{48A87A34-81AB-432B-8DAE-1953F412C126}" type="datetimeFigureOut">
               <a:rPr lang="en-US" smtClean="0"/>
-              <a:t>10/6/2018</a:t>
+              <a:t>10/8/2018</a:t>
             </a:fld>
             <a:endParaRPr lang="en-US" dirty="0"/>
           </a:p>
@@ -11263,7 +10766,7 @@
           <a:p>
             <a:fld id="{48A87A34-81AB-432B-8DAE-1953F412C126}" type="datetimeFigureOut">
               <a:rPr lang="en-US" smtClean="0"/>
-              <a:t>10/6/2018</a:t>
+              <a:t>10/8/2018</a:t>
             </a:fld>
             <a:endParaRPr lang="en-US" dirty="0"/>
           </a:p>
@@ -11545,7 +11048,7 @@
             <a:fld id="{48A87A34-81AB-432B-8DAE-1953F412C126}" type="datetimeFigureOut">
               <a:rPr lang="en-US" smtClean="0"/>
               <a:pPr/>
-              <a:t>10/6/2018</a:t>
+              <a:t>10/8/2018</a:t>
             </a:fld>
             <a:endParaRPr lang="en-US" dirty="0"/>
           </a:p>
@@ -11739,7 +11242,7 @@
             <a:fld id="{48A87A34-81AB-432B-8DAE-1953F412C126}" type="datetimeFigureOut">
               <a:rPr lang="en-US" smtClean="0"/>
               <a:pPr/>
-              <a:t>10/6/2018</a:t>
+              <a:t>10/8/2018</a:t>
             </a:fld>
             <a:endParaRPr lang="en-US" dirty="0"/>
           </a:p>
@@ -12002,7 +11505,7 @@
             <a:fld id="{48A87A34-81AB-432B-8DAE-1953F412C126}" type="datetimeFigureOut">
               <a:rPr lang="en-US" smtClean="0"/>
               <a:pPr/>
-              <a:t>10/6/2018</a:t>
+              <a:t>10/8/2018</a:t>
             </a:fld>
             <a:endParaRPr lang="en-US" dirty="0"/>
           </a:p>
@@ -12492,7 +11995,7 @@
           <a:p>
             <a:fld id="{48A87A34-81AB-432B-8DAE-1953F412C126}" type="datetimeFigureOut">
               <a:rPr lang="en-US" smtClean="0"/>
-              <a:t>10/6/2018</a:t>
+              <a:t>10/8/2018</a:t>
             </a:fld>
             <a:endParaRPr lang="en-US" dirty="0"/>
           </a:p>
@@ -12687,7 +12190,7 @@
             <a:fld id="{48A87A34-81AB-432B-8DAE-1953F412C126}" type="datetimeFigureOut">
               <a:rPr lang="en-US" smtClean="0"/>
               <a:pPr/>
-              <a:t>10/6/2018</a:t>
+              <a:t>10/8/2018</a:t>
             </a:fld>
             <a:endParaRPr lang="en-US" dirty="0"/>
           </a:p>
@@ -13235,7 +12738,7 @@
             <a:fld id="{48A87A34-81AB-432B-8DAE-1953F412C126}" type="datetimeFigureOut">
               <a:rPr lang="en-US" smtClean="0"/>
               <a:pPr/>
-              <a:t>10/6/2018</a:t>
+              <a:t>10/8/2018</a:t>
             </a:fld>
             <a:endParaRPr lang="en-US" dirty="0"/>
           </a:p>
@@ -14068,7 +13571,7 @@
             <a:fld id="{48A87A34-81AB-432B-8DAE-1953F412C126}" type="datetimeFigureOut">
               <a:rPr lang="en-US" smtClean="0"/>
               <a:pPr/>
-              <a:t>10/6/2018</a:t>
+              <a:t>10/8/2018</a:t>
             </a:fld>
             <a:endParaRPr lang="en-US" dirty="0"/>
           </a:p>
@@ -14239,7 +13742,7 @@
           <a:p>
             <a:fld id="{48A87A34-81AB-432B-8DAE-1953F412C126}" type="datetimeFigureOut">
               <a:rPr lang="en-US" smtClean="0"/>
-              <a:t>10/6/2018</a:t>
+              <a:t>10/8/2018</a:t>
             </a:fld>
             <a:endParaRPr lang="en-US" dirty="0"/>
           </a:p>
@@ -14419,7 +13922,7 @@
           <a:p>
             <a:fld id="{48A87A34-81AB-432B-8DAE-1953F412C126}" type="datetimeFigureOut">
               <a:rPr lang="en-US" smtClean="0"/>
-              <a:t>10/6/2018</a:t>
+              <a:t>10/8/2018</a:t>
             </a:fld>
             <a:endParaRPr lang="en-US" dirty="0"/>
           </a:p>
@@ -14651,7 +14154,7 @@
           <a:p>
             <a:fld id="{48A87A34-81AB-432B-8DAE-1953F412C126}" type="datetimeFigureOut">
               <a:rPr lang="en-US" smtClean="0"/>
-              <a:t>10/6/2018</a:t>
+              <a:t>10/8/2018</a:t>
             </a:fld>
             <a:endParaRPr lang="en-US" dirty="0"/>
           </a:p>
@@ -15044,7 +14547,7 @@
           <a:p>
             <a:fld id="{48A87A34-81AB-432B-8DAE-1953F412C126}" type="datetimeFigureOut">
               <a:rPr lang="en-US" smtClean="0"/>
-              <a:t>10/6/2018</a:t>
+              <a:t>10/8/2018</a:t>
             </a:fld>
             <a:endParaRPr lang="en-US" dirty="0"/>
           </a:p>
@@ -15162,7 +14665,7 @@
           <a:p>
             <a:fld id="{48A87A34-81AB-432B-8DAE-1953F412C126}" type="datetimeFigureOut">
               <a:rPr lang="en-US" smtClean="0"/>
-              <a:t>10/6/2018</a:t>
+              <a:t>10/8/2018</a:t>
             </a:fld>
             <a:endParaRPr lang="en-US" dirty="0"/>
           </a:p>
@@ -15257,7 +14760,7 @@
           <a:p>
             <a:fld id="{48A87A34-81AB-432B-8DAE-1953F412C126}" type="datetimeFigureOut">
               <a:rPr lang="en-US" smtClean="0"/>
-              <a:t>10/6/2018</a:t>
+              <a:t>10/8/2018</a:t>
             </a:fld>
             <a:endParaRPr lang="en-US" dirty="0"/>
           </a:p>
@@ -15530,7 +15033,7 @@
           <a:p>
             <a:fld id="{48A87A34-81AB-432B-8DAE-1953F412C126}" type="datetimeFigureOut">
               <a:rPr lang="en-US" smtClean="0"/>
-              <a:t>10/6/2018</a:t>
+              <a:t>10/8/2018</a:t>
             </a:fld>
             <a:endParaRPr lang="en-US" dirty="0"/>
           </a:p>
@@ -15811,7 +15314,7 @@
           <a:p>
             <a:fld id="{48A87A34-81AB-432B-8DAE-1953F412C126}" type="datetimeFigureOut">
               <a:rPr lang="en-US" smtClean="0"/>
-              <a:t>10/6/2018</a:t>
+              <a:t>10/8/2018</a:t>
             </a:fld>
             <a:endParaRPr lang="en-US" dirty="0"/>
           </a:p>
@@ -16052,7 +15555,7 @@
             <a:fld id="{48A87A34-81AB-432B-8DAE-1953F412C126}" type="datetimeFigureOut">
               <a:rPr lang="en-US" smtClean="0"/>
               <a:pPr/>
-              <a:t>10/6/2018</a:t>
+              <a:t>10/8/2018</a:t>
             </a:fld>
             <a:endParaRPr lang="en-US" dirty="0"/>
           </a:p>
@@ -16778,7 +16281,7 @@
             <a:fld id="{48A87A34-81AB-432B-8DAE-1953F412C126}" type="datetimeFigureOut">
               <a:rPr lang="en-US" smtClean="0"/>
               <a:pPr/>
-              <a:t>10/6/2018</a:t>
+              <a:t>10/8/2018</a:t>
             </a:fld>
             <a:endParaRPr lang="en-US" dirty="0"/>
           </a:p>
@@ -17348,13 +16851,13 @@
             <a:spLocks noGrp="1"/>
           </p:cNvSpPr>
           <p:nvPr>
-            <p:ph type="ctrTitle"/>
+            <p:ph type="title"/>
           </p:nvPr>
         </p:nvSpPr>
         <p:spPr/>
         <p:txBody>
           <a:bodyPr>
-            <a:normAutofit fontScale="90000"/>
+            <a:normAutofit/>
           </a:bodyPr>
           <a:lstStyle/>
           <a:p>
@@ -17389,15 +16892,10 @@
             <a:spLocks noGrp="1"/>
           </p:cNvSpPr>
           <p:nvPr>
-            <p:ph type="subTitle" idx="1"/>
-          </p:nvPr>
-        </p:nvSpPr>
-        <p:spPr>
-          <a:xfrm>
-            <a:off x="2209799" y="3124201"/>
-            <a:ext cx="9144000" cy="1324200"/>
-          </a:xfrm>
-        </p:spPr>
+            <p:ph type="body" sz="half" idx="2"/>
+          </p:nvPr>
+        </p:nvSpPr>
+        <p:spPr/>
         <p:txBody>
           <a:bodyPr>
             <a:normAutofit/>
@@ -20226,24 +19724,24 @@
             <a:pPr eaLnBrk="1" hangingPunct="1"/>
             <a:r>
               <a:rPr lang="zh-CN" altLang="en-US" dirty="0">
-                <a:ea typeface="宋体" pitchFamily="2" charset="-122"/>
+                <a:latin typeface="+mj-ea"/>
               </a:rPr>
               <a:t>项目经理 </a:t>
             </a:r>
             <a:r>
               <a:rPr lang="en-US" altLang="zh-CN" dirty="0">
-                <a:ea typeface="宋体" pitchFamily="2" charset="-122"/>
+                <a:latin typeface="+mj-ea"/>
               </a:rPr>
-              <a:t>- </a:t>
+              <a:t>– </a:t>
             </a:r>
             <a:r>
               <a:rPr lang="zh-CN" altLang="en-US" dirty="0">
-                <a:ea typeface="宋体" pitchFamily="2" charset="-122"/>
+                <a:latin typeface="+mj-ea"/>
               </a:rPr>
-              <a:t>概要</a:t>
+              <a:t>课程概要</a:t>
             </a:r>
             <a:endParaRPr lang="en-US" altLang="zh-CN" dirty="0">
-              <a:ea typeface="宋体" pitchFamily="2" charset="-122"/>
+              <a:latin typeface="+mj-ea"/>
             </a:endParaRPr>
           </a:p>
         </p:txBody>
@@ -20293,9 +19791,18 @@
           <a:p>
             <a:pPr eaLnBrk="1" hangingPunct="1"/>
             <a:r>
-              <a:rPr lang="en-US" altLang="zh-CN" dirty="0"/>
-              <a:t>PM homework </a:t>
-            </a:r>
+              <a:rPr lang="zh-CN" altLang="en-US" dirty="0"/>
+              <a:t>风险管理</a:t>
+            </a:r>
+            <a:endParaRPr lang="en-US" altLang="zh-CN" dirty="0"/>
+          </a:p>
+          <a:p>
+            <a:pPr eaLnBrk="1" hangingPunct="1"/>
+            <a:r>
+              <a:rPr lang="zh-CN" altLang="en-US" dirty="0"/>
+              <a:t>如何开好会议</a:t>
+            </a:r>
+            <a:endParaRPr lang="en-US" altLang="zh-CN" dirty="0"/>
           </a:p>
         </p:txBody>
       </p:sp>
@@ -35502,21 +35009,12 @@
 </file>
 
 <file path=customXml/item1.xml><?xml version="1.0" encoding="utf-8"?>
-<?mso-contentType ?>
-<FormTemplates xmlns="http://schemas.microsoft.com/sharepoint/v3/contenttype/forms">
-  <Display>DocumentLibraryForm</Display>
-  <Edit>DocumentLibraryForm</Edit>
-  <New>DocumentLibraryForm</New>
-</FormTemplates>
-</file>
-
-<file path=customXml/item2.xml><?xml version="1.0" encoding="utf-8"?>
 <p:properties xmlns:p="http://schemas.microsoft.com/office/2006/metadata/properties" xmlns:xsi="http://www.w3.org/2001/XMLSchema-instance" xmlns:pc="http://schemas.microsoft.com/office/infopath/2007/PartnerControls">
   <documentManagement/>
 </p:properties>
 </file>
 
-<file path=customXml/item3.xml><?xml version="1.0" encoding="utf-8"?>
+<file path=customXml/item2.xml><?xml version="1.0" encoding="utf-8"?>
 <ct:contentTypeSchema xmlns:ct="http://schemas.microsoft.com/office/2006/metadata/contentType" xmlns:ma="http://schemas.microsoft.com/office/2006/metadata/properties/metaAttributes" ct:_="" ma:_="" ma:contentTypeName="Document" ma:contentTypeID="0x0101006371182FA640024E8A2815D490E1EF25" ma:contentTypeVersion="0" ma:contentTypeDescription="Create a new document." ma:contentTypeScope="" ma:versionID="3591aab47f172a2900f307f59d422227">
   <xsd:schema xmlns:xsd="http://www.w3.org/2001/XMLSchema" xmlns:xs="http://www.w3.org/2001/XMLSchema" xmlns:p="http://schemas.microsoft.com/office/2006/metadata/properties" targetNamespace="http://schemas.microsoft.com/office/2006/metadata/properties" ma:root="true" ma:fieldsID="1f28ea01430cdfb20a10736313f817e3">
     <xsd:element name="properties">
@@ -35630,15 +35128,16 @@
 </ct:contentTypeSchema>
 </file>
 
-<file path=customXml/itemProps1.xml><?xml version="1.0" encoding="utf-8"?>
-<ds:datastoreItem xmlns:ds="http://schemas.openxmlformats.org/officeDocument/2006/customXml" ds:itemID="{E0F32828-20FB-41F1-93A8-15BC4BB130A9}">
-  <ds:schemaRefs>
-    <ds:schemaRef ds:uri="http://schemas.microsoft.com/sharepoint/v3/contenttype/forms"/>
-  </ds:schemaRefs>
-</ds:datastoreItem>
+<file path=customXml/item3.xml><?xml version="1.0" encoding="utf-8"?>
+<?mso-contentType ?>
+<FormTemplates xmlns="http://schemas.microsoft.com/sharepoint/v3/contenttype/forms">
+  <Display>DocumentLibraryForm</Display>
+  <Edit>DocumentLibraryForm</Edit>
+  <New>DocumentLibraryForm</New>
+</FormTemplates>
 </file>
 
-<file path=customXml/itemProps2.xml><?xml version="1.0" encoding="utf-8"?>
+<file path=customXml/itemProps1.xml><?xml version="1.0" encoding="utf-8"?>
 <ds:datastoreItem xmlns:ds="http://schemas.openxmlformats.org/officeDocument/2006/customXml" ds:itemID="{7EE3B803-03E0-452A-973D-71FA51A754ED}">
   <ds:schemaRefs>
     <ds:schemaRef ds:uri="http://schemas.microsoft.com/office/2006/metadata/properties"/>
@@ -35647,7 +35146,7 @@
 </ds:datastoreItem>
 </file>
 
-<file path=customXml/itemProps3.xml><?xml version="1.0" encoding="utf-8"?>
+<file path=customXml/itemProps2.xml><?xml version="1.0" encoding="utf-8"?>
 <ds:datastoreItem xmlns:ds="http://schemas.openxmlformats.org/officeDocument/2006/customXml" ds:itemID="{E69DE20C-3D83-4F73-B3D5-4904E50492F1}">
   <ds:schemaRefs>
     <ds:schemaRef ds:uri="http://schemas.microsoft.com/office/2006/metadata/contentType"/>
@@ -35661,4 +35160,12 @@
     <ds:schemaRef ds:uri="http://schemas.microsoft.com/office/infopath/2007/PartnerControls"/>
   </ds:schemaRefs>
 </ds:datastoreItem>
+</file>
+
+<file path=customXml/itemProps3.xml><?xml version="1.0" encoding="utf-8"?>
+<ds:datastoreItem xmlns:ds="http://schemas.openxmlformats.org/officeDocument/2006/customXml" ds:itemID="{E0F32828-20FB-41F1-93A8-15BC4BB130A9}">
+  <ds:schemaRefs>
+    <ds:schemaRef ds:uri="http://schemas.microsoft.com/sharepoint/v3/contenttype/forms"/>
+  </ds:schemaRefs>
+</ds:datastoreItem>
 </file>
--- a/chapter9/ASE_9_program_manager.pptx
+++ b/chapter9/ASE_9_program_manager.pptx
@@ -6,7 +6,7 @@
     <p:sldMasterId id="2147483870" r:id="rId5"/>
   </p:sldMasterIdLst>
   <p:notesMasterIdLst>
-    <p:notesMasterId r:id="rId67"/>
+    <p:notesMasterId r:id="rId65"/>
   </p:notesMasterIdLst>
   <p:sldIdLst>
     <p:sldId id="265" r:id="rId6"/>
@@ -45,31 +45,29 @@
     <p:sldId id="324" r:id="rId39"/>
     <p:sldId id="325" r:id="rId40"/>
     <p:sldId id="326" r:id="rId41"/>
-    <p:sldId id="327" r:id="rId42"/>
-    <p:sldId id="328" r:id="rId43"/>
-    <p:sldId id="329" r:id="rId44"/>
-    <p:sldId id="330" r:id="rId45"/>
-    <p:sldId id="331" r:id="rId46"/>
-    <p:sldId id="332" r:id="rId47"/>
-    <p:sldId id="333" r:id="rId48"/>
-    <p:sldId id="270" r:id="rId49"/>
-    <p:sldId id="334" r:id="rId50"/>
-    <p:sldId id="308" r:id="rId51"/>
-    <p:sldId id="309" r:id="rId52"/>
-    <p:sldId id="310" r:id="rId53"/>
-    <p:sldId id="314" r:id="rId54"/>
-    <p:sldId id="315" r:id="rId55"/>
-    <p:sldId id="316" r:id="rId56"/>
-    <p:sldId id="317" r:id="rId57"/>
-    <p:sldId id="318" r:id="rId58"/>
-    <p:sldId id="320" r:id="rId59"/>
-    <p:sldId id="335" r:id="rId60"/>
-    <p:sldId id="321" r:id="rId61"/>
-    <p:sldId id="319" r:id="rId62"/>
-    <p:sldId id="281" r:id="rId63"/>
-    <p:sldId id="299" r:id="rId64"/>
-    <p:sldId id="277" r:id="rId65"/>
-    <p:sldId id="322" r:id="rId66"/>
+    <p:sldId id="328" r:id="rId42"/>
+    <p:sldId id="329" r:id="rId43"/>
+    <p:sldId id="330" r:id="rId44"/>
+    <p:sldId id="331" r:id="rId45"/>
+    <p:sldId id="332" r:id="rId46"/>
+    <p:sldId id="333" r:id="rId47"/>
+    <p:sldId id="270" r:id="rId48"/>
+    <p:sldId id="334" r:id="rId49"/>
+    <p:sldId id="309" r:id="rId50"/>
+    <p:sldId id="310" r:id="rId51"/>
+    <p:sldId id="314" r:id="rId52"/>
+    <p:sldId id="315" r:id="rId53"/>
+    <p:sldId id="316" r:id="rId54"/>
+    <p:sldId id="317" r:id="rId55"/>
+    <p:sldId id="318" r:id="rId56"/>
+    <p:sldId id="320" r:id="rId57"/>
+    <p:sldId id="335" r:id="rId58"/>
+    <p:sldId id="321" r:id="rId59"/>
+    <p:sldId id="319" r:id="rId60"/>
+    <p:sldId id="281" r:id="rId61"/>
+    <p:sldId id="299" r:id="rId62"/>
+    <p:sldId id="277" r:id="rId63"/>
+    <p:sldId id="322" r:id="rId64"/>
   </p:sldIdLst>
   <p:sldSz cx="12192000" cy="6858000"/>
   <p:notesSz cx="6858000" cy="9144000"/>
@@ -220,7 +218,7 @@
 <file path=ppt/revisionInfo.xml><?xml version="1.0" encoding="utf-8"?>
 <p1510:revInfo xmlns:a="http://schemas.openxmlformats.org/drawingml/2006/main" xmlns:r="http://schemas.openxmlformats.org/officeDocument/2006/relationships" xmlns:p1510="http://schemas.microsoft.com/office/powerpoint/2015/10/main">
   <p1510:revLst>
-    <p1510:client id="{46DFD426-ED4D-43B9-906F-4E50473E9166}" v="323" dt="2018-10-08T17:28:51.437"/>
+    <p1510:client id="{A2813A9E-22ED-458D-9690-FC62CFE1BB3E}" v="30" dt="2019-09-04T07:44:52.708"/>
   </p1510:revLst>
 </p1510:revInfo>
 </file>
@@ -230,23 +228,55 @@
   <pc:docChgLst>
     <pc:chgData name="Xin Zou" userId="260b9726081dae15" providerId="LiveId" clId="{46DFD426-ED4D-43B9-906F-4E50473E9166}"/>
     <pc:docChg chg="undo custSel mod addSld delSld modSld modMainMaster">
-      <pc:chgData name="Xin Zou" userId="260b9726081dae15" providerId="LiveId" clId="{46DFD426-ED4D-43B9-906F-4E50473E9166}" dt="2018-10-08T17:28:51.435" v="783"/>
+      <pc:chgData name="Xin Zou" userId="260b9726081dae15" providerId="LiveId" clId="{46DFD426-ED4D-43B9-906F-4E50473E9166}" dt="2018-10-22T02:42:58.548" v="791" actId="14100"/>
       <pc:docMkLst>
         <pc:docMk/>
       </pc:docMkLst>
-      <pc:sldChg chg="add">
-        <pc:chgData name="Xin Zou" userId="260b9726081dae15" providerId="LiveId" clId="{46DFD426-ED4D-43B9-906F-4E50473E9166}" dt="2018-10-07T00:29:15.209" v="514"/>
+      <pc:sldChg chg="modSp add">
+        <pc:chgData name="Xin Zou" userId="260b9726081dae15" providerId="LiveId" clId="{46DFD426-ED4D-43B9-906F-4E50473E9166}" dt="2018-10-22T02:41:39.328" v="787" actId="2711"/>
         <pc:sldMkLst>
           <pc:docMk/>
           <pc:sldMk cId="0" sldId="258"/>
         </pc:sldMkLst>
+        <pc:spChg chg="mod">
+          <ac:chgData name="Xin Zou" userId="260b9726081dae15" providerId="LiveId" clId="{46DFD426-ED4D-43B9-906F-4E50473E9166}" dt="2018-10-22T02:41:31.854" v="786" actId="2711"/>
+          <ac:spMkLst>
+            <pc:docMk/>
+            <pc:sldMk cId="0" sldId="258"/>
+            <ac:spMk id="171013" creationId="{00000000-0000-0000-0000-000000000000}"/>
+          </ac:spMkLst>
+        </pc:spChg>
+        <pc:spChg chg="mod">
+          <ac:chgData name="Xin Zou" userId="260b9726081dae15" providerId="LiveId" clId="{46DFD426-ED4D-43B9-906F-4E50473E9166}" dt="2018-10-22T02:41:39.328" v="787" actId="2711"/>
+          <ac:spMkLst>
+            <pc:docMk/>
+            <pc:sldMk cId="0" sldId="258"/>
+            <ac:spMk id="171014" creationId="{00000000-0000-0000-0000-000000000000}"/>
+          </ac:spMkLst>
+        </pc:spChg>
       </pc:sldChg>
-      <pc:sldChg chg="add">
-        <pc:chgData name="Xin Zou" userId="260b9726081dae15" providerId="LiveId" clId="{46DFD426-ED4D-43B9-906F-4E50473E9166}" dt="2018-10-07T00:29:15.209" v="514"/>
+      <pc:sldChg chg="modSp add">
+        <pc:chgData name="Xin Zou" userId="260b9726081dae15" providerId="LiveId" clId="{46DFD426-ED4D-43B9-906F-4E50473E9166}" dt="2018-10-22T02:41:07.575" v="785" actId="2711"/>
         <pc:sldMkLst>
           <pc:docMk/>
           <pc:sldMk cId="0" sldId="259"/>
         </pc:sldMkLst>
+        <pc:spChg chg="mod">
+          <ac:chgData name="Xin Zou" userId="260b9726081dae15" providerId="LiveId" clId="{46DFD426-ED4D-43B9-906F-4E50473E9166}" dt="2018-10-22T02:41:00.413" v="784" actId="2711"/>
+          <ac:spMkLst>
+            <pc:docMk/>
+            <pc:sldMk cId="0" sldId="259"/>
+            <ac:spMk id="138242" creationId="{00000000-0000-0000-0000-000000000000}"/>
+          </ac:spMkLst>
+        </pc:spChg>
+        <pc:graphicFrameChg chg="modGraphic">
+          <ac:chgData name="Xin Zou" userId="260b9726081dae15" providerId="LiveId" clId="{46DFD426-ED4D-43B9-906F-4E50473E9166}" dt="2018-10-22T02:41:07.575" v="785" actId="2711"/>
+          <ac:graphicFrameMkLst>
+            <pc:docMk/>
+            <pc:sldMk cId="0" sldId="259"/>
+            <ac:graphicFrameMk id="138268" creationId="{00000000-0000-0000-0000-000000000000}"/>
+          </ac:graphicFrameMkLst>
+        </pc:graphicFrameChg>
       </pc:sldChg>
       <pc:sldChg chg="modSp">
         <pc:chgData name="Xin Zou" userId="260b9726081dae15" providerId="LiveId" clId="{46DFD426-ED4D-43B9-906F-4E50473E9166}" dt="2018-10-08T17:27:33.469" v="678" actId="27636"/>
@@ -333,13 +363,13 @@
         </pc:spChg>
       </pc:sldChg>
       <pc:sldChg chg="modSp modAnim">
-        <pc:chgData name="Xin Zou" userId="260b9726081dae15" providerId="LiveId" clId="{46DFD426-ED4D-43B9-906F-4E50473E9166}" dt="2018-10-06T23:22:44.096" v="119"/>
+        <pc:chgData name="Xin Zou" userId="260b9726081dae15" providerId="LiveId" clId="{46DFD426-ED4D-43B9-906F-4E50473E9166}" dt="2018-10-22T02:42:58.548" v="791" actId="14100"/>
         <pc:sldMkLst>
           <pc:docMk/>
           <pc:sldMk cId="0" sldId="269"/>
         </pc:sldMkLst>
         <pc:spChg chg="mod">
-          <ac:chgData name="Xin Zou" userId="260b9726081dae15" providerId="LiveId" clId="{46DFD426-ED4D-43B9-906F-4E50473E9166}" dt="2018-10-06T23:22:44.096" v="119"/>
+          <ac:chgData name="Xin Zou" userId="260b9726081dae15" providerId="LiveId" clId="{46DFD426-ED4D-43B9-906F-4E50473E9166}" dt="2018-10-22T02:42:58.548" v="791" actId="14100"/>
           <ac:spMkLst>
             <pc:docMk/>
             <pc:sldMk cId="0" sldId="269"/>
@@ -679,8 +709,8 @@
           </ac:spMkLst>
         </pc:spChg>
       </pc:sldChg>
-      <pc:sldChg chg="modSp">
-        <pc:chgData name="Xin Zou" userId="260b9726081dae15" providerId="LiveId" clId="{46DFD426-ED4D-43B9-906F-4E50473E9166}" dt="2018-10-06T23:22:44.096" v="119"/>
+      <pc:sldChg chg="modSp del">
+        <pc:chgData name="Xin Zou" userId="260b9726081dae15" providerId="LiveId" clId="{46DFD426-ED4D-43B9-906F-4E50473E9166}" dt="2018-10-22T02:42:21.823" v="789" actId="2696"/>
         <pc:sldMkLst>
           <pc:docMk/>
           <pc:sldMk cId="212970708" sldId="308"/>
@@ -1038,8 +1068,8 @@
           </ac:spMkLst>
         </pc:spChg>
       </pc:sldChg>
-      <pc:sldChg chg="add">
-        <pc:chgData name="Xin Zou" userId="260b9726081dae15" providerId="LiveId" clId="{46DFD426-ED4D-43B9-906F-4E50473E9166}" dt="2018-10-07T00:29:15.209" v="514"/>
+      <pc:sldChg chg="add del">
+        <pc:chgData name="Xin Zou" userId="260b9726081dae15" providerId="LiveId" clId="{46DFD426-ED4D-43B9-906F-4E50473E9166}" dt="2018-10-22T02:42:05.780" v="788" actId="2696"/>
         <pc:sldMkLst>
           <pc:docMk/>
           <pc:sldMk cId="1246967057" sldId="327"/>
@@ -1154,6 +1184,30 @@
             <pc:docMk/>
             <pc:sldMk cId="789073045" sldId="335"/>
             <ac:spMk id="3" creationId="{47051AA4-B2FD-4D05-9D15-7A63447C65AB}"/>
+          </ac:spMkLst>
+        </pc:spChg>
+      </pc:sldChg>
+    </pc:docChg>
+  </pc:docChgLst>
+  <pc:docChgLst>
+    <pc:chgData name="Xin Zou" userId="260b9726081dae15" providerId="LiveId" clId="{A2813A9E-22ED-458D-9690-FC62CFE1BB3E}"/>
+    <pc:docChg chg="custSel modSld">
+      <pc:chgData name="Xin Zou" userId="260b9726081dae15" providerId="LiveId" clId="{A2813A9E-22ED-458D-9690-FC62CFE1BB3E}" dt="2019-09-04T07:44:56.522" v="121" actId="20577"/>
+      <pc:docMkLst>
+        <pc:docMk/>
+      </pc:docMkLst>
+      <pc:sldChg chg="modSp">
+        <pc:chgData name="Xin Zou" userId="260b9726081dae15" providerId="LiveId" clId="{A2813A9E-22ED-458D-9690-FC62CFE1BB3E}" dt="2019-09-04T07:44:56.522" v="121" actId="20577"/>
+        <pc:sldMkLst>
+          <pc:docMk/>
+          <pc:sldMk cId="3101830749" sldId="310"/>
+        </pc:sldMkLst>
+        <pc:spChg chg="mod">
+          <ac:chgData name="Xin Zou" userId="260b9726081dae15" providerId="LiveId" clId="{A2813A9E-22ED-458D-9690-FC62CFE1BB3E}" dt="2019-09-04T07:44:56.522" v="121" actId="20577"/>
+          <ac:spMkLst>
+            <pc:docMk/>
+            <pc:sldMk cId="3101830749" sldId="310"/>
+            <ac:spMk id="3" creationId="{00000000-0000-0000-0000-000000000000}"/>
           </ac:spMkLst>
         </pc:spChg>
       </pc:sldChg>
@@ -4241,7 +4295,7 @@
             <a:fld id="{6455661B-2E2A-4413-A8EF-12FE8F14696A}" type="datetimeFigureOut">
               <a:rPr lang="en-US" smtClean="0"/>
               <a:pPr/>
-              <a:t>10/8/2018</a:t>
+              <a:t>9/4/2019</a:t>
             </a:fld>
             <a:endParaRPr lang="en-US"/>
           </a:p>
@@ -5085,7 +5139,7 @@
             <a:fld id="{76942CF7-076C-4076-8ECC-93F38D235C71}" type="slidenum">
               <a:rPr lang="en-US" smtClean="0"/>
               <a:pPr/>
-              <a:t>43</a:t>
+              <a:t>42</a:t>
             </a:fld>
             <a:endParaRPr lang="en-US"/>
           </a:p>
@@ -5177,6 +5231,154 @@
             <a:endParaRPr lang="en-US" altLang="zh-CN" dirty="0"/>
           </a:p>
           <a:p>
+            <a:endParaRPr lang="en-US" dirty="0"/>
+          </a:p>
+        </p:txBody>
+      </p:sp>
+      <p:sp>
+        <p:nvSpPr>
+          <p:cNvPr id="4" name="Slide Number Placeholder 3"/>
+          <p:cNvSpPr>
+            <a:spLocks noGrp="1"/>
+          </p:cNvSpPr>
+          <p:nvPr>
+            <p:ph type="sldNum" sz="quarter" idx="5"/>
+          </p:nvPr>
+        </p:nvSpPr>
+        <p:spPr/>
+        <p:txBody>
+          <a:bodyPr/>
+          <a:lstStyle/>
+          <a:p>
+            <a:pPr marL="0" marR="0" lvl="0" indent="0" algn="r" defTabSz="457200" rtl="0" eaLnBrk="1" fontAlgn="auto" latinLnBrk="0" hangingPunct="1">
+              <a:lnSpc>
+                <a:spcPct val="100000"/>
+              </a:lnSpc>
+              <a:spcBef>
+                <a:spcPts val="0"/>
+              </a:spcBef>
+              <a:spcAft>
+                <a:spcPts val="0"/>
+              </a:spcAft>
+              <a:buClrTx/>
+              <a:buSzTx/>
+              <a:buFontTx/>
+              <a:buNone/>
+              <a:tabLst/>
+              <a:defRPr/>
+            </a:pPr>
+            <a:fld id="{F35C7EE1-DFFA-4275-BC15-03F63508087A}" type="slidenum">
+              <a:rPr kumimoji="0" lang="en-US" sz="1200" b="0" i="0" u="none" strike="noStrike" kern="1200" cap="none" spc="0" normalizeH="0" baseline="0" noProof="0" smtClean="0">
+                <a:ln>
+                  <a:noFill/>
+                </a:ln>
+                <a:solidFill>
+                  <a:prstClr val="black"/>
+                </a:solidFill>
+                <a:effectLst/>
+                <a:uLnTx/>
+                <a:uFillTx/>
+                <a:latin typeface="Calibri" panose="020F0502020204030204"/>
+                <a:ea typeface="+mn-ea"/>
+                <a:cs typeface="+mn-cs"/>
+              </a:rPr>
+              <a:pPr marL="0" marR="0" lvl="0" indent="0" algn="r" defTabSz="457200" rtl="0" eaLnBrk="1" fontAlgn="auto" latinLnBrk="0" hangingPunct="1">
+                <a:lnSpc>
+                  <a:spcPct val="100000"/>
+                </a:lnSpc>
+                <a:spcBef>
+                  <a:spcPts val="0"/>
+                </a:spcBef>
+                <a:spcAft>
+                  <a:spcPts val="0"/>
+                </a:spcAft>
+                <a:buClrTx/>
+                <a:buSzTx/>
+                <a:buFontTx/>
+                <a:buNone/>
+                <a:tabLst/>
+                <a:defRPr/>
+              </a:pPr>
+              <a:t>48</a:t>
+            </a:fld>
+            <a:endParaRPr kumimoji="0" lang="en-US" sz="1200" b="0" i="0" u="none" strike="noStrike" kern="1200" cap="none" spc="0" normalizeH="0" baseline="0" noProof="0">
+              <a:ln>
+                <a:noFill/>
+              </a:ln>
+              <a:solidFill>
+                <a:prstClr val="black"/>
+              </a:solidFill>
+              <a:effectLst/>
+              <a:uLnTx/>
+              <a:uFillTx/>
+              <a:latin typeface="Calibri" panose="020F0502020204030204"/>
+              <a:ea typeface="+mn-ea"/>
+              <a:cs typeface="+mn-cs"/>
+            </a:endParaRPr>
+          </a:p>
+        </p:txBody>
+      </p:sp>
+    </p:spTree>
+    <p:extLst>
+      <p:ext uri="{BB962C8B-B14F-4D97-AF65-F5344CB8AC3E}">
+        <p14:creationId xmlns:p14="http://schemas.microsoft.com/office/powerpoint/2010/main" val="4109256683"/>
+      </p:ext>
+    </p:extLst>
+  </p:cSld>
+  <p:clrMapOvr>
+    <a:masterClrMapping/>
+  </p:clrMapOvr>
+</p:notes>
+</file>
+
+<file path=ppt/notesSlides/notesSlide7.xml><?xml version="1.0" encoding="utf-8"?>
+<p:notes xmlns:a="http://schemas.openxmlformats.org/drawingml/2006/main" xmlns:r="http://schemas.openxmlformats.org/officeDocument/2006/relationships" xmlns:p="http://schemas.openxmlformats.org/presentationml/2006/main">
+  <p:cSld>
+    <p:spTree>
+      <p:nvGrpSpPr>
+        <p:cNvPr id="1" name=""/>
+        <p:cNvGrpSpPr/>
+        <p:nvPr/>
+      </p:nvGrpSpPr>
+      <p:grpSpPr>
+        <a:xfrm>
+          <a:off x="0" y="0"/>
+          <a:ext cx="0" cy="0"/>
+          <a:chOff x="0" y="0"/>
+          <a:chExt cx="0" cy="0"/>
+        </a:xfrm>
+      </p:grpSpPr>
+      <p:sp>
+        <p:nvSpPr>
+          <p:cNvPr id="2" name="Slide Image Placeholder 1"/>
+          <p:cNvSpPr>
+            <a:spLocks noGrp="1" noRot="1" noChangeAspect="1"/>
+          </p:cNvSpPr>
+          <p:nvPr>
+            <p:ph type="sldImg"/>
+          </p:nvPr>
+        </p:nvSpPr>
+        <p:spPr/>
+      </p:sp>
+      <p:sp>
+        <p:nvSpPr>
+          <p:cNvPr id="3" name="Notes Placeholder 2"/>
+          <p:cNvSpPr>
+            <a:spLocks noGrp="1"/>
+          </p:cNvSpPr>
+          <p:nvPr>
+            <p:ph type="body" idx="1"/>
+          </p:nvPr>
+        </p:nvSpPr>
+        <p:spPr/>
+        <p:txBody>
+          <a:bodyPr/>
+          <a:lstStyle/>
+          <a:p>
+            <a:r>
+              <a:rPr lang="zh-CN" altLang="en-US" dirty="0"/>
+              <a:t>会议就是把大家思维活跃起来，然后交流，然后统一的过程</a:t>
+            </a:r>
             <a:endParaRPr lang="en-US" dirty="0"/>
           </a:p>
         </p:txBody>
@@ -5267,154 +5469,6 @@
     </p:spTree>
     <p:extLst>
       <p:ext uri="{BB962C8B-B14F-4D97-AF65-F5344CB8AC3E}">
-        <p14:creationId xmlns:p14="http://schemas.microsoft.com/office/powerpoint/2010/main" val="4109256683"/>
-      </p:ext>
-    </p:extLst>
-  </p:cSld>
-  <p:clrMapOvr>
-    <a:masterClrMapping/>
-  </p:clrMapOvr>
-</p:notes>
-</file>
-
-<file path=ppt/notesSlides/notesSlide7.xml><?xml version="1.0" encoding="utf-8"?>
-<p:notes xmlns:a="http://schemas.openxmlformats.org/drawingml/2006/main" xmlns:r="http://schemas.openxmlformats.org/officeDocument/2006/relationships" xmlns:p="http://schemas.openxmlformats.org/presentationml/2006/main">
-  <p:cSld>
-    <p:spTree>
-      <p:nvGrpSpPr>
-        <p:cNvPr id="1" name=""/>
-        <p:cNvGrpSpPr/>
-        <p:nvPr/>
-      </p:nvGrpSpPr>
-      <p:grpSpPr>
-        <a:xfrm>
-          <a:off x="0" y="0"/>
-          <a:ext cx="0" cy="0"/>
-          <a:chOff x="0" y="0"/>
-          <a:chExt cx="0" cy="0"/>
-        </a:xfrm>
-      </p:grpSpPr>
-      <p:sp>
-        <p:nvSpPr>
-          <p:cNvPr id="2" name="Slide Image Placeholder 1"/>
-          <p:cNvSpPr>
-            <a:spLocks noGrp="1" noRot="1" noChangeAspect="1"/>
-          </p:cNvSpPr>
-          <p:nvPr>
-            <p:ph type="sldImg"/>
-          </p:nvPr>
-        </p:nvSpPr>
-        <p:spPr/>
-      </p:sp>
-      <p:sp>
-        <p:nvSpPr>
-          <p:cNvPr id="3" name="Notes Placeholder 2"/>
-          <p:cNvSpPr>
-            <a:spLocks noGrp="1"/>
-          </p:cNvSpPr>
-          <p:nvPr>
-            <p:ph type="body" idx="1"/>
-          </p:nvPr>
-        </p:nvSpPr>
-        <p:spPr/>
-        <p:txBody>
-          <a:bodyPr/>
-          <a:lstStyle/>
-          <a:p>
-            <a:r>
-              <a:rPr lang="zh-CN" altLang="en-US" dirty="0"/>
-              <a:t>会议就是把大家思维活跃起来，然后交流，然后统一的过程</a:t>
-            </a:r>
-            <a:endParaRPr lang="en-US" dirty="0"/>
-          </a:p>
-        </p:txBody>
-      </p:sp>
-      <p:sp>
-        <p:nvSpPr>
-          <p:cNvPr id="4" name="Slide Number Placeholder 3"/>
-          <p:cNvSpPr>
-            <a:spLocks noGrp="1"/>
-          </p:cNvSpPr>
-          <p:nvPr>
-            <p:ph type="sldNum" sz="quarter" idx="5"/>
-          </p:nvPr>
-        </p:nvSpPr>
-        <p:spPr/>
-        <p:txBody>
-          <a:bodyPr/>
-          <a:lstStyle/>
-          <a:p>
-            <a:pPr marL="0" marR="0" lvl="0" indent="0" algn="r" defTabSz="457200" rtl="0" eaLnBrk="1" fontAlgn="auto" latinLnBrk="0" hangingPunct="1">
-              <a:lnSpc>
-                <a:spcPct val="100000"/>
-              </a:lnSpc>
-              <a:spcBef>
-                <a:spcPts val="0"/>
-              </a:spcBef>
-              <a:spcAft>
-                <a:spcPts val="0"/>
-              </a:spcAft>
-              <a:buClrTx/>
-              <a:buSzTx/>
-              <a:buFontTx/>
-              <a:buNone/>
-              <a:tabLst/>
-              <a:defRPr/>
-            </a:pPr>
-            <a:fld id="{F35C7EE1-DFFA-4275-BC15-03F63508087A}" type="slidenum">
-              <a:rPr kumimoji="0" lang="en-US" sz="1200" b="0" i="0" u="none" strike="noStrike" kern="1200" cap="none" spc="0" normalizeH="0" baseline="0" noProof="0" smtClean="0">
-                <a:ln>
-                  <a:noFill/>
-                </a:ln>
-                <a:solidFill>
-                  <a:prstClr val="black"/>
-                </a:solidFill>
-                <a:effectLst/>
-                <a:uLnTx/>
-                <a:uFillTx/>
-                <a:latin typeface="Calibri" panose="020F0502020204030204"/>
-                <a:ea typeface="+mn-ea"/>
-                <a:cs typeface="+mn-cs"/>
-              </a:rPr>
-              <a:pPr marL="0" marR="0" lvl="0" indent="0" algn="r" defTabSz="457200" rtl="0" eaLnBrk="1" fontAlgn="auto" latinLnBrk="0" hangingPunct="1">
-                <a:lnSpc>
-                  <a:spcPct val="100000"/>
-                </a:lnSpc>
-                <a:spcBef>
-                  <a:spcPts val="0"/>
-                </a:spcBef>
-                <a:spcAft>
-                  <a:spcPts val="0"/>
-                </a:spcAft>
-                <a:buClrTx/>
-                <a:buSzTx/>
-                <a:buFontTx/>
-                <a:buNone/>
-                <a:tabLst/>
-                <a:defRPr/>
-              </a:pPr>
-              <a:t>52</a:t>
-            </a:fld>
-            <a:endParaRPr kumimoji="0" lang="en-US" sz="1200" b="0" i="0" u="none" strike="noStrike" kern="1200" cap="none" spc="0" normalizeH="0" baseline="0" noProof="0">
-              <a:ln>
-                <a:noFill/>
-              </a:ln>
-              <a:solidFill>
-                <a:prstClr val="black"/>
-              </a:solidFill>
-              <a:effectLst/>
-              <a:uLnTx/>
-              <a:uFillTx/>
-              <a:latin typeface="Calibri" panose="020F0502020204030204"/>
-              <a:ea typeface="+mn-ea"/>
-              <a:cs typeface="+mn-cs"/>
-            </a:endParaRPr>
-          </a:p>
-        </p:txBody>
-      </p:sp>
-    </p:spTree>
-    <p:extLst>
-      <p:ext uri="{BB962C8B-B14F-4D97-AF65-F5344CB8AC3E}">
         <p14:creationId xmlns:p14="http://schemas.microsoft.com/office/powerpoint/2010/main" val="1617189872"/>
       </p:ext>
     </p:extLst>
@@ -5621,7 +5675,7 @@
           <a:p>
             <a:fld id="{48A87A34-81AB-432B-8DAE-1953F412C126}" type="datetimeFigureOut">
               <a:rPr lang="en-US" smtClean="0"/>
-              <a:t>10/8/2018</a:t>
+              <a:t>9/4/2019</a:t>
             </a:fld>
             <a:endParaRPr lang="en-US" dirty="0"/>
           </a:p>
@@ -5903,7 +5957,7 @@
             <a:fld id="{48A87A34-81AB-432B-8DAE-1953F412C126}" type="datetimeFigureOut">
               <a:rPr lang="en-US" smtClean="0"/>
               <a:pPr/>
-              <a:t>10/8/2018</a:t>
+              <a:t>9/4/2019</a:t>
             </a:fld>
             <a:endParaRPr lang="en-US" dirty="0"/>
           </a:p>
@@ -6097,7 +6151,7 @@
             <a:fld id="{48A87A34-81AB-432B-8DAE-1953F412C126}" type="datetimeFigureOut">
               <a:rPr lang="en-US" smtClean="0"/>
               <a:pPr/>
-              <a:t>10/8/2018</a:t>
+              <a:t>9/4/2019</a:t>
             </a:fld>
             <a:endParaRPr lang="en-US" dirty="0"/>
           </a:p>
@@ -6360,7 +6414,7 @@
             <a:fld id="{48A87A34-81AB-432B-8DAE-1953F412C126}" type="datetimeFigureOut">
               <a:rPr lang="en-US" smtClean="0"/>
               <a:pPr/>
-              <a:t>10/8/2018</a:t>
+              <a:t>9/4/2019</a:t>
             </a:fld>
             <a:endParaRPr lang="en-US" dirty="0"/>
           </a:p>
@@ -6788,7 +6842,7 @@
             <a:fld id="{48A87A34-81AB-432B-8DAE-1953F412C126}" type="datetimeFigureOut">
               <a:rPr lang="en-US" smtClean="0"/>
               <a:pPr/>
-              <a:t>10/8/2018</a:t>
+              <a:t>9/4/2019</a:t>
             </a:fld>
             <a:endParaRPr lang="en-US" dirty="0"/>
           </a:p>
@@ -7336,7 +7390,7 @@
             <a:fld id="{48A87A34-81AB-432B-8DAE-1953F412C126}" type="datetimeFigureOut">
               <a:rPr lang="en-US" smtClean="0"/>
               <a:pPr/>
-              <a:t>10/8/2018</a:t>
+              <a:t>9/4/2019</a:t>
             </a:fld>
             <a:endParaRPr lang="en-US" dirty="0"/>
           </a:p>
@@ -8169,7 +8223,7 @@
             <a:fld id="{48A87A34-81AB-432B-8DAE-1953F412C126}" type="datetimeFigureOut">
               <a:rPr lang="en-US" smtClean="0"/>
               <a:pPr/>
-              <a:t>10/8/2018</a:t>
+              <a:t>9/4/2019</a:t>
             </a:fld>
             <a:endParaRPr lang="en-US" dirty="0"/>
           </a:p>
@@ -8340,7 +8394,7 @@
           <a:p>
             <a:fld id="{48A87A34-81AB-432B-8DAE-1953F412C126}" type="datetimeFigureOut">
               <a:rPr lang="en-US" smtClean="0"/>
-              <a:t>10/8/2018</a:t>
+              <a:t>9/4/2019</a:t>
             </a:fld>
             <a:endParaRPr lang="en-US" dirty="0"/>
           </a:p>
@@ -8520,7 +8574,7 @@
           <a:p>
             <a:fld id="{48A87A34-81AB-432B-8DAE-1953F412C126}" type="datetimeFigureOut">
               <a:rPr lang="en-US" smtClean="0"/>
-              <a:t>10/8/2018</a:t>
+              <a:t>9/4/2019</a:t>
             </a:fld>
             <a:endParaRPr lang="en-US" dirty="0"/>
           </a:p>
@@ -8777,7 +8831,7 @@
           <a:p>
             <a:fld id="{48A87A34-81AB-432B-8DAE-1953F412C126}" type="datetimeFigureOut">
               <a:rPr lang="en-US" smtClean="0"/>
-              <a:t>10/8/2018</a:t>
+              <a:t>9/4/2019</a:t>
             </a:fld>
             <a:endParaRPr lang="en-US" dirty="0"/>
           </a:p>
@@ -8947,7 +9001,7 @@
           <a:p>
             <a:fld id="{48A87A34-81AB-432B-8DAE-1953F412C126}" type="datetimeFigureOut">
               <a:rPr lang="en-US" smtClean="0"/>
-              <a:t>10/8/2018</a:t>
+              <a:t>9/4/2019</a:t>
             </a:fld>
             <a:endParaRPr lang="en-US" dirty="0"/>
           </a:p>
@@ -9117,7 +9171,7 @@
           <a:p>
             <a:fld id="{48A87A34-81AB-432B-8DAE-1953F412C126}" type="datetimeFigureOut">
               <a:rPr lang="en-US" smtClean="0"/>
-              <a:t>10/8/2018</a:t>
+              <a:t>9/4/2019</a:t>
             </a:fld>
             <a:endParaRPr lang="en-US" dirty="0"/>
           </a:p>
@@ -9374,7 +9428,7 @@
           <a:p>
             <a:fld id="{48A87A34-81AB-432B-8DAE-1953F412C126}" type="datetimeFigureOut">
               <a:rPr lang="en-US" smtClean="0"/>
-              <a:t>10/8/2018</a:t>
+              <a:t>9/4/2019</a:t>
             </a:fld>
             <a:endParaRPr lang="en-US" dirty="0"/>
           </a:p>
@@ -9606,7 +9660,7 @@
           <a:p>
             <a:fld id="{48A87A34-81AB-432B-8DAE-1953F412C126}" type="datetimeFigureOut">
               <a:rPr lang="en-US" smtClean="0"/>
-              <a:t>10/8/2018</a:t>
+              <a:t>9/4/2019</a:t>
             </a:fld>
             <a:endParaRPr lang="en-US" dirty="0"/>
           </a:p>
@@ -9999,7 +10053,7 @@
           <a:p>
             <a:fld id="{48A87A34-81AB-432B-8DAE-1953F412C126}" type="datetimeFigureOut">
               <a:rPr lang="en-US" smtClean="0"/>
-              <a:t>10/8/2018</a:t>
+              <a:t>9/4/2019</a:t>
             </a:fld>
             <a:endParaRPr lang="en-US" dirty="0"/>
           </a:p>
@@ -10117,7 +10171,7 @@
           <a:p>
             <a:fld id="{48A87A34-81AB-432B-8DAE-1953F412C126}" type="datetimeFigureOut">
               <a:rPr lang="en-US" smtClean="0"/>
-              <a:t>10/8/2018</a:t>
+              <a:t>9/4/2019</a:t>
             </a:fld>
             <a:endParaRPr lang="en-US" dirty="0"/>
           </a:p>
@@ -10212,7 +10266,7 @@
           <a:p>
             <a:fld id="{48A87A34-81AB-432B-8DAE-1953F412C126}" type="datetimeFigureOut">
               <a:rPr lang="en-US" smtClean="0"/>
-              <a:t>10/8/2018</a:t>
+              <a:t>9/4/2019</a:t>
             </a:fld>
             <a:endParaRPr lang="en-US" dirty="0"/>
           </a:p>
@@ -10485,7 +10539,7 @@
           <a:p>
             <a:fld id="{48A87A34-81AB-432B-8DAE-1953F412C126}" type="datetimeFigureOut">
               <a:rPr lang="en-US" smtClean="0"/>
-              <a:t>10/8/2018</a:t>
+              <a:t>9/4/2019</a:t>
             </a:fld>
             <a:endParaRPr lang="en-US" dirty="0"/>
           </a:p>
@@ -10766,7 +10820,7 @@
           <a:p>
             <a:fld id="{48A87A34-81AB-432B-8DAE-1953F412C126}" type="datetimeFigureOut">
               <a:rPr lang="en-US" smtClean="0"/>
-              <a:t>10/8/2018</a:t>
+              <a:t>9/4/2019</a:t>
             </a:fld>
             <a:endParaRPr lang="en-US" dirty="0"/>
           </a:p>
@@ -11048,7 +11102,7 @@
             <a:fld id="{48A87A34-81AB-432B-8DAE-1953F412C126}" type="datetimeFigureOut">
               <a:rPr lang="en-US" smtClean="0"/>
               <a:pPr/>
-              <a:t>10/8/2018</a:t>
+              <a:t>9/4/2019</a:t>
             </a:fld>
             <a:endParaRPr lang="en-US" dirty="0"/>
           </a:p>
@@ -11242,7 +11296,7 @@
             <a:fld id="{48A87A34-81AB-432B-8DAE-1953F412C126}" type="datetimeFigureOut">
               <a:rPr lang="en-US" smtClean="0"/>
               <a:pPr/>
-              <a:t>10/8/2018</a:t>
+              <a:t>9/4/2019</a:t>
             </a:fld>
             <a:endParaRPr lang="en-US" dirty="0"/>
           </a:p>
@@ -11505,7 +11559,7 @@
             <a:fld id="{48A87A34-81AB-432B-8DAE-1953F412C126}" type="datetimeFigureOut">
               <a:rPr lang="en-US" smtClean="0"/>
               <a:pPr/>
-              <a:t>10/8/2018</a:t>
+              <a:t>9/4/2019</a:t>
             </a:fld>
             <a:endParaRPr lang="en-US" dirty="0"/>
           </a:p>
@@ -11995,7 +12049,7 @@
           <a:p>
             <a:fld id="{48A87A34-81AB-432B-8DAE-1953F412C126}" type="datetimeFigureOut">
               <a:rPr lang="en-US" smtClean="0"/>
-              <a:t>10/8/2018</a:t>
+              <a:t>9/4/2019</a:t>
             </a:fld>
             <a:endParaRPr lang="en-US" dirty="0"/>
           </a:p>
@@ -12190,7 +12244,7 @@
             <a:fld id="{48A87A34-81AB-432B-8DAE-1953F412C126}" type="datetimeFigureOut">
               <a:rPr lang="en-US" smtClean="0"/>
               <a:pPr/>
-              <a:t>10/8/2018</a:t>
+              <a:t>9/4/2019</a:t>
             </a:fld>
             <a:endParaRPr lang="en-US" dirty="0"/>
           </a:p>
@@ -12738,7 +12792,7 @@
             <a:fld id="{48A87A34-81AB-432B-8DAE-1953F412C126}" type="datetimeFigureOut">
               <a:rPr lang="en-US" smtClean="0"/>
               <a:pPr/>
-              <a:t>10/8/2018</a:t>
+              <a:t>9/4/2019</a:t>
             </a:fld>
             <a:endParaRPr lang="en-US" dirty="0"/>
           </a:p>
@@ -13571,7 +13625,7 @@
             <a:fld id="{48A87A34-81AB-432B-8DAE-1953F412C126}" type="datetimeFigureOut">
               <a:rPr lang="en-US" smtClean="0"/>
               <a:pPr/>
-              <a:t>10/8/2018</a:t>
+              <a:t>9/4/2019</a:t>
             </a:fld>
             <a:endParaRPr lang="en-US" dirty="0"/>
           </a:p>
@@ -13742,7 +13796,7 @@
           <a:p>
             <a:fld id="{48A87A34-81AB-432B-8DAE-1953F412C126}" type="datetimeFigureOut">
               <a:rPr lang="en-US" smtClean="0"/>
-              <a:t>10/8/2018</a:t>
+              <a:t>9/4/2019</a:t>
             </a:fld>
             <a:endParaRPr lang="en-US" dirty="0"/>
           </a:p>
@@ -13922,7 +13976,7 @@
           <a:p>
             <a:fld id="{48A87A34-81AB-432B-8DAE-1953F412C126}" type="datetimeFigureOut">
               <a:rPr lang="en-US" smtClean="0"/>
-              <a:t>10/8/2018</a:t>
+              <a:t>9/4/2019</a:t>
             </a:fld>
             <a:endParaRPr lang="en-US" dirty="0"/>
           </a:p>
@@ -14154,7 +14208,7 @@
           <a:p>
             <a:fld id="{48A87A34-81AB-432B-8DAE-1953F412C126}" type="datetimeFigureOut">
               <a:rPr lang="en-US" smtClean="0"/>
-              <a:t>10/8/2018</a:t>
+              <a:t>9/4/2019</a:t>
             </a:fld>
             <a:endParaRPr lang="en-US" dirty="0"/>
           </a:p>
@@ -14547,7 +14601,7 @@
           <a:p>
             <a:fld id="{48A87A34-81AB-432B-8DAE-1953F412C126}" type="datetimeFigureOut">
               <a:rPr lang="en-US" smtClean="0"/>
-              <a:t>10/8/2018</a:t>
+              <a:t>9/4/2019</a:t>
             </a:fld>
             <a:endParaRPr lang="en-US" dirty="0"/>
           </a:p>
@@ -14665,7 +14719,7 @@
           <a:p>
             <a:fld id="{48A87A34-81AB-432B-8DAE-1953F412C126}" type="datetimeFigureOut">
               <a:rPr lang="en-US" smtClean="0"/>
-              <a:t>10/8/2018</a:t>
+              <a:t>9/4/2019</a:t>
             </a:fld>
             <a:endParaRPr lang="en-US" dirty="0"/>
           </a:p>
@@ -14760,7 +14814,7 @@
           <a:p>
             <a:fld id="{48A87A34-81AB-432B-8DAE-1953F412C126}" type="datetimeFigureOut">
               <a:rPr lang="en-US" smtClean="0"/>
-              <a:t>10/8/2018</a:t>
+              <a:t>9/4/2019</a:t>
             </a:fld>
             <a:endParaRPr lang="en-US" dirty="0"/>
           </a:p>
@@ -15033,7 +15087,7 @@
           <a:p>
             <a:fld id="{48A87A34-81AB-432B-8DAE-1953F412C126}" type="datetimeFigureOut">
               <a:rPr lang="en-US" smtClean="0"/>
-              <a:t>10/8/2018</a:t>
+              <a:t>9/4/2019</a:t>
             </a:fld>
             <a:endParaRPr lang="en-US" dirty="0"/>
           </a:p>
@@ -15314,7 +15368,7 @@
           <a:p>
             <a:fld id="{48A87A34-81AB-432B-8DAE-1953F412C126}" type="datetimeFigureOut">
               <a:rPr lang="en-US" smtClean="0"/>
-              <a:t>10/8/2018</a:t>
+              <a:t>9/4/2019</a:t>
             </a:fld>
             <a:endParaRPr lang="en-US" dirty="0"/>
           </a:p>
@@ -15555,7 +15609,7 @@
             <a:fld id="{48A87A34-81AB-432B-8DAE-1953F412C126}" type="datetimeFigureOut">
               <a:rPr lang="en-US" smtClean="0"/>
               <a:pPr/>
-              <a:t>10/8/2018</a:t>
+              <a:t>9/4/2019</a:t>
             </a:fld>
             <a:endParaRPr lang="en-US" dirty="0"/>
           </a:p>
@@ -16281,7 +16335,7 @@
             <a:fld id="{48A87A34-81AB-432B-8DAE-1953F412C126}" type="datetimeFigureOut">
               <a:rPr lang="en-US" smtClean="0"/>
               <a:pPr/>
-              <a:t>10/8/2018</a:t>
+              <a:t>9/4/2019</a:t>
             </a:fld>
             <a:endParaRPr lang="en-US" dirty="0"/>
           </a:p>
@@ -23732,12 +23786,12 @@
           <a:p>
             <a:r>
               <a:rPr lang="zh-CN" altLang="en-US" dirty="0">
-                <a:ea typeface="宋体" pitchFamily="2" charset="-122"/>
+                <a:latin typeface="+mj-ea"/>
               </a:rPr>
               <a:t>第一步：确认风险</a:t>
             </a:r>
             <a:endParaRPr lang="en-US" altLang="zh-CN" dirty="0">
-              <a:ea typeface="宋体" pitchFamily="2" charset="-122"/>
+              <a:latin typeface="+mj-ea"/>
             </a:endParaRPr>
           </a:p>
         </p:txBody>
@@ -23761,7 +23815,7 @@
           <a:p>
             <a:r>
               <a:rPr lang="en-US" altLang="zh-CN" dirty="0">
-                <a:ea typeface="宋体" pitchFamily="2" charset="-122"/>
+                <a:latin typeface="+mn-ea"/>
               </a:rPr>
               <a:t>Goals</a:t>
             </a:r>
@@ -23770,24 +23824,24 @@
             <a:pPr lvl="1"/>
             <a:r>
               <a:rPr lang="zh-CN" altLang="en-US" dirty="0">
-                <a:ea typeface="宋体" pitchFamily="2" charset="-122"/>
+                <a:latin typeface="+mn-ea"/>
               </a:rPr>
               <a:t>有什么可能发生的事情，会影响项目的成功？</a:t>
             </a:r>
             <a:endParaRPr lang="en-US" altLang="zh-CN" dirty="0">
-              <a:ea typeface="宋体" pitchFamily="2" charset="-122"/>
+              <a:latin typeface="+mn-ea"/>
             </a:endParaRPr>
           </a:p>
           <a:p>
             <a:r>
               <a:rPr lang="zh-CN" altLang="en-US" dirty="0">
-                <a:ea typeface="宋体" pitchFamily="2" charset="-122"/>
+                <a:latin typeface="+mn-ea"/>
               </a:rPr>
               <a:t>确认风险</a:t>
             </a:r>
             <a:r>
               <a:rPr lang="en-US" altLang="zh-CN" dirty="0">
-                <a:ea typeface="宋体" pitchFamily="2" charset="-122"/>
+                <a:latin typeface="+mn-ea"/>
               </a:rPr>
               <a:t> –</a:t>
             </a:r>
@@ -23796,25 +23850,25 @@
             <a:pPr lvl="1"/>
             <a:r>
               <a:rPr lang="en-US" altLang="zh-CN" dirty="0">
-                <a:ea typeface="宋体" pitchFamily="2" charset="-122"/>
+                <a:latin typeface="+mn-ea"/>
               </a:rPr>
               <a:t>Risk classification – </a:t>
             </a:r>
             <a:r>
               <a:rPr lang="zh-CN" altLang="en-US" dirty="0">
-                <a:ea typeface="宋体" pitchFamily="2" charset="-122"/>
+                <a:latin typeface="+mn-ea"/>
               </a:rPr>
               <a:t>哪一类的风险？风险究竟是什么？</a:t>
             </a:r>
             <a:endParaRPr lang="en-US" altLang="zh-CN" dirty="0">
-              <a:ea typeface="宋体" pitchFamily="2" charset="-122"/>
+              <a:latin typeface="+mn-ea"/>
             </a:endParaRPr>
           </a:p>
           <a:p>
             <a:pPr lvl="1"/>
             <a:r>
               <a:rPr lang="en-US" altLang="zh-CN" dirty="0">
-                <a:ea typeface="宋体" pitchFamily="2" charset="-122"/>
+                <a:latin typeface="+mn-ea"/>
               </a:rPr>
               <a:t>Risk statement – </a:t>
             </a:r>
@@ -23823,13 +23877,13 @@
             <a:pPr lvl="1"/>
             <a:r>
               <a:rPr lang="zh-CN" altLang="en-US" dirty="0">
-                <a:ea typeface="宋体" pitchFamily="2" charset="-122"/>
+                <a:latin typeface="+mn-ea"/>
               </a:rPr>
               <a:t>发生风险的条件是什么？风险发生时，会有什么损失？损失具体多大？</a:t>
             </a:r>
             <a:r>
               <a:rPr lang="en-US" altLang="zh-CN" dirty="0">
-                <a:ea typeface="宋体" pitchFamily="2" charset="-122"/>
+                <a:latin typeface="+mn-ea"/>
               </a:rPr>
               <a:t> </a:t>
             </a:r>
@@ -23887,12 +23941,12 @@
           <a:p>
             <a:r>
               <a:rPr lang="zh-CN" altLang="en-US" dirty="0">
-                <a:ea typeface="宋体" pitchFamily="2" charset="-122"/>
+                <a:latin typeface="+mj-ea"/>
               </a:rPr>
               <a:t>风险分类</a:t>
             </a:r>
             <a:endParaRPr lang="en-US" altLang="zh-CN" dirty="0">
-              <a:ea typeface="宋体" pitchFamily="2" charset="-122"/>
+              <a:latin typeface="+mj-ea"/>
             </a:endParaRPr>
           </a:p>
         </p:txBody>
@@ -23904,7 +23958,11 @@
             <a:graphicFrameLocks noGrp="1"/>
           </p:cNvGraphicFramePr>
           <p:nvPr>
-            <p:extLst/>
+            <p:extLst>
+              <p:ext uri="{D42A27DB-BD31-4B8C-83A1-F6EECF244321}">
+                <p14:modId xmlns:p14="http://schemas.microsoft.com/office/powerpoint/2010/main" val="3149077516"/>
+              </p:ext>
+            </p:extLst>
           </p:nvPr>
         </p:nvGraphicFramePr>
         <p:xfrm>
@@ -23964,8 +24022,8 @@
                             <a:schemeClr val="tx2"/>
                           </a:solidFill>
                           <a:effectLst/>
-                          <a:latin typeface="+mj-lt"/>
-                          <a:ea typeface="宋体" pitchFamily="2" charset="-122"/>
+                          <a:latin typeface="+mn-ea"/>
+                          <a:ea typeface="+mn-ea"/>
                         </a:rPr>
                         <a:t>分类</a:t>
                       </a:r>
@@ -23977,8 +24035,8 @@
                           <a:schemeClr val="tx2"/>
                         </a:solidFill>
                         <a:effectLst/>
-                        <a:latin typeface="+mj-lt"/>
-                        <a:ea typeface="宋体" pitchFamily="2" charset="-122"/>
+                        <a:latin typeface="+mn-ea"/>
+                        <a:ea typeface="+mn-ea"/>
                       </a:endParaRPr>
                     </a:p>
                   </a:txBody>
@@ -24062,8 +24120,8 @@
                             <a:schemeClr val="tx1"/>
                           </a:solidFill>
                           <a:effectLst/>
-                          <a:latin typeface="+mj-lt"/>
-                          <a:ea typeface="宋体" pitchFamily="2" charset="-122"/>
+                          <a:latin typeface="+mn-ea"/>
+                          <a:ea typeface="+mn-ea"/>
                         </a:rPr>
                         <a:t>风险来源</a:t>
                       </a:r>
@@ -24076,8 +24134,8 @@
                             <a:schemeClr val="tx2"/>
                           </a:solidFill>
                           <a:effectLst/>
-                          <a:latin typeface="+mj-lt"/>
-                          <a:ea typeface="宋体" pitchFamily="2" charset="-122"/>
+                          <a:latin typeface="+mn-ea"/>
+                          <a:ea typeface="+mn-ea"/>
                         </a:rPr>
                         <a:t> Sources</a:t>
                       </a:r>
@@ -24170,8 +24228,8 @@
                             <a:schemeClr val="tx1"/>
                           </a:solidFill>
                           <a:effectLst/>
-                          <a:latin typeface="Arial Narrow" pitchFamily="34" charset="0"/>
-                          <a:ea typeface="宋体" pitchFamily="2" charset="-122"/>
+                          <a:latin typeface="+mn-ea"/>
+                          <a:ea typeface="+mn-ea"/>
                         </a:rPr>
                         <a:t>人</a:t>
                       </a:r>
@@ -24183,8 +24241,8 @@
                           <a:schemeClr val="tx1"/>
                         </a:solidFill>
                         <a:effectLst/>
-                        <a:latin typeface="Arial Narrow" pitchFamily="34" charset="0"/>
-                        <a:ea typeface="宋体" pitchFamily="2" charset="-122"/>
+                        <a:latin typeface="+mn-ea"/>
+                        <a:ea typeface="+mn-ea"/>
                       </a:endParaRPr>
                     </a:p>
                   </a:txBody>
@@ -24266,8 +24324,8 @@
                             <a:schemeClr val="tx1"/>
                           </a:solidFill>
                           <a:effectLst/>
-                          <a:latin typeface="Arial Narrow" pitchFamily="34" charset="0"/>
-                          <a:ea typeface="宋体" pitchFamily="2" charset="-122"/>
+                          <a:latin typeface="+mn-ea"/>
+                          <a:ea typeface="+mn-ea"/>
                         </a:rPr>
                         <a:t>客户，用户，利益相关者，团队成员，机构，政治因素</a:t>
                       </a:r>
@@ -24279,8 +24337,8 @@
                           <a:schemeClr val="tx1"/>
                         </a:solidFill>
                         <a:effectLst/>
-                        <a:latin typeface="Arial Narrow" pitchFamily="34" charset="0"/>
-                        <a:ea typeface="宋体" pitchFamily="2" charset="-122"/>
+                        <a:latin typeface="+mn-ea"/>
+                        <a:ea typeface="+mn-ea"/>
                       </a:endParaRPr>
                     </a:p>
                   </a:txBody>
@@ -24369,8 +24427,8 @@
                             <a:schemeClr val="tx1"/>
                           </a:solidFill>
                           <a:effectLst/>
-                          <a:latin typeface="Arial Narrow" pitchFamily="34" charset="0"/>
-                          <a:ea typeface="宋体" pitchFamily="2" charset="-122"/>
+                          <a:latin typeface="+mn-ea"/>
+                          <a:ea typeface="+mn-ea"/>
                         </a:rPr>
                         <a:t>流程</a:t>
                       </a:r>
@@ -24382,8 +24440,8 @@
                           <a:schemeClr val="tx1"/>
                         </a:solidFill>
                         <a:effectLst/>
-                        <a:latin typeface="Arial Narrow" pitchFamily="34" charset="0"/>
-                        <a:ea typeface="宋体" pitchFamily="2" charset="-122"/>
+                        <a:latin typeface="+mn-ea"/>
+                        <a:ea typeface="+mn-ea"/>
                       </a:endParaRPr>
                     </a:p>
                   </a:txBody>
@@ -24465,8 +24523,8 @@
                             <a:schemeClr val="tx1"/>
                           </a:solidFill>
                           <a:effectLst/>
-                          <a:latin typeface="Arial Narrow" pitchFamily="34" charset="0"/>
-                          <a:ea typeface="宋体" pitchFamily="2" charset="-122"/>
+                          <a:latin typeface="+mn-ea"/>
+                          <a:ea typeface="+mn-ea"/>
                         </a:rPr>
                         <a:t>项目的目标，决定流程，项目特点，预算，费用，日程，需求，设计，构建和测试的过程</a:t>
                       </a:r>
@@ -24478,8 +24536,8 @@
                           <a:schemeClr val="tx1"/>
                         </a:solidFill>
                         <a:effectLst/>
-                        <a:latin typeface="Arial Narrow" pitchFamily="34" charset="0"/>
-                        <a:ea typeface="宋体" pitchFamily="2" charset="-122"/>
+                        <a:latin typeface="+mn-ea"/>
+                        <a:ea typeface="+mn-ea"/>
                       </a:endParaRPr>
                     </a:p>
                   </a:txBody>
@@ -24568,8 +24626,8 @@
                             <a:schemeClr val="tx1"/>
                           </a:solidFill>
                           <a:effectLst/>
-                          <a:latin typeface="Arial Narrow" pitchFamily="34" charset="0"/>
-                          <a:ea typeface="宋体" pitchFamily="2" charset="-122"/>
+                          <a:latin typeface="+mn-ea"/>
+                          <a:ea typeface="+mn-ea"/>
                         </a:rPr>
                         <a:t>技术</a:t>
                       </a:r>
@@ -24581,8 +24639,8 @@
                           <a:schemeClr val="tx1"/>
                         </a:solidFill>
                         <a:effectLst/>
-                        <a:latin typeface="Arial Narrow" pitchFamily="34" charset="0"/>
-                        <a:ea typeface="宋体" pitchFamily="2" charset="-122"/>
+                        <a:latin typeface="+mn-ea"/>
+                        <a:ea typeface="+mn-ea"/>
                       </a:endParaRPr>
                     </a:p>
                   </a:txBody>
@@ -24664,8 +24722,8 @@
                             <a:schemeClr val="tx1"/>
                           </a:solidFill>
                           <a:effectLst/>
-                          <a:latin typeface="Arial Narrow" pitchFamily="34" charset="0"/>
-                          <a:ea typeface="宋体" pitchFamily="2" charset="-122"/>
+                          <a:latin typeface="+mn-ea"/>
+                          <a:ea typeface="+mn-ea"/>
                         </a:rPr>
                         <a:t>技术是否可用，安全性，开发和测试的环境支持，工具，发布，支持，运营环境。 </a:t>
                       </a:r>
@@ -24677,8 +24735,8 @@
                           <a:schemeClr val="tx1"/>
                         </a:solidFill>
                         <a:effectLst/>
-                        <a:latin typeface="Arial Narrow" pitchFamily="34" charset="0"/>
-                        <a:ea typeface="宋体" pitchFamily="2" charset="-122"/>
+                        <a:latin typeface="+mn-ea"/>
+                        <a:ea typeface="+mn-ea"/>
                       </a:endParaRPr>
                     </a:p>
                   </a:txBody>
@@ -24767,8 +24825,8 @@
                             <a:schemeClr val="tx1"/>
                           </a:solidFill>
                           <a:effectLst/>
-                          <a:latin typeface="Arial Narrow" pitchFamily="34" charset="0"/>
-                          <a:ea typeface="宋体" pitchFamily="2" charset="-122"/>
+                          <a:latin typeface="+mn-ea"/>
+                          <a:ea typeface="+mn-ea"/>
                         </a:rPr>
                         <a:t>环境</a:t>
                       </a:r>
@@ -24780,8 +24838,8 @@
                           <a:schemeClr val="tx1"/>
                         </a:solidFill>
                         <a:effectLst/>
-                        <a:latin typeface="Arial Narrow" pitchFamily="34" charset="0"/>
-                        <a:ea typeface="宋体" pitchFamily="2" charset="-122"/>
+                        <a:latin typeface="+mn-ea"/>
+                        <a:ea typeface="+mn-ea"/>
                       </a:endParaRPr>
                     </a:p>
                   </a:txBody>
@@ -24863,8 +24921,8 @@
                             <a:schemeClr val="tx1"/>
                           </a:solidFill>
                           <a:effectLst/>
-                          <a:latin typeface="Arial Narrow" pitchFamily="34" charset="0"/>
-                          <a:ea typeface="宋体" pitchFamily="2" charset="-122"/>
+                          <a:latin typeface="+mn-ea"/>
+                          <a:ea typeface="+mn-ea"/>
                         </a:rPr>
                         <a:t>法律，规定，竞争对手，经济环境，商业和行业条件</a:t>
                       </a:r>
@@ -24876,8 +24934,8 @@
                           <a:schemeClr val="tx1"/>
                         </a:solidFill>
                         <a:effectLst/>
-                        <a:latin typeface="Arial Narrow" pitchFamily="34" charset="0"/>
-                        <a:ea typeface="宋体" pitchFamily="2" charset="-122"/>
+                        <a:latin typeface="+mn-ea"/>
+                        <a:ea typeface="+mn-ea"/>
                       </a:endParaRPr>
                     </a:p>
                   </a:txBody>
@@ -25530,47 +25588,246 @@
           <a:lstStyle/>
           <a:p>
             <a:r>
-              <a:rPr lang="en-US" altLang="zh-CN" dirty="0"/>
-              <a:t>PM </a:t>
-            </a:r>
-            <a:r>
-              <a:rPr lang="zh-CN" altLang="en-US" dirty="0"/>
-              <a:t>和风险管理</a:t>
+              <a:rPr lang="zh-CN" altLang="en-US"/>
+              <a:t>应对风险的办法</a:t>
             </a:r>
             <a:endParaRPr lang="en-US" dirty="0"/>
           </a:p>
         </p:txBody>
       </p:sp>
-      <p:pic>
-        <p:nvPicPr>
-          <p:cNvPr id="4" name="内容占位符 3"/>
-          <p:cNvPicPr>
-            <a:picLocks noGrp="1" noChangeAspect="1"/>
-          </p:cNvPicPr>
+      <p:sp>
+        <p:nvSpPr>
+          <p:cNvPr id="3" name="内容占位符 2"/>
+          <p:cNvSpPr>
+            <a:spLocks noGrp="1"/>
+          </p:cNvSpPr>
           <p:nvPr>
             <p:ph idx="1"/>
           </p:nvPr>
-        </p:nvPicPr>
-        <p:blipFill>
-          <a:blip r:embed="rId2"/>
-          <a:stretch>
-            <a:fillRect/>
-          </a:stretch>
-        </p:blipFill>
-        <p:spPr>
-          <a:xfrm>
-            <a:off x="1981200" y="2970012"/>
-            <a:ext cx="8229600" cy="2235600"/>
-          </a:xfrm>
-          <a:prstGeom prst="rect">
-            <a:avLst/>
-          </a:prstGeom>
-        </p:spPr>
-      </p:pic>
+        </p:nvSpPr>
+        <p:spPr/>
+        <p:txBody>
+          <a:bodyPr>
+            <a:normAutofit fontScale="77500" lnSpcReduction="20000"/>
+          </a:bodyPr>
+          <a:lstStyle/>
+          <a:p>
+            <a:r>
+              <a:rPr lang="en-US" altLang="zh-CN" sz="2400" dirty="0">
+                <a:ea typeface="宋体" pitchFamily="2" charset="-122"/>
+              </a:rPr>
+              <a:t>Research </a:t>
+            </a:r>
+          </a:p>
+          <a:p>
+            <a:pPr lvl="1"/>
+            <a:r>
+              <a:rPr lang="en-US" altLang="zh-CN" sz="2000" dirty="0">
+                <a:ea typeface="宋体" pitchFamily="2" charset="-122"/>
+              </a:rPr>
+              <a:t>Can we acquire more information about the risk before taking action?</a:t>
+            </a:r>
+          </a:p>
+          <a:p>
+            <a:pPr lvl="1"/>
+            <a:r>
+              <a:rPr lang="en-US" altLang="zh-CN" sz="2000" dirty="0">
+                <a:ea typeface="宋体" pitchFamily="2" charset="-122"/>
+              </a:rPr>
+              <a:t>“</a:t>
+            </a:r>
+            <a:r>
+              <a:rPr lang="zh-CN" altLang="en-US" sz="2000" dirty="0">
+                <a:ea typeface="宋体" pitchFamily="2" charset="-122"/>
+              </a:rPr>
+              <a:t>吃改基因食物会致癌</a:t>
+            </a:r>
+            <a:r>
+              <a:rPr lang="en-US" altLang="zh-CN" sz="2000" dirty="0">
+                <a:ea typeface="宋体" pitchFamily="2" charset="-122"/>
+              </a:rPr>
+              <a:t>”</a:t>
+            </a:r>
+          </a:p>
+          <a:p>
+            <a:pPr lvl="1"/>
+            <a:r>
+              <a:rPr lang="en-US" altLang="zh-CN" sz="2000" dirty="0">
+                <a:ea typeface="宋体" pitchFamily="2" charset="-122"/>
+              </a:rPr>
+              <a:t>“</a:t>
+            </a:r>
+            <a:r>
+              <a:rPr lang="zh-CN" altLang="en-US" sz="2000" dirty="0">
+                <a:ea typeface="宋体" pitchFamily="2" charset="-122"/>
+              </a:rPr>
+              <a:t>我们用的技术也许无法实现我们的需求</a:t>
+            </a:r>
+            <a:r>
+              <a:rPr lang="en-US" altLang="zh-CN" sz="2000" dirty="0">
+                <a:ea typeface="宋体" pitchFamily="2" charset="-122"/>
+              </a:rPr>
+              <a:t>” (</a:t>
+            </a:r>
+            <a:r>
+              <a:rPr lang="en-US" altLang="zh-CN" sz="2000" dirty="0">
+                <a:ea typeface="宋体" pitchFamily="2" charset="-122"/>
+                <a:hlinkClick r:id="rId2"/>
+              </a:rPr>
+              <a:t>link</a:t>
+            </a:r>
+            <a:r>
+              <a:rPr lang="en-US" altLang="zh-CN" sz="2000" dirty="0">
+                <a:ea typeface="宋体" pitchFamily="2" charset="-122"/>
+              </a:rPr>
+              <a:t>)</a:t>
+            </a:r>
+          </a:p>
+          <a:p>
+            <a:r>
+              <a:rPr lang="en-US" altLang="zh-CN" sz="2400" dirty="0">
+                <a:ea typeface="宋体" pitchFamily="2" charset="-122"/>
+              </a:rPr>
+              <a:t>Accept </a:t>
+            </a:r>
+          </a:p>
+          <a:p>
+            <a:pPr lvl="1"/>
+            <a:r>
+              <a:rPr lang="en-US" altLang="zh-CN" sz="2000" dirty="0">
+                <a:ea typeface="宋体" pitchFamily="2" charset="-122"/>
+              </a:rPr>
+              <a:t>Can we live with the consequences if risk were to occur?</a:t>
+            </a:r>
+          </a:p>
+          <a:p>
+            <a:pPr lvl="1"/>
+            <a:r>
+              <a:rPr lang="en-US" altLang="zh-CN" sz="2000" dirty="0">
+                <a:ea typeface="宋体" pitchFamily="2" charset="-122"/>
+              </a:rPr>
+              <a:t>“2020 </a:t>
+            </a:r>
+            <a:r>
+              <a:rPr lang="zh-CN" altLang="en-US" sz="2000" dirty="0">
+                <a:ea typeface="宋体" pitchFamily="2" charset="-122"/>
+              </a:rPr>
+              <a:t>地球毁灭</a:t>
+            </a:r>
+            <a:r>
+              <a:rPr lang="en-US" altLang="zh-CN" sz="2000" dirty="0">
+                <a:ea typeface="宋体" pitchFamily="2" charset="-122"/>
+              </a:rPr>
+              <a:t>?”</a:t>
+            </a:r>
+          </a:p>
+          <a:p>
+            <a:r>
+              <a:rPr lang="en-US" altLang="zh-CN" sz="2400" dirty="0">
+                <a:ea typeface="宋体" pitchFamily="2" charset="-122"/>
+              </a:rPr>
+              <a:t>Avoid </a:t>
+            </a:r>
+          </a:p>
+          <a:p>
+            <a:pPr lvl="1"/>
+            <a:r>
+              <a:rPr lang="en-US" altLang="zh-CN" sz="2000" dirty="0">
+                <a:ea typeface="宋体" pitchFamily="2" charset="-122"/>
+              </a:rPr>
+              <a:t> Can we avoid the risk by changing project scope?</a:t>
+            </a:r>
+          </a:p>
+          <a:p>
+            <a:pPr lvl="1"/>
+            <a:r>
+              <a:rPr lang="en-US" altLang="zh-CN" sz="2000" dirty="0">
+                <a:ea typeface="宋体" pitchFamily="2" charset="-122"/>
+              </a:rPr>
+              <a:t>(your example)</a:t>
+            </a:r>
+          </a:p>
+          <a:p>
+            <a:r>
+              <a:rPr lang="en-US" altLang="zh-CN" sz="2400" dirty="0">
+                <a:ea typeface="宋体" pitchFamily="2" charset="-122"/>
+              </a:rPr>
+              <a:t>Transfer </a:t>
+            </a:r>
+          </a:p>
+          <a:p>
+            <a:pPr lvl="1"/>
+            <a:r>
+              <a:rPr lang="en-US" altLang="zh-CN" sz="2000" dirty="0">
+                <a:ea typeface="宋体" pitchFamily="2" charset="-122"/>
+              </a:rPr>
+              <a:t>Can we transfer risk to other projects, teams, organizations, or individuals?</a:t>
+            </a:r>
+          </a:p>
+          <a:p>
+            <a:r>
+              <a:rPr lang="en-US" altLang="zh-CN" sz="2400" dirty="0">
+                <a:ea typeface="宋体" pitchFamily="2" charset="-122"/>
+              </a:rPr>
+              <a:t>Mitigate</a:t>
+            </a:r>
+          </a:p>
+          <a:p>
+            <a:pPr lvl="1"/>
+            <a:r>
+              <a:rPr lang="en-US" altLang="zh-CN" sz="2000" dirty="0">
+                <a:ea typeface="宋体" pitchFamily="2" charset="-122"/>
+              </a:rPr>
+              <a:t>Can the team do anything to reduce either the probability (</a:t>
+            </a:r>
+            <a:r>
+              <a:rPr lang="zh-CN" altLang="en-US" sz="2000" dirty="0">
+                <a:ea typeface="宋体" pitchFamily="2" charset="-122"/>
+              </a:rPr>
+              <a:t>可能性</a:t>
+            </a:r>
+            <a:r>
+              <a:rPr lang="en-US" altLang="zh-CN" sz="2000" dirty="0">
+                <a:ea typeface="宋体" pitchFamily="2" charset="-122"/>
+              </a:rPr>
+              <a:t>) or the impact (</a:t>
+            </a:r>
+            <a:r>
+              <a:rPr lang="zh-CN" altLang="en-US" sz="2000" dirty="0">
+                <a:ea typeface="宋体" pitchFamily="2" charset="-122"/>
+              </a:rPr>
+              <a:t>影响</a:t>
+            </a:r>
+            <a:r>
+              <a:rPr lang="en-US" altLang="zh-CN" sz="2000" dirty="0">
+                <a:ea typeface="宋体" pitchFamily="2" charset="-122"/>
+              </a:rPr>
+              <a:t>) of the risk? </a:t>
+            </a:r>
+          </a:p>
+          <a:p>
+            <a:r>
+              <a:rPr lang="en-US" altLang="zh-CN" sz="2400" dirty="0">
+                <a:ea typeface="宋体" pitchFamily="2" charset="-122"/>
+              </a:rPr>
+              <a:t>Plan contingency </a:t>
+            </a:r>
+          </a:p>
+          <a:p>
+            <a:pPr lvl="1"/>
+            <a:r>
+              <a:rPr lang="en-US" altLang="zh-CN" sz="2000" dirty="0">
+                <a:ea typeface="宋体" pitchFamily="2" charset="-122"/>
+              </a:rPr>
+              <a:t> Can the impact be reduced through a planned reaction?</a:t>
+            </a:r>
+          </a:p>
+        </p:txBody>
+      </p:sp>
     </p:spTree>
     <p:extLst>
       <p:ext uri="{BB962C8B-B14F-4D97-AF65-F5344CB8AC3E}">
-        <p14:creationId xmlns:p14="http://schemas.microsoft.com/office/powerpoint/2010/main" val="1246967057"/>
+        <p14:creationId xmlns:p14="http://schemas.microsoft.com/office/powerpoint/2010/main" val="742285823"/>
       </p:ext>
     </p:extLst>
   </p:cSld>
@@ -25613,8 +25870,8 @@
           <a:lstStyle/>
           <a:p>
             <a:r>
-              <a:rPr lang="zh-CN" altLang="en-US"/>
-              <a:t>应对风险的办法</a:t>
+              <a:rPr lang="zh-CN" altLang="en-US" dirty="0"/>
+              <a:t>应对风险</a:t>
             </a:r>
             <a:endParaRPr lang="en-US" dirty="0"/>
           </a:p>
@@ -25633,218 +25890,120 @@
         <p:spPr/>
         <p:txBody>
           <a:bodyPr>
-            <a:normAutofit fontScale="77500" lnSpcReduction="20000"/>
+            <a:normAutofit fontScale="62500" lnSpcReduction="20000"/>
           </a:bodyPr>
           <a:lstStyle/>
           <a:p>
-            <a:r>
-              <a:rPr lang="en-US" altLang="zh-CN" sz="2400" dirty="0">
-                <a:ea typeface="宋体" pitchFamily="2" charset="-122"/>
-              </a:rPr>
-              <a:t>Research </a:t>
-            </a:r>
-          </a:p>
-          <a:p>
-            <a:pPr lvl="1"/>
-            <a:r>
-              <a:rPr lang="en-US" altLang="zh-CN" sz="2000" dirty="0">
-                <a:ea typeface="宋体" pitchFamily="2" charset="-122"/>
-              </a:rPr>
-              <a:t>Can we acquire more information about the risk before taking action?</a:t>
-            </a:r>
-          </a:p>
-          <a:p>
-            <a:pPr lvl="1"/>
-            <a:r>
-              <a:rPr lang="en-US" altLang="zh-CN" sz="2000" dirty="0">
-                <a:ea typeface="宋体" pitchFamily="2" charset="-122"/>
-              </a:rPr>
-              <a:t>“</a:t>
-            </a:r>
-            <a:r>
-              <a:rPr lang="zh-CN" altLang="en-US" sz="2000" dirty="0">
-                <a:ea typeface="宋体" pitchFamily="2" charset="-122"/>
-              </a:rPr>
-              <a:t>吃改基因食物会致癌</a:t>
-            </a:r>
-            <a:r>
-              <a:rPr lang="en-US" altLang="zh-CN" sz="2000" dirty="0">
-                <a:ea typeface="宋体" pitchFamily="2" charset="-122"/>
-              </a:rPr>
-              <a:t>”</a:t>
-            </a:r>
-          </a:p>
-          <a:p>
-            <a:pPr lvl="1"/>
-            <a:r>
-              <a:rPr lang="en-US" altLang="zh-CN" sz="2000" dirty="0">
-                <a:ea typeface="宋体" pitchFamily="2" charset="-122"/>
-              </a:rPr>
-              <a:t>“</a:t>
-            </a:r>
-            <a:r>
-              <a:rPr lang="zh-CN" altLang="en-US" sz="2000" dirty="0">
-                <a:ea typeface="宋体" pitchFamily="2" charset="-122"/>
-              </a:rPr>
-              <a:t>我们用的技术也许无法实现我们的需求</a:t>
-            </a:r>
-            <a:r>
-              <a:rPr lang="en-US" altLang="zh-CN" sz="2000" dirty="0">
-                <a:ea typeface="宋体" pitchFamily="2" charset="-122"/>
-              </a:rPr>
-              <a:t>” (</a:t>
-            </a:r>
-            <a:r>
-              <a:rPr lang="en-US" altLang="zh-CN" sz="2000" dirty="0">
-                <a:ea typeface="宋体" pitchFamily="2" charset="-122"/>
-                <a:hlinkClick r:id="rId2"/>
-              </a:rPr>
-              <a:t>link</a:t>
-            </a:r>
-            <a:r>
-              <a:rPr lang="en-US" altLang="zh-CN" sz="2000" dirty="0">
-                <a:ea typeface="宋体" pitchFamily="2" charset="-122"/>
-              </a:rPr>
-              <a:t>)</a:t>
-            </a:r>
-          </a:p>
-          <a:p>
-            <a:r>
-              <a:rPr lang="en-US" altLang="zh-CN" sz="2400" dirty="0">
-                <a:ea typeface="宋体" pitchFamily="2" charset="-122"/>
-              </a:rPr>
-              <a:t>Accept </a:t>
-            </a:r>
-          </a:p>
-          <a:p>
-            <a:pPr lvl="1"/>
-            <a:r>
-              <a:rPr lang="en-US" altLang="zh-CN" sz="2000" dirty="0">
-                <a:ea typeface="宋体" pitchFamily="2" charset="-122"/>
-              </a:rPr>
-              <a:t>Can we live with the consequences if risk were to occur?</a:t>
-            </a:r>
-          </a:p>
-          <a:p>
-            <a:pPr lvl="1"/>
-            <a:r>
-              <a:rPr lang="en-US" altLang="zh-CN" sz="2000" dirty="0">
-                <a:ea typeface="宋体" pitchFamily="2" charset="-122"/>
-              </a:rPr>
-              <a:t>“2020 </a:t>
-            </a:r>
-            <a:r>
-              <a:rPr lang="zh-CN" altLang="en-US" sz="2000" dirty="0">
-                <a:ea typeface="宋体" pitchFamily="2" charset="-122"/>
-              </a:rPr>
-              <a:t>地球毁灭</a:t>
-            </a:r>
-            <a:r>
-              <a:rPr lang="en-US" altLang="zh-CN" sz="2000" dirty="0">
-                <a:ea typeface="宋体" pitchFamily="2" charset="-122"/>
-              </a:rPr>
-              <a:t>?”</a:t>
-            </a:r>
-          </a:p>
-          <a:p>
-            <a:r>
-              <a:rPr lang="en-US" altLang="zh-CN" sz="2400" dirty="0">
-                <a:ea typeface="宋体" pitchFamily="2" charset="-122"/>
-              </a:rPr>
-              <a:t>Avoid </a:t>
-            </a:r>
-          </a:p>
-          <a:p>
-            <a:pPr lvl="1"/>
-            <a:r>
-              <a:rPr lang="en-US" altLang="zh-CN" sz="2000" dirty="0">
-                <a:ea typeface="宋体" pitchFamily="2" charset="-122"/>
-              </a:rPr>
-              <a:t> Can we avoid the risk by changing project scope?</a:t>
-            </a:r>
-          </a:p>
-          <a:p>
-            <a:pPr lvl="1"/>
-            <a:r>
-              <a:rPr lang="en-US" altLang="zh-CN" sz="2000" dirty="0">
-                <a:ea typeface="宋体" pitchFamily="2" charset="-122"/>
-              </a:rPr>
-              <a:t>(your example)</a:t>
-            </a:r>
-          </a:p>
-          <a:p>
-            <a:r>
-              <a:rPr lang="en-US" altLang="zh-CN" sz="2400" dirty="0">
-                <a:ea typeface="宋体" pitchFamily="2" charset="-122"/>
-              </a:rPr>
-              <a:t>Transfer </a:t>
-            </a:r>
-          </a:p>
-          <a:p>
-            <a:pPr lvl="1"/>
-            <a:r>
-              <a:rPr lang="en-US" altLang="zh-CN" sz="2000" dirty="0">
-                <a:ea typeface="宋体" pitchFamily="2" charset="-122"/>
-              </a:rPr>
-              <a:t>Can we transfer risk to other projects, teams, organizations, or individuals?</a:t>
-            </a:r>
-          </a:p>
-          <a:p>
-            <a:r>
-              <a:rPr lang="en-US" altLang="zh-CN" sz="2400" dirty="0">
-                <a:ea typeface="宋体" pitchFamily="2" charset="-122"/>
-              </a:rPr>
-              <a:t>Mitigate</a:t>
-            </a:r>
-          </a:p>
-          <a:p>
-            <a:pPr lvl="1"/>
-            <a:r>
-              <a:rPr lang="en-US" altLang="zh-CN" sz="2000" dirty="0">
-                <a:ea typeface="宋体" pitchFamily="2" charset="-122"/>
-              </a:rPr>
-              <a:t>Can the team do anything to reduce either the probability (</a:t>
-            </a:r>
-            <a:r>
-              <a:rPr lang="zh-CN" altLang="en-US" sz="2000" dirty="0">
-                <a:ea typeface="宋体" pitchFamily="2" charset="-122"/>
-              </a:rPr>
-              <a:t>可能性</a:t>
-            </a:r>
-            <a:r>
-              <a:rPr lang="en-US" altLang="zh-CN" sz="2000" dirty="0">
-                <a:ea typeface="宋体" pitchFamily="2" charset="-122"/>
-              </a:rPr>
-              <a:t>) or the impact (</a:t>
-            </a:r>
-            <a:r>
-              <a:rPr lang="zh-CN" altLang="en-US" sz="2000" dirty="0">
-                <a:ea typeface="宋体" pitchFamily="2" charset="-122"/>
-              </a:rPr>
-              <a:t>影响</a:t>
-            </a:r>
-            <a:r>
-              <a:rPr lang="en-US" altLang="zh-CN" sz="2000" dirty="0">
-                <a:ea typeface="宋体" pitchFamily="2" charset="-122"/>
-              </a:rPr>
-              <a:t>) of the risk? </a:t>
-            </a:r>
-          </a:p>
-          <a:p>
-            <a:r>
-              <a:rPr lang="en-US" altLang="zh-CN" sz="2400" dirty="0">
-                <a:ea typeface="宋体" pitchFamily="2" charset="-122"/>
-              </a:rPr>
-              <a:t>Plan contingency </a:t>
-            </a:r>
-          </a:p>
-          <a:p>
-            <a:pPr lvl="1"/>
-            <a:r>
-              <a:rPr lang="en-US" altLang="zh-CN" sz="2000" dirty="0">
-                <a:ea typeface="宋体" pitchFamily="2" charset="-122"/>
-              </a:rPr>
-              <a:t> Can the impact be reduced through a planned reaction?</a:t>
+            <a:pPr>
+              <a:lnSpc>
+                <a:spcPct val="120000"/>
+              </a:lnSpc>
+            </a:pPr>
+            <a:r>
+              <a:rPr lang="zh-CN" altLang="en-US" b="1" dirty="0"/>
+              <a:t>进一步研究</a:t>
+            </a:r>
+            <a:r>
+              <a:rPr lang="zh-CN" altLang="en-US" dirty="0"/>
+              <a:t>：例如，“听说新的</a:t>
+            </a:r>
+            <a:r>
+              <a:rPr lang="en-US" altLang="zh-CN" dirty="0"/>
+              <a:t>HTML5</a:t>
+            </a:r>
+            <a:r>
+              <a:rPr lang="zh-CN" altLang="en-US" dirty="0"/>
+              <a:t>标准快要出来了，可能会极大地改进用户体验， 我们目前用的原生代码很快会被淘汰！”，最好的回应就是做扎实的技术研究。</a:t>
+            </a:r>
+            <a:endParaRPr lang="en-US" altLang="zh-CN" dirty="0"/>
+          </a:p>
+          <a:p>
+            <a:pPr>
+              <a:lnSpc>
+                <a:spcPct val="120000"/>
+              </a:lnSpc>
+            </a:pPr>
+            <a:r>
+              <a:rPr lang="zh-CN" altLang="en-US" b="1" dirty="0"/>
+              <a:t>接受</a:t>
+            </a:r>
+            <a:r>
+              <a:rPr lang="zh-CN" altLang="en-US" dirty="0"/>
+              <a:t>：不必为团队完全掌控不了的事情而过多操心。例如，某同学会生病休学，影响到本项目</a:t>
+            </a:r>
+            <a:r>
+              <a:rPr lang="en-US" altLang="zh-CN" dirty="0"/>
+              <a:t>…… </a:t>
+            </a:r>
+          </a:p>
+          <a:p>
+            <a:pPr>
+              <a:lnSpc>
+                <a:spcPct val="120000"/>
+              </a:lnSpc>
+            </a:pPr>
+            <a:r>
+              <a:rPr lang="zh-CN" altLang="en-US" b="1" dirty="0"/>
+              <a:t>规避</a:t>
+            </a:r>
+            <a:r>
+              <a:rPr lang="zh-CN" altLang="en-US" dirty="0"/>
+              <a:t>：能否改变项目的范围，躲开这个风险？例如，听说</a:t>
+            </a:r>
+            <a:r>
+              <a:rPr lang="en-US" altLang="zh-CN" dirty="0"/>
+              <a:t>6 </a:t>
+            </a:r>
+            <a:r>
+              <a:rPr lang="zh-CN" altLang="en-US" dirty="0"/>
+              <a:t>个月后，监管机构会严格 控制视频播放软件和机顶盒的资质，我们的项目能否避开这一领域？</a:t>
+            </a:r>
+          </a:p>
+          <a:p>
+            <a:pPr>
+              <a:lnSpc>
+                <a:spcPct val="120000"/>
+              </a:lnSpc>
+            </a:pPr>
+            <a:r>
+              <a:rPr lang="zh-CN" altLang="en-US" b="1" dirty="0"/>
+              <a:t>转移</a:t>
+            </a:r>
+            <a:r>
+              <a:rPr lang="zh-CN" altLang="en-US" dirty="0"/>
+              <a:t>：能否像击鼓传花那样，把风险交给真正有能力应对风险的团队负责？</a:t>
+            </a:r>
+            <a:endParaRPr lang="en-US" altLang="zh-CN" dirty="0"/>
+          </a:p>
+          <a:p>
+            <a:pPr>
+              <a:lnSpc>
+                <a:spcPct val="120000"/>
+              </a:lnSpc>
+            </a:pPr>
+            <a:r>
+              <a:rPr lang="zh-CN" altLang="en-US" b="1" dirty="0"/>
+              <a:t>降低</a:t>
+            </a:r>
+            <a:r>
+              <a:rPr lang="zh-CN" altLang="en-US" dirty="0"/>
+              <a:t>：降低某个风险对团队的危害程度。例如，我们知道飞行总是有一定的风险，但 是我们不能因为这种可能性而不出门。有些公司就有明确规定不能让三个或以上的副 总裁搭乘同一个航班。</a:t>
+            </a:r>
+            <a:endParaRPr lang="en-US" altLang="zh-CN" dirty="0"/>
+          </a:p>
+          <a:p>
+            <a:pPr>
+              <a:lnSpc>
+                <a:spcPct val="120000"/>
+              </a:lnSpc>
+            </a:pPr>
+            <a:r>
+              <a:rPr lang="zh-CN" altLang="en-US" b="1" dirty="0"/>
+              <a:t>制定应急计划</a:t>
+            </a:r>
+            <a:r>
+              <a:rPr lang="zh-CN" altLang="en-US" dirty="0"/>
+              <a:t>：下半年的预算很可能会缩减，我们不能支持所有的开发和测试人员， 但是团队的目标不会有大的变化。这时候我们要准备一两套预案。</a:t>
             </a:r>
           </a:p>
         </p:txBody>
@@ -25852,7 +26011,7 @@
     </p:spTree>
     <p:extLst>
       <p:ext uri="{BB962C8B-B14F-4D97-AF65-F5344CB8AC3E}">
-        <p14:creationId xmlns:p14="http://schemas.microsoft.com/office/powerpoint/2010/main" val="742285823"/>
+        <p14:creationId xmlns:p14="http://schemas.microsoft.com/office/powerpoint/2010/main" val="3613035980"/>
       </p:ext>
     </p:extLst>
   </p:cSld>
@@ -25896,7 +26055,7 @@
           <a:p>
             <a:r>
               <a:rPr lang="zh-CN" altLang="en-US" dirty="0"/>
-              <a:t>应对风险</a:t>
+              <a:t>练习：风险的作业</a:t>
             </a:r>
             <a:endParaRPr lang="en-US" dirty="0"/>
           </a:p>
@@ -25914,129 +26073,50 @@
         </p:nvSpPr>
         <p:spPr/>
         <p:txBody>
-          <a:bodyPr>
-            <a:normAutofit fontScale="62500" lnSpcReduction="20000"/>
-          </a:bodyPr>
+          <a:bodyPr/>
           <a:lstStyle/>
           <a:p>
-            <a:pPr>
-              <a:lnSpc>
-                <a:spcPct val="120000"/>
-              </a:lnSpc>
-            </a:pPr>
+            <a:r>
+              <a:rPr lang="zh-CN" altLang="en-US" dirty="0"/>
+              <a:t>每个团队列出自己项目中的风险</a:t>
+            </a:r>
+            <a:endParaRPr lang="en-US" altLang="zh-CN" dirty="0"/>
+          </a:p>
+          <a:p>
+            <a:pPr lvl="1"/>
+            <a:r>
+              <a:rPr lang="zh-CN" altLang="en-US" dirty="0"/>
+              <a:t>团队中有人原来许诺要努力工作，但是后来做了南郭先生，这是一个</a:t>
+            </a:r>
             <a:r>
               <a:rPr lang="zh-CN" altLang="en-US" b="1" dirty="0"/>
-              <a:t>进一步研究</a:t>
-            </a:r>
+              <a:t>风险</a:t>
+            </a:r>
+            <a:endParaRPr lang="en-US" altLang="zh-CN" b="1" dirty="0"/>
+          </a:p>
+          <a:p>
             <a:r>
               <a:rPr lang="zh-CN" altLang="en-US" dirty="0"/>
-              <a:t>：例如，“听说新的</a:t>
-            </a:r>
-            <a:r>
-              <a:rPr lang="en-US" altLang="zh-CN" dirty="0"/>
-              <a:t>HTML5</a:t>
-            </a:r>
+              <a:t>并列出应对方法</a:t>
+            </a:r>
+            <a:endParaRPr lang="en-US" altLang="zh-CN" dirty="0"/>
+          </a:p>
+          <a:p>
+            <a:endParaRPr lang="en-US" dirty="0"/>
+          </a:p>
+          <a:p>
             <a:r>
               <a:rPr lang="zh-CN" altLang="en-US" dirty="0"/>
-              <a:t>标准快要出来了，可能会极大地改进用户体验， 我们目前用的原生代码很快会被淘汰！”，最好的回应就是做扎实的技术研究。</a:t>
-            </a:r>
-            <a:endParaRPr lang="en-US" altLang="zh-CN" dirty="0"/>
-          </a:p>
-          <a:p>
-            <a:pPr>
-              <a:lnSpc>
-                <a:spcPct val="120000"/>
-              </a:lnSpc>
-            </a:pPr>
-            <a:r>
-              <a:rPr lang="zh-CN" altLang="en-US" b="1" dirty="0"/>
-              <a:t>接受</a:t>
-            </a:r>
-            <a:r>
-              <a:rPr lang="zh-CN" altLang="en-US" dirty="0"/>
-              <a:t>：不必为团队完全掌控不了的事情而过多操心。例如，某同学会生病休学，影响到本项目</a:t>
-            </a:r>
-            <a:r>
-              <a:rPr lang="en-US" altLang="zh-CN" dirty="0"/>
-              <a:t>…… </a:t>
-            </a:r>
-          </a:p>
-          <a:p>
-            <a:pPr>
-              <a:lnSpc>
-                <a:spcPct val="120000"/>
-              </a:lnSpc>
-            </a:pPr>
-            <a:r>
-              <a:rPr lang="zh-CN" altLang="en-US" b="1" dirty="0"/>
-              <a:t>规避</a:t>
-            </a:r>
-            <a:r>
-              <a:rPr lang="zh-CN" altLang="en-US" dirty="0"/>
-              <a:t>：能否改变项目的范围，躲开这个风险？例如，听说</a:t>
-            </a:r>
-            <a:r>
-              <a:rPr lang="en-US" altLang="zh-CN" dirty="0"/>
-              <a:t>6 </a:t>
-            </a:r>
-            <a:r>
-              <a:rPr lang="zh-CN" altLang="en-US" dirty="0"/>
-              <a:t>个月后，监管机构会严格 控制视频播放软件和机顶盒的资质，我们的项目能否避开这一领域？</a:t>
-            </a:r>
-          </a:p>
-          <a:p>
-            <a:pPr>
-              <a:lnSpc>
-                <a:spcPct val="120000"/>
-              </a:lnSpc>
-            </a:pPr>
-            <a:r>
-              <a:rPr lang="zh-CN" altLang="en-US" b="1" dirty="0"/>
-              <a:t>转移</a:t>
-            </a:r>
-            <a:r>
-              <a:rPr lang="zh-CN" altLang="en-US" dirty="0"/>
-              <a:t>：能否像击鼓传花那样，把风险交给真正有能力应对风险的团队负责？</a:t>
-            </a:r>
-            <a:endParaRPr lang="en-US" altLang="zh-CN" dirty="0"/>
-          </a:p>
-          <a:p>
-            <a:pPr>
-              <a:lnSpc>
-                <a:spcPct val="120000"/>
-              </a:lnSpc>
-            </a:pPr>
-            <a:r>
-              <a:rPr lang="zh-CN" altLang="en-US" b="1" dirty="0"/>
-              <a:t>降低</a:t>
-            </a:r>
-            <a:r>
-              <a:rPr lang="zh-CN" altLang="en-US" dirty="0"/>
-              <a:t>：降低某个风险对团队的危害程度。例如，我们知道飞行总是有一定的风险，但 是我们不能因为这种可能性而不出门。有些公司就有明确规定不能让三个或以上的副 总裁搭乘同一个航班。</a:t>
-            </a:r>
-            <a:endParaRPr lang="en-US" altLang="zh-CN" dirty="0"/>
-          </a:p>
-          <a:p>
-            <a:pPr>
-              <a:lnSpc>
-                <a:spcPct val="120000"/>
-              </a:lnSpc>
-            </a:pPr>
-            <a:r>
-              <a:rPr lang="zh-CN" altLang="en-US" b="1" dirty="0"/>
-              <a:t>制定应急计划</a:t>
-            </a:r>
-            <a:r>
-              <a:rPr lang="zh-CN" altLang="en-US" dirty="0"/>
-              <a:t>：下半年的预算很可能会缩减，我们不能支持所有的开发和测试人员， 但是团队的目标不会有大的变化。这时候我们要准备一两套预案。</a:t>
-            </a:r>
+              <a:t>写成博客发表</a:t>
+            </a:r>
+            <a:endParaRPr lang="en-US" dirty="0"/>
           </a:p>
         </p:txBody>
       </p:sp>
     </p:spTree>
     <p:extLst>
       <p:ext uri="{BB962C8B-B14F-4D97-AF65-F5344CB8AC3E}">
-        <p14:creationId xmlns:p14="http://schemas.microsoft.com/office/powerpoint/2010/main" val="3613035980"/>
+        <p14:creationId xmlns:p14="http://schemas.microsoft.com/office/powerpoint/2010/main" val="3870595207"/>
       </p:ext>
     </p:extLst>
   </p:cSld>
@@ -26203,7 +26283,7 @@
       </p:grpSpPr>
       <p:sp>
         <p:nvSpPr>
-          <p:cNvPr id="2" name="标题 1"/>
+          <p:cNvPr id="2" name="Title 1"/>
           <p:cNvSpPr>
             <a:spLocks noGrp="1"/>
           </p:cNvSpPr>
@@ -26218,70 +26298,131 @@
           <a:p>
             <a:r>
               <a:rPr lang="zh-CN" altLang="en-US" dirty="0"/>
-              <a:t>练习：风险的作业</a:t>
+              <a:t>风险举例</a:t>
+            </a:r>
+            <a:r>
+              <a:rPr lang="en-US" dirty="0"/>
+              <a:t> (1)</a:t>
+            </a:r>
+          </a:p>
+        </p:txBody>
+      </p:sp>
+      <p:sp>
+        <p:nvSpPr>
+          <p:cNvPr id="3" name="Content Placeholder 2"/>
+          <p:cNvSpPr>
+            <a:spLocks noGrp="1"/>
+          </p:cNvSpPr>
+          <p:nvPr>
+            <p:ph idx="1"/>
+          </p:nvPr>
+        </p:nvSpPr>
+        <p:spPr/>
+        <p:txBody>
+          <a:bodyPr>
+            <a:normAutofit/>
+          </a:bodyPr>
+          <a:lstStyle/>
+          <a:p>
+            <a:r>
+              <a:rPr lang="en-US" b="1" dirty="0"/>
+              <a:t>Risk 1: </a:t>
+            </a:r>
+            <a:r>
+              <a:rPr lang="zh-CN" altLang="en-US" b="1" dirty="0"/>
+              <a:t>任务比我们想象的要困难许多，原来制定的日程太乐观</a:t>
+            </a:r>
+            <a:endParaRPr lang="en-US" b="1" dirty="0"/>
+          </a:p>
+          <a:p>
+            <a:r>
+              <a:rPr lang="en-US" b="1" dirty="0"/>
+              <a:t>Explanation:</a:t>
+            </a:r>
+            <a:r>
+              <a:rPr lang="en-US" dirty="0"/>
+              <a:t> </a:t>
+            </a:r>
+            <a:r>
+              <a:rPr lang="zh-CN" altLang="en-US" dirty="0"/>
+              <a:t>软件固有的特性，人员缺乏估算能力和经验，项目日程没有充分讨论</a:t>
+            </a:r>
+            <a:r>
+              <a:rPr lang="en-US" dirty="0"/>
+              <a:t>.</a:t>
+            </a:r>
+          </a:p>
+          <a:p>
+            <a:r>
+              <a:rPr lang="zh-CN" altLang="en-US" b="1" dirty="0"/>
+              <a:t>补救办法</a:t>
+            </a:r>
+            <a:r>
+              <a:rPr lang="en-US" b="1" dirty="0"/>
+              <a:t>:</a:t>
+            </a:r>
+            <a:r>
+              <a:rPr lang="en-US" dirty="0"/>
+              <a:t> </a:t>
+            </a:r>
+          </a:p>
+          <a:p>
+            <a:pPr lvl="1"/>
+            <a:r>
+              <a:rPr lang="zh-CN" altLang="en-US" dirty="0"/>
+              <a:t>让团队多做估算练习 （</a:t>
+            </a:r>
+            <a:r>
+              <a:rPr lang="en-US" altLang="zh-CN" dirty="0"/>
+              <a:t>wide-band </a:t>
+            </a:r>
+            <a:r>
+              <a:rPr lang="en-US" altLang="zh-CN" dirty="0" err="1"/>
+              <a:t>delphi</a:t>
+            </a:r>
+            <a:r>
+              <a:rPr lang="en-US" altLang="zh-CN" dirty="0"/>
+              <a:t> </a:t>
+            </a:r>
+            <a:r>
+              <a:rPr lang="zh-CN" altLang="en-US" dirty="0"/>
+              <a:t>等练习），老员工给新员工传授经验；分析类似项目的日程；</a:t>
+            </a:r>
+            <a:endParaRPr lang="en-US" altLang="zh-CN" dirty="0"/>
+          </a:p>
+          <a:p>
+            <a:pPr lvl="1"/>
+            <a:r>
+              <a:rPr lang="zh-CN" altLang="en-US" dirty="0"/>
+              <a:t>让团队充分参与项目估算流程</a:t>
+            </a:r>
+            <a:r>
+              <a:rPr lang="en-US" dirty="0"/>
+              <a:t>. </a:t>
+            </a:r>
+          </a:p>
+          <a:p>
+            <a:pPr lvl="1"/>
+            <a:r>
+              <a:rPr lang="zh-CN" altLang="en-US" dirty="0"/>
+              <a:t>尽早和项目的利益相关者沟通，尽早提出项目延期的问题</a:t>
+            </a:r>
+            <a:r>
+              <a:rPr lang="en-US" dirty="0"/>
+              <a:t>.</a:t>
+            </a:r>
+          </a:p>
+          <a:p>
+            <a:pPr lvl="1"/>
+            <a:r>
+              <a:rPr lang="zh-CN" altLang="en-US" dirty="0"/>
+              <a:t>把长期项目规划为短期里程碑，能很快看到项目延期的问题。 </a:t>
             </a:r>
             <a:endParaRPr lang="en-US" dirty="0"/>
           </a:p>
         </p:txBody>
       </p:sp>
-      <p:sp>
-        <p:nvSpPr>
-          <p:cNvPr id="3" name="内容占位符 2"/>
-          <p:cNvSpPr>
-            <a:spLocks noGrp="1"/>
-          </p:cNvSpPr>
-          <p:nvPr>
-            <p:ph idx="1"/>
-          </p:nvPr>
-        </p:nvSpPr>
-        <p:spPr/>
-        <p:txBody>
-          <a:bodyPr/>
-          <a:lstStyle/>
-          <a:p>
-            <a:r>
-              <a:rPr lang="zh-CN" altLang="en-US" dirty="0"/>
-              <a:t>每个团队列出自己项目中的风险</a:t>
-            </a:r>
-            <a:endParaRPr lang="en-US" altLang="zh-CN" dirty="0"/>
-          </a:p>
-          <a:p>
-            <a:pPr lvl="1"/>
-            <a:r>
-              <a:rPr lang="zh-CN" altLang="en-US" dirty="0"/>
-              <a:t>团队中有人原来许诺要努力工作，但是后来做了南郭先生，这是一个</a:t>
-            </a:r>
-            <a:r>
-              <a:rPr lang="zh-CN" altLang="en-US" b="1" dirty="0"/>
-              <a:t>风险</a:t>
-            </a:r>
-            <a:endParaRPr lang="en-US" altLang="zh-CN" b="1" dirty="0"/>
-          </a:p>
-          <a:p>
-            <a:r>
-              <a:rPr lang="zh-CN" altLang="en-US" dirty="0"/>
-              <a:t>并列出应对方法</a:t>
-            </a:r>
-            <a:endParaRPr lang="en-US" altLang="zh-CN" dirty="0"/>
-          </a:p>
-          <a:p>
-            <a:endParaRPr lang="en-US" dirty="0"/>
-          </a:p>
-          <a:p>
-            <a:r>
-              <a:rPr lang="zh-CN" altLang="en-US" dirty="0"/>
-              <a:t>写成博客发表</a:t>
-            </a:r>
-            <a:endParaRPr lang="en-US" dirty="0"/>
-          </a:p>
-        </p:txBody>
-      </p:sp>
     </p:spTree>
-    <p:extLst>
-      <p:ext uri="{BB962C8B-B14F-4D97-AF65-F5344CB8AC3E}">
-        <p14:creationId xmlns:p14="http://schemas.microsoft.com/office/powerpoint/2010/main" val="3870595207"/>
-      </p:ext>
-    </p:extLst>
   </p:cSld>
   <p:clrMapOvr>
     <a:masterClrMapping/>
@@ -26327,7 +26468,7 @@
             </a:r>
             <a:r>
               <a:rPr lang="en-US" dirty="0"/>
-              <a:t> (1)</a:t>
+              <a:t> (2)</a:t>
             </a:r>
           </a:p>
         </p:txBody>
@@ -26351,11 +26492,11 @@
           <a:p>
             <a:r>
               <a:rPr lang="en-US" b="1" dirty="0"/>
-              <a:t>Risk 1: </a:t>
+              <a:t>Risk: </a:t>
             </a:r>
             <a:r>
               <a:rPr lang="zh-CN" altLang="en-US" b="1" dirty="0"/>
-              <a:t>任务比我们想象的要困难许多，原来制定的日程太乐观</a:t>
+              <a:t>需求爆炸，我们要做越来愈多的功能</a:t>
             </a:r>
             <a:endParaRPr lang="en-US" b="1" dirty="0"/>
           </a:p>
@@ -26370,7 +26511,7 @@
             </a:r>
             <a:r>
               <a:rPr lang="zh-CN" altLang="en-US" dirty="0"/>
-              <a:t>软件固有的特性，人员缺乏估算能力和经验，项目日程没有充分讨论</a:t>
+              <a:t>随着项目的进展，我们发现在项目初期没有发现的问题必须要解决，从而影响了原定的日程</a:t>
             </a:r>
             <a:r>
               <a:rPr lang="en-US" dirty="0"/>
@@ -26379,12 +26520,8 @@
           </a:p>
           <a:p>
             <a:r>
-              <a:rPr lang="zh-CN" altLang="en-US" b="1" dirty="0"/>
-              <a:t>补救办法</a:t>
-            </a:r>
-            <a:r>
               <a:rPr lang="en-US" b="1" dirty="0"/>
-              <a:t>:</a:t>
+              <a:t>Solution:</a:t>
             </a:r>
             <a:r>
               <a:rPr lang="en-US" dirty="0"/>
@@ -26395,31 +26532,39 @@
             <a:pPr lvl="1"/>
             <a:r>
               <a:rPr lang="zh-CN" altLang="en-US" dirty="0"/>
-              <a:t>让团队多做估算练习 （</a:t>
+              <a:t>承认这是软件项目经常出现的事实</a:t>
+            </a:r>
+            <a:endParaRPr lang="en-US" altLang="zh-CN" dirty="0"/>
+          </a:p>
+          <a:p>
+            <a:pPr lvl="1"/>
+            <a:r>
+              <a:rPr lang="zh-CN" altLang="en-US" dirty="0"/>
+              <a:t>确保意外出现的需求不影响当前的里程碑</a:t>
+            </a:r>
+            <a:endParaRPr lang="en-US" altLang="zh-CN" dirty="0"/>
+          </a:p>
+          <a:p>
+            <a:pPr lvl="1"/>
+            <a:r>
+              <a:rPr lang="zh-CN" altLang="en-US" dirty="0"/>
+              <a:t>制定长度合适的里程碑，确保问题能尽快浮现</a:t>
+            </a:r>
+            <a:endParaRPr lang="en-US" altLang="zh-CN" dirty="0"/>
+          </a:p>
+          <a:p>
+            <a:pPr lvl="1"/>
+            <a:r>
+              <a:rPr lang="zh-CN" altLang="en-US" dirty="0"/>
+              <a:t>经常和客户</a:t>
             </a:r>
             <a:r>
               <a:rPr lang="en-US" altLang="zh-CN" dirty="0"/>
-              <a:t>wide-band </a:t>
-            </a:r>
-            <a:r>
-              <a:rPr lang="en-US" altLang="zh-CN" dirty="0" err="1"/>
-              <a:t>delphi</a:t>
-            </a:r>
-            <a:r>
-              <a:rPr lang="en-US" altLang="zh-CN" dirty="0"/>
-              <a:t> </a:t>
+              <a:t>+</a:t>
             </a:r>
             <a:r>
               <a:rPr lang="zh-CN" altLang="en-US" dirty="0"/>
-              <a:t>等练习），老员工给新员工传授经验；分析类似项目的日程；</a:t>
-            </a:r>
-            <a:endParaRPr lang="en-US" altLang="zh-CN" dirty="0"/>
-          </a:p>
-          <a:p>
-            <a:pPr lvl="1"/>
-            <a:r>
-              <a:rPr lang="zh-CN" altLang="en-US" dirty="0"/>
-              <a:t>让团队充分参与项目估算流程</a:t>
+              <a:t>开发人员交流，确认项目的需求</a:t>
             </a:r>
             <a:r>
               <a:rPr lang="en-US" dirty="0"/>
@@ -26427,22 +26572,6 @@
             </a:r>
           </a:p>
           <a:p>
-            <a:pPr lvl="1"/>
-            <a:r>
-              <a:rPr lang="zh-CN" altLang="en-US" dirty="0"/>
-              <a:t>尽早和项目的利益相关者沟通，尽早提出项目延期的问题</a:t>
-            </a:r>
-            <a:r>
-              <a:rPr lang="en-US" dirty="0"/>
-              <a:t>.</a:t>
-            </a:r>
-          </a:p>
-          <a:p>
-            <a:pPr lvl="1"/>
-            <a:r>
-              <a:rPr lang="zh-CN" altLang="en-US" dirty="0"/>
-              <a:t>把长期项目规划为短期里程碑，能很快看到项目延期的问题。 </a:t>
-            </a:r>
             <a:endParaRPr lang="en-US" dirty="0"/>
           </a:p>
         </p:txBody>
@@ -26493,7 +26622,7 @@
             </a:r>
             <a:r>
               <a:rPr lang="en-US" dirty="0"/>
-              <a:t> (2)</a:t>
+              <a:t> (3)</a:t>
             </a:r>
           </a:p>
         </p:txBody>
@@ -26521,9 +26650,20 @@
             </a:r>
             <a:r>
               <a:rPr lang="zh-CN" altLang="en-US" b="1" dirty="0"/>
-              <a:t>需求爆炸，我们要做越来愈多的功能</a:t>
-            </a:r>
-            <a:endParaRPr lang="en-US" b="1" dirty="0"/>
+              <a:t>人员流失</a:t>
+            </a:r>
+            <a:r>
+              <a:rPr lang="en-US" b="1" dirty="0"/>
+              <a:t> (</a:t>
+            </a:r>
+            <a:r>
+              <a:rPr lang="zh-CN" altLang="en-US" b="1" dirty="0"/>
+              <a:t>或请假</a:t>
+            </a:r>
+            <a:r>
+              <a:rPr lang="en-US" b="1" dirty="0"/>
+              <a:t>)</a:t>
+            </a:r>
           </a:p>
           <a:p>
             <a:r>
@@ -26536,7 +26676,7 @@
             </a:r>
             <a:r>
               <a:rPr lang="zh-CN" altLang="en-US" dirty="0"/>
-              <a:t>随着项目的进展，我们发现在项目初期没有发现的问题必须要解决，从而影响了原定的日程</a:t>
+              <a:t>关键人物离开团队，项目的关键信息丢失，人力资源减少，导致项目困难</a:t>
             </a:r>
             <a:r>
               <a:rPr lang="en-US" dirty="0"/>
@@ -26545,8 +26685,12 @@
           </a:p>
           <a:p>
             <a:r>
+              <a:rPr lang="en-US" altLang="zh-CN" b="1" dirty="0"/>
+              <a:t>Solution</a:t>
+            </a:r>
+            <a:r>
               <a:rPr lang="en-US" b="1" dirty="0"/>
-              <a:t>Solution:</a:t>
+              <a:t>:</a:t>
             </a:r>
             <a:r>
               <a:rPr lang="en-US" dirty="0"/>
@@ -26557,7 +26701,7 @@
             <a:pPr lvl="1"/>
             <a:r>
               <a:rPr lang="zh-CN" altLang="en-US" dirty="0"/>
-              <a:t>承认这是软件项目经常出现的事实</a:t>
+              <a:t>在团队持续鼓励合作和分享，所有代码必须在源代码服务器上，源代码的每一次修改都有记录，所有任务必须在项目管理工具中</a:t>
             </a:r>
             <a:endParaRPr lang="en-US" altLang="zh-CN" dirty="0"/>
           </a:p>
@@ -26565,36 +26709,31 @@
             <a:pPr lvl="1"/>
             <a:r>
               <a:rPr lang="zh-CN" altLang="en-US" dirty="0"/>
-              <a:t>确保意外出现的需求不影响当前的里程碑</a:t>
-            </a:r>
-            <a:endParaRPr lang="en-US" altLang="zh-CN" dirty="0"/>
+              <a:t>鼓励结对编程，代码复审，共同拥有代码，经常报告各种进展和问题。 </a:t>
+            </a:r>
+            <a:r>
+              <a:rPr lang="en-US" dirty="0"/>
+              <a:t> </a:t>
+            </a:r>
           </a:p>
           <a:p>
             <a:pPr lvl="1"/>
             <a:r>
               <a:rPr lang="zh-CN" altLang="en-US" dirty="0"/>
-              <a:t>制定长度合适的里程碑，确保问题能尽快浮现</a:t>
-            </a:r>
-            <a:endParaRPr lang="en-US" altLang="zh-CN" dirty="0"/>
-          </a:p>
-          <a:p>
-            <a:pPr lvl="1"/>
-            <a:r>
-              <a:rPr lang="zh-CN" altLang="en-US" dirty="0"/>
-              <a:t>经常和客户</a:t>
-            </a:r>
-            <a:r>
-              <a:rPr lang="en-US" altLang="zh-CN" dirty="0"/>
-              <a:t>+</a:t>
-            </a:r>
-            <a:r>
-              <a:rPr lang="zh-CN" altLang="en-US" dirty="0"/>
-              <a:t>开发人员交流，确认项目的需求</a:t>
+              <a:t>让多人参与关键模块的工作</a:t>
             </a:r>
             <a:r>
               <a:rPr lang="en-US" dirty="0"/>
               <a:t>. </a:t>
             </a:r>
+          </a:p>
+          <a:p>
+            <a:pPr lvl="1"/>
+            <a:r>
+              <a:rPr lang="zh-CN" altLang="en-US" dirty="0"/>
+              <a:t>短期的里程碑保证某功能在较短时间得到改进，不让功能处于 “半完成” 状态</a:t>
+            </a:r>
+            <a:endParaRPr lang="en-US" dirty="0"/>
           </a:p>
           <a:p>
             <a:endParaRPr lang="en-US" dirty="0"/>
@@ -26643,11 +26782,11 @@
           <a:p>
             <a:r>
               <a:rPr lang="zh-CN" altLang="en-US" dirty="0"/>
-              <a:t>风险举例</a:t>
+              <a:t>风险示例</a:t>
             </a:r>
             <a:r>
               <a:rPr lang="en-US" dirty="0"/>
-              <a:t> (3)</a:t>
+              <a:t> (4)</a:t>
             </a:r>
           </a:p>
         </p:txBody>
@@ -26675,20 +26814,13 @@
             </a:r>
             <a:r>
               <a:rPr lang="zh-CN" altLang="en-US" b="1" dirty="0"/>
-              <a:t>人员流失</a:t>
-            </a:r>
-            <a:r>
-              <a:rPr lang="en-US" b="1" dirty="0"/>
-              <a:t> (</a:t>
-            </a:r>
-            <a:r>
-              <a:rPr lang="zh-CN" altLang="en-US" b="1" dirty="0"/>
-              <a:t>或请假</a:t>
-            </a:r>
-            <a:r>
-              <a:rPr lang="en-US" b="1" dirty="0"/>
-              <a:t>)</a:t>
-            </a:r>
+              <a:t>低质量的规格说明书 </a:t>
+            </a:r>
+            <a:r>
+              <a:rPr lang="en-US" altLang="zh-CN" b="1" dirty="0"/>
+              <a:t>spec</a:t>
+            </a:r>
+            <a:endParaRPr lang="en-US" b="1" dirty="0"/>
           </a:p>
           <a:p>
             <a:r>
@@ -26701,7 +26833,15 @@
             </a:r>
             <a:r>
               <a:rPr lang="zh-CN" altLang="en-US" dirty="0"/>
-              <a:t>关键人物离开团队，项目的关键信息丢失，人力资源减少，导致项目困难</a:t>
+              <a:t>当开始具体实现和集成的时候，发现</a:t>
+            </a:r>
+            <a:r>
+              <a:rPr lang="en-US" altLang="zh-CN" dirty="0"/>
+              <a:t>spec </a:t>
+            </a:r>
+            <a:r>
+              <a:rPr lang="zh-CN" altLang="en-US" dirty="0"/>
+              <a:t>包含了相互冲突的需求，或者说明不完备</a:t>
             </a:r>
             <a:r>
               <a:rPr lang="en-US" dirty="0"/>
@@ -26726,26 +26866,15 @@
             <a:pPr lvl="1"/>
             <a:r>
               <a:rPr lang="zh-CN" altLang="en-US" dirty="0"/>
-              <a:t>在团队持续鼓励合作和分享，所有代码必须在源代码服务器上，源代码的每一次修改都有记录，所有任务必须在项目管理工具中</a:t>
-            </a:r>
-            <a:endParaRPr lang="en-US" altLang="zh-CN" dirty="0"/>
-          </a:p>
-          <a:p>
-            <a:pPr lvl="1"/>
+              <a:t>让客户或者客户的代表，代理来参加需求分析和</a:t>
+            </a:r>
+            <a:r>
+              <a:rPr lang="en-US" altLang="zh-CN" dirty="0"/>
+              <a:t>spec </a:t>
+            </a:r>
             <a:r>
               <a:rPr lang="zh-CN" altLang="en-US" dirty="0"/>
-              <a:t>鼓励结对编程，代码复审，共同拥有代码，经常报告各种进展和问题。 </a:t>
-            </a:r>
-            <a:r>
-              <a:rPr lang="en-US" dirty="0"/>
-              <a:t> </a:t>
-            </a:r>
-          </a:p>
-          <a:p>
-            <a:pPr lvl="1"/>
-            <a:r>
-              <a:rPr lang="zh-CN" altLang="en-US" dirty="0"/>
-              <a:t>让多人参与关键模块的工作</a:t>
+              <a:t>复审</a:t>
             </a:r>
             <a:r>
               <a:rPr lang="en-US" dirty="0"/>
@@ -26756,7 +26885,26 @@
             <a:pPr lvl="1"/>
             <a:r>
               <a:rPr lang="zh-CN" altLang="en-US" dirty="0"/>
-              <a:t>短期的里程碑保证某功能在较短时间得到改进，不让功能处于 “半完成” 状态</a:t>
+              <a:t>运用场景驱动的方法尽早模拟几个模块集成后能给用户带来什么好处</a:t>
+            </a:r>
+            <a:r>
+              <a:rPr lang="en-US" dirty="0"/>
+              <a:t>. </a:t>
+            </a:r>
+          </a:p>
+          <a:p>
+            <a:pPr lvl="1"/>
+            <a:r>
+              <a:rPr lang="zh-CN" altLang="en-US" dirty="0"/>
+              <a:t>尽早用 </a:t>
+            </a:r>
+            <a:r>
+              <a:rPr lang="en-US" altLang="zh-CN" dirty="0"/>
+              <a:t>design by contract </a:t>
+            </a:r>
+            <a:r>
+              <a:rPr lang="zh-CN" altLang="en-US" dirty="0"/>
+              <a:t>的方法来保证模块之间能相互支持</a:t>
             </a:r>
             <a:endParaRPr lang="en-US" dirty="0"/>
           </a:p>
@@ -26811,7 +26959,7 @@
             </a:r>
             <a:r>
               <a:rPr lang="en-US" dirty="0"/>
-              <a:t> (4)</a:t>
+              <a:t> (5)</a:t>
             </a:r>
           </a:p>
         </p:txBody>
@@ -26839,11 +26987,7 @@
             </a:r>
             <a:r>
               <a:rPr lang="zh-CN" altLang="en-US" b="1" dirty="0"/>
-              <a:t>低质量的规格说明书 </a:t>
-            </a:r>
-            <a:r>
-              <a:rPr lang="en-US" altLang="zh-CN" b="1" dirty="0"/>
-              <a:t>spec</a:t>
+              <a:t>团队效率低下</a:t>
             </a:r>
             <a:endParaRPr lang="en-US" b="1" dirty="0"/>
           </a:p>
@@ -26858,15 +27002,7 @@
             </a:r>
             <a:r>
               <a:rPr lang="zh-CN" altLang="en-US" dirty="0"/>
-              <a:t>当开始具体实现和集成的时候，发现</a:t>
-            </a:r>
-            <a:r>
-              <a:rPr lang="en-US" altLang="zh-CN" dirty="0"/>
-              <a:t>spec </a:t>
-            </a:r>
-            <a:r>
-              <a:rPr lang="zh-CN" altLang="en-US" dirty="0"/>
-              <a:t>包含了相互冲突的需求，或者说明不完备</a:t>
+              <a:t>在长期项目中，团队成员失去了紧迫感，缺乏真实世界的反馈，大部分时间浪费在不紧急的事情上</a:t>
             </a:r>
             <a:r>
               <a:rPr lang="en-US" dirty="0"/>
@@ -26875,8 +27011,8 @@
           </a:p>
           <a:p>
             <a:r>
-              <a:rPr lang="en-US" altLang="zh-CN" b="1" dirty="0"/>
-              <a:t>Solution</a:t>
+              <a:rPr lang="zh-CN" altLang="en-US" b="1" dirty="0"/>
+              <a:t>解决方案</a:t>
             </a:r>
             <a:r>
               <a:rPr lang="en-US" b="1" dirty="0"/>
@@ -26891,15 +27027,23 @@
             <a:pPr lvl="1"/>
             <a:r>
               <a:rPr lang="zh-CN" altLang="en-US" dirty="0"/>
-              <a:t>让客户或者客户的代表，代理来参加需求分析和</a:t>
+              <a:t>短期的里程碑和冲刺阶段 </a:t>
             </a:r>
             <a:r>
               <a:rPr lang="en-US" altLang="zh-CN" dirty="0"/>
-              <a:t>spec </a:t>
+              <a:t>– </a:t>
             </a:r>
             <a:r>
               <a:rPr lang="zh-CN" altLang="en-US" dirty="0"/>
-              <a:t>复审</a:t>
+              <a:t>人们 （学生）通常等到</a:t>
+            </a:r>
+            <a:r>
+              <a:rPr lang="en-US" altLang="zh-CN" dirty="0"/>
+              <a:t>deadline </a:t>
+            </a:r>
+            <a:r>
+              <a:rPr lang="zh-CN" altLang="en-US" dirty="0"/>
+              <a:t>临近的时候才开始行动</a:t>
             </a:r>
             <a:r>
               <a:rPr lang="en-US" dirty="0"/>
@@ -26909,31 +27053,33 @@
           <a:p>
             <a:pPr lvl="1"/>
             <a:r>
+              <a:rPr lang="en-US" b="1" dirty="0"/>
+              <a:t>Parkinson‘s Law</a:t>
+            </a:r>
+            <a:r>
+              <a:rPr lang="en-US" dirty="0"/>
+              <a:t>: “Work expands to fill the time available</a:t>
+            </a:r>
+            <a:r>
               <a:rPr lang="zh-CN" altLang="en-US" dirty="0"/>
-              <a:t>运用场景驱动的方法尽早模拟几个模块集成后能给用户带来什么好处</a:t>
-            </a:r>
-            <a:r>
-              <a:rPr lang="en-US" dirty="0"/>
-              <a:t>. </a:t>
-            </a:r>
+              <a:t>”</a:t>
+            </a:r>
+            <a:endParaRPr lang="en-US" dirty="0"/>
           </a:p>
           <a:p>
             <a:pPr lvl="1"/>
             <a:r>
               <a:rPr lang="zh-CN" altLang="en-US" dirty="0"/>
-              <a:t>尽早用 </a:t>
+              <a:t>不断发布</a:t>
             </a:r>
             <a:r>
               <a:rPr lang="en-US" altLang="zh-CN" dirty="0"/>
-              <a:t>design by contract </a:t>
+              <a:t>/</a:t>
             </a:r>
             <a:r>
               <a:rPr lang="zh-CN" altLang="en-US" dirty="0"/>
-              <a:t>的方法来保证模块之间能相互支持</a:t>
-            </a:r>
-            <a:endParaRPr lang="en-US" dirty="0"/>
-          </a:p>
-          <a:p>
+              <a:t>收集反馈，让团队感受真实的需求</a:t>
+            </a:r>
             <a:endParaRPr lang="en-US" dirty="0"/>
           </a:p>
         </p:txBody>
@@ -26965,7 +27111,7 @@
       </p:grpSpPr>
       <p:sp>
         <p:nvSpPr>
-          <p:cNvPr id="2" name="Title 1"/>
+          <p:cNvPr id="2" name="标题 1"/>
           <p:cNvSpPr>
             <a:spLocks noGrp="1"/>
           </p:cNvSpPr>
@@ -26980,18 +27126,15 @@
           <a:p>
             <a:r>
               <a:rPr lang="zh-CN" altLang="en-US" dirty="0"/>
-              <a:t>风险示例</a:t>
-            </a:r>
-            <a:r>
-              <a:rPr lang="en-US" dirty="0"/>
-              <a:t> (5)</a:t>
-            </a:r>
-          </a:p>
-        </p:txBody>
-      </p:sp>
-      <p:sp>
-        <p:nvSpPr>
-          <p:cNvPr id="3" name="Content Placeholder 2"/>
+              <a:t>应对风险</a:t>
+            </a:r>
+            <a:endParaRPr lang="en-US" dirty="0"/>
+          </a:p>
+        </p:txBody>
+      </p:sp>
+      <p:sp>
+        <p:nvSpPr>
+          <p:cNvPr id="3" name="内容占位符 2"/>
           <p:cNvSpPr>
             <a:spLocks noGrp="1"/>
           </p:cNvSpPr>
@@ -27002,114 +27145,130 @@
         <p:spPr/>
         <p:txBody>
           <a:bodyPr>
-            <a:normAutofit/>
+            <a:normAutofit fontScale="62500" lnSpcReduction="20000"/>
           </a:bodyPr>
           <a:lstStyle/>
           <a:p>
-            <a:r>
-              <a:rPr lang="en-US" b="1" dirty="0"/>
-              <a:t>Risk: </a:t>
-            </a:r>
+            <a:pPr>
+              <a:lnSpc>
+                <a:spcPct val="120000"/>
+              </a:lnSpc>
+            </a:pPr>
             <a:r>
               <a:rPr lang="zh-CN" altLang="en-US" b="1" dirty="0"/>
-              <a:t>团队效率低下</a:t>
-            </a:r>
-            <a:endParaRPr lang="en-US" b="1" dirty="0"/>
-          </a:p>
-          <a:p>
-            <a:r>
-              <a:rPr lang="en-US" b="1" dirty="0"/>
-              <a:t>Explanation:</a:t>
-            </a:r>
-            <a:r>
-              <a:rPr lang="en-US" dirty="0"/>
-              <a:t> </a:t>
+              <a:t>进一步研究：</a:t>
             </a:r>
             <a:r>
               <a:rPr lang="zh-CN" altLang="en-US" dirty="0"/>
-              <a:t>在长期项目中，团队成员失去了紧迫感，缺乏真实世界的反馈，大部分时间浪费在不紧急的事情上</a:t>
-            </a:r>
-            <a:r>
-              <a:rPr lang="en-US" dirty="0"/>
-              <a:t>.</a:t>
-            </a:r>
-          </a:p>
-          <a:p>
+              <a:t>例如，“听说新的</a:t>
+            </a:r>
+            <a:r>
+              <a:rPr lang="en-US" altLang="zh-CN" dirty="0"/>
+              <a:t>HTML5</a:t>
+            </a:r>
+            <a:r>
+              <a:rPr lang="zh-CN" altLang="en-US" dirty="0"/>
+              <a:t>标准快要出来了，可能会极大地改进用户体验， 我们目前用的原生代码很快会被淘汰！”，最好的回应就是做扎实的技术研究。</a:t>
+            </a:r>
+            <a:endParaRPr lang="en-US" altLang="zh-CN" dirty="0"/>
+          </a:p>
+          <a:p>
+            <a:pPr>
+              <a:lnSpc>
+                <a:spcPct val="120000"/>
+              </a:lnSpc>
+            </a:pPr>
             <a:r>
               <a:rPr lang="zh-CN" altLang="en-US" b="1" dirty="0"/>
-              <a:t>解决方案</a:t>
-            </a:r>
-            <a:r>
-              <a:rPr lang="en-US" b="1" dirty="0"/>
-              <a:t>:</a:t>
-            </a:r>
-            <a:r>
-              <a:rPr lang="en-US" dirty="0"/>
-              <a:t> </a:t>
-            </a:r>
-          </a:p>
-          <a:p>
-            <a:pPr lvl="1"/>
+              <a:t>接受：</a:t>
+            </a:r>
             <a:r>
               <a:rPr lang="zh-CN" altLang="en-US" dirty="0"/>
-              <a:t>短期的里程碑和冲刺阶段 </a:t>
+              <a:t>不必为团队完全掌控不了的事情而过多操心。例如，某同学会生病休学，影响到本项目</a:t>
             </a:r>
             <a:r>
               <a:rPr lang="en-US" altLang="zh-CN" dirty="0"/>
-              <a:t>– </a:t>
+              <a:t>…… </a:t>
+            </a:r>
+          </a:p>
+          <a:p>
+            <a:pPr>
+              <a:lnSpc>
+                <a:spcPct val="120000"/>
+              </a:lnSpc>
+            </a:pPr>
+            <a:r>
+              <a:rPr lang="zh-CN" altLang="en-US" b="1" dirty="0"/>
+              <a:t>规避：</a:t>
             </a:r>
             <a:r>
               <a:rPr lang="zh-CN" altLang="en-US" dirty="0"/>
-              <a:t>人们 （学生）通常等到</a:t>
+              <a:t>能否改变项目的范围，躲开这个风险？例如，听说</a:t>
             </a:r>
             <a:r>
               <a:rPr lang="en-US" altLang="zh-CN" dirty="0"/>
-              <a:t>deadline </a:t>
+              <a:t>6 </a:t>
             </a:r>
             <a:r>
               <a:rPr lang="zh-CN" altLang="en-US" dirty="0"/>
-              <a:t>临近的时候才开始行动</a:t>
-            </a:r>
-            <a:r>
-              <a:rPr lang="en-US" dirty="0"/>
-              <a:t>. </a:t>
-            </a:r>
-          </a:p>
-          <a:p>
-            <a:pPr lvl="1"/>
-            <a:r>
-              <a:rPr lang="en-US" b="1" dirty="0"/>
-              <a:t>Parkinson‘s Law</a:t>
-            </a:r>
-            <a:r>
-              <a:rPr lang="en-US" dirty="0"/>
-              <a:t>: “Work expands to fill the time available</a:t>
+              <a:t>个月后，监管机构会严格 控制视频播放软件和机顶盒的资质，我们的项目能否避开这一领域？</a:t>
+            </a:r>
+          </a:p>
+          <a:p>
+            <a:pPr>
+              <a:lnSpc>
+                <a:spcPct val="120000"/>
+              </a:lnSpc>
+            </a:pPr>
+            <a:r>
+              <a:rPr lang="zh-CN" altLang="en-US" b="1" dirty="0"/>
+              <a:t>转移：</a:t>
             </a:r>
             <a:r>
               <a:rPr lang="zh-CN" altLang="en-US" dirty="0"/>
-              <a:t>”</a:t>
-            </a:r>
-            <a:endParaRPr lang="en-US" dirty="0"/>
-          </a:p>
-          <a:p>
-            <a:pPr lvl="1"/>
+              <a:t>能否像击鼓传花那样，把风险交给真正有能力应对风险的团队负责？</a:t>
+            </a:r>
+            <a:endParaRPr lang="en-US" altLang="zh-CN" dirty="0"/>
+          </a:p>
+          <a:p>
+            <a:pPr>
+              <a:lnSpc>
+                <a:spcPct val="120000"/>
+              </a:lnSpc>
+            </a:pPr>
+            <a:r>
+              <a:rPr lang="zh-CN" altLang="en-US" b="1" dirty="0"/>
+              <a:t>降低：</a:t>
+            </a:r>
             <a:r>
               <a:rPr lang="zh-CN" altLang="en-US" dirty="0"/>
-              <a:t>不断发布</a:t>
-            </a:r>
-            <a:r>
-              <a:rPr lang="en-US" altLang="zh-CN" dirty="0"/>
-              <a:t>/</a:t>
+              <a:t>降低某个风险对团队的危害程度。例如，我们知道飞行总是有一定的风险，但 是我们不能因为这种可能性而不出门。有些公司就有明确规定不能让三个或以上的副 总裁搭乘同一个航班。</a:t>
+            </a:r>
+            <a:endParaRPr lang="en-US" altLang="zh-CN" dirty="0"/>
+          </a:p>
+          <a:p>
+            <a:pPr>
+              <a:lnSpc>
+                <a:spcPct val="120000"/>
+              </a:lnSpc>
+            </a:pPr>
+            <a:r>
+              <a:rPr lang="zh-CN" altLang="en-US" b="1" dirty="0"/>
+              <a:t>制定应急计划：</a:t>
             </a:r>
             <a:r>
               <a:rPr lang="zh-CN" altLang="en-US" dirty="0"/>
-              <a:t>收集反馈，让团队感受真实的需求</a:t>
-            </a:r>
-            <a:endParaRPr lang="en-US" dirty="0"/>
+              <a:t>下半年的预算很可能会缩减，我们不能支持所有的开发和测试人员， 但是团队的目标不会有大的变化。这时候我们要准备一两套预案。</a:t>
+            </a:r>
           </a:p>
         </p:txBody>
       </p:sp>
     </p:spTree>
+    <p:extLst>
+      <p:ext uri="{BB962C8B-B14F-4D97-AF65-F5344CB8AC3E}">
+        <p14:creationId xmlns:p14="http://schemas.microsoft.com/office/powerpoint/2010/main" val="4139357929"/>
+      </p:ext>
+    </p:extLst>
   </p:cSld>
   <p:clrMapOvr>
     <a:masterClrMapping/>
@@ -27150,47 +27309,111 @@
           <a:lstStyle/>
           <a:p>
             <a:r>
+              <a:rPr lang="zh-CN" altLang="en-US" dirty="0"/>
+              <a:t>练习：风险的作业</a:t>
+            </a:r>
+            <a:endParaRPr lang="en-US" dirty="0"/>
+          </a:p>
+        </p:txBody>
+      </p:sp>
+      <p:sp>
+        <p:nvSpPr>
+          <p:cNvPr id="3" name="内容占位符 2"/>
+          <p:cNvSpPr>
+            <a:spLocks noGrp="1"/>
+          </p:cNvSpPr>
+          <p:nvPr>
+            <p:ph idx="1"/>
+          </p:nvPr>
+        </p:nvSpPr>
+        <p:spPr/>
+        <p:txBody>
+          <a:bodyPr>
+            <a:normAutofit fontScale="92500"/>
+          </a:bodyPr>
+          <a:lstStyle/>
+          <a:p>
+            <a:r>
+              <a:rPr lang="zh-CN" altLang="en-US" dirty="0"/>
+              <a:t>如果你的项目发布后失败，主要的原因会是什么？（</a:t>
+            </a:r>
+            <a:r>
+              <a:rPr lang="en-US" altLang="zh-CN"/>
+              <a:t>pre-postmortem)</a:t>
+            </a:r>
+            <a:endParaRPr lang="en-US" altLang="zh-CN" dirty="0"/>
+          </a:p>
+          <a:p>
+            <a:r>
+              <a:rPr lang="zh-CN" altLang="en-US" dirty="0"/>
+              <a:t>每个团队列出自己项目中的风险</a:t>
+            </a:r>
+            <a:endParaRPr lang="en-US" altLang="zh-CN" dirty="0"/>
+          </a:p>
+          <a:p>
+            <a:pPr lvl="1"/>
+            <a:r>
+              <a:rPr lang="zh-CN" altLang="en-US" dirty="0"/>
+              <a:t>按严重性排序</a:t>
+            </a:r>
+            <a:endParaRPr lang="en-US" altLang="zh-CN" dirty="0"/>
+          </a:p>
+          <a:p>
+            <a:pPr lvl="1"/>
+            <a:r>
+              <a:rPr lang="zh-CN" altLang="en-US" dirty="0"/>
+              <a:t>团队中有人原来许诺要努力工作，但是后来做了南郭先生，这是一个</a:t>
+            </a:r>
+            <a:r>
+              <a:rPr lang="zh-CN" altLang="en-US" b="1" dirty="0"/>
+              <a:t>风险</a:t>
+            </a:r>
+            <a:endParaRPr lang="en-US" altLang="zh-CN" b="1" dirty="0"/>
+          </a:p>
+          <a:p>
+            <a:pPr lvl="1"/>
+            <a:r>
+              <a:rPr lang="zh-CN" altLang="en-US" dirty="0"/>
+              <a:t>并列出应对方法</a:t>
+            </a:r>
+            <a:endParaRPr lang="en-US" altLang="zh-CN" dirty="0"/>
+          </a:p>
+          <a:p>
+            <a:r>
+              <a:rPr lang="zh-CN" altLang="en-US" dirty="0"/>
+              <a:t>你们小组出现这个情况怎么办：</a:t>
+            </a:r>
+            <a:endParaRPr lang="en-US" altLang="zh-CN" dirty="0"/>
+          </a:p>
+          <a:p>
+            <a:pPr lvl="1"/>
+            <a:r>
+              <a:rPr lang="en-US" altLang="zh-CN" dirty="0">
+                <a:hlinkClick r:id="rId2"/>
+              </a:rPr>
+              <a:t>http://www.cnblogs.com/mxdmxdmxd78/p/5550916.html</a:t>
+            </a:r>
+            <a:r>
               <a:rPr lang="en-US" altLang="zh-CN" dirty="0"/>
-              <a:t>PM </a:t>
-            </a:r>
+              <a:t>  </a:t>
+            </a:r>
+          </a:p>
+          <a:p>
+            <a:endParaRPr lang="en-US" dirty="0"/>
+          </a:p>
+          <a:p>
             <a:r>
               <a:rPr lang="zh-CN" altLang="en-US" dirty="0"/>
-              <a:t>和风险管理</a:t>
+              <a:t>写成博客发表</a:t>
             </a:r>
             <a:endParaRPr lang="en-US" dirty="0"/>
           </a:p>
         </p:txBody>
       </p:sp>
-      <p:pic>
-        <p:nvPicPr>
-          <p:cNvPr id="4" name="内容占位符 3"/>
-          <p:cNvPicPr>
-            <a:picLocks noGrp="1" noChangeAspect="1"/>
-          </p:cNvPicPr>
-          <p:nvPr>
-            <p:ph idx="1"/>
-          </p:nvPr>
-        </p:nvPicPr>
-        <p:blipFill>
-          <a:blip r:embed="rId2"/>
-          <a:stretch>
-            <a:fillRect/>
-          </a:stretch>
-        </p:blipFill>
-        <p:spPr>
-          <a:xfrm>
-            <a:off x="1985128" y="1600200"/>
-            <a:ext cx="8229600" cy="2235600"/>
-          </a:xfrm>
-          <a:prstGeom prst="rect">
-            <a:avLst/>
-          </a:prstGeom>
-        </p:spPr>
-      </p:pic>
     </p:spTree>
     <p:extLst>
       <p:ext uri="{BB962C8B-B14F-4D97-AF65-F5344CB8AC3E}">
-        <p14:creationId xmlns:p14="http://schemas.microsoft.com/office/powerpoint/2010/main" val="212970708"/>
+        <p14:creationId xmlns:p14="http://schemas.microsoft.com/office/powerpoint/2010/main" val="3101830749"/>
       </p:ext>
     </p:extLst>
   </p:cSld>
@@ -27219,326 +27442,6 @@
       </p:grpSpPr>
       <p:sp>
         <p:nvSpPr>
-          <p:cNvPr id="2" name="标题 1"/>
-          <p:cNvSpPr>
-            <a:spLocks noGrp="1"/>
-          </p:cNvSpPr>
-          <p:nvPr>
-            <p:ph type="title"/>
-          </p:nvPr>
-        </p:nvSpPr>
-        <p:spPr/>
-        <p:txBody>
-          <a:bodyPr/>
-          <a:lstStyle/>
-          <a:p>
-            <a:r>
-              <a:rPr lang="zh-CN" altLang="en-US" dirty="0"/>
-              <a:t>应对风险</a:t>
-            </a:r>
-            <a:endParaRPr lang="en-US" dirty="0"/>
-          </a:p>
-        </p:txBody>
-      </p:sp>
-      <p:sp>
-        <p:nvSpPr>
-          <p:cNvPr id="3" name="内容占位符 2"/>
-          <p:cNvSpPr>
-            <a:spLocks noGrp="1"/>
-          </p:cNvSpPr>
-          <p:nvPr>
-            <p:ph idx="1"/>
-          </p:nvPr>
-        </p:nvSpPr>
-        <p:spPr/>
-        <p:txBody>
-          <a:bodyPr>
-            <a:normAutofit fontScale="62500" lnSpcReduction="20000"/>
-          </a:bodyPr>
-          <a:lstStyle/>
-          <a:p>
-            <a:pPr>
-              <a:lnSpc>
-                <a:spcPct val="120000"/>
-              </a:lnSpc>
-            </a:pPr>
-            <a:r>
-              <a:rPr lang="zh-CN" altLang="en-US" b="1" dirty="0"/>
-              <a:t>进一步研究：</a:t>
-            </a:r>
-            <a:r>
-              <a:rPr lang="zh-CN" altLang="en-US" dirty="0"/>
-              <a:t>例如，“听说新的</a:t>
-            </a:r>
-            <a:r>
-              <a:rPr lang="en-US" altLang="zh-CN" dirty="0"/>
-              <a:t>HTML5</a:t>
-            </a:r>
-            <a:r>
-              <a:rPr lang="zh-CN" altLang="en-US" dirty="0"/>
-              <a:t>标准快要出来了，可能会极大地改进用户体验， 我们目前用的原生代码很快会被淘汰！”，最好的回应就是做扎实的技术研究。</a:t>
-            </a:r>
-            <a:endParaRPr lang="en-US" altLang="zh-CN" dirty="0"/>
-          </a:p>
-          <a:p>
-            <a:pPr>
-              <a:lnSpc>
-                <a:spcPct val="120000"/>
-              </a:lnSpc>
-            </a:pPr>
-            <a:r>
-              <a:rPr lang="zh-CN" altLang="en-US" b="1" dirty="0"/>
-              <a:t>接受：</a:t>
-            </a:r>
-            <a:r>
-              <a:rPr lang="zh-CN" altLang="en-US" dirty="0"/>
-              <a:t>不必为团队完全掌控不了的事情而过多操心。例如，某同学会生病休学，影响到本项目</a:t>
-            </a:r>
-            <a:r>
-              <a:rPr lang="en-US" altLang="zh-CN" dirty="0"/>
-              <a:t>…… </a:t>
-            </a:r>
-          </a:p>
-          <a:p>
-            <a:pPr>
-              <a:lnSpc>
-                <a:spcPct val="120000"/>
-              </a:lnSpc>
-            </a:pPr>
-            <a:r>
-              <a:rPr lang="zh-CN" altLang="en-US" b="1" dirty="0"/>
-              <a:t>规避：</a:t>
-            </a:r>
-            <a:r>
-              <a:rPr lang="zh-CN" altLang="en-US" dirty="0"/>
-              <a:t>能否改变项目的范围，躲开这个风险？例如，听说</a:t>
-            </a:r>
-            <a:r>
-              <a:rPr lang="en-US" altLang="zh-CN" dirty="0"/>
-              <a:t>6 </a:t>
-            </a:r>
-            <a:r>
-              <a:rPr lang="zh-CN" altLang="en-US" dirty="0"/>
-              <a:t>个月后，监管机构会严格 控制视频播放软件和机顶盒的资质，我们的项目能否避开这一领域？</a:t>
-            </a:r>
-          </a:p>
-          <a:p>
-            <a:pPr>
-              <a:lnSpc>
-                <a:spcPct val="120000"/>
-              </a:lnSpc>
-            </a:pPr>
-            <a:r>
-              <a:rPr lang="zh-CN" altLang="en-US" b="1" dirty="0"/>
-              <a:t>转移：</a:t>
-            </a:r>
-            <a:r>
-              <a:rPr lang="zh-CN" altLang="en-US" dirty="0"/>
-              <a:t>能否像击鼓传花那样，把风险交给真正有能力应对风险的团队负责？</a:t>
-            </a:r>
-            <a:endParaRPr lang="en-US" altLang="zh-CN" dirty="0"/>
-          </a:p>
-          <a:p>
-            <a:pPr>
-              <a:lnSpc>
-                <a:spcPct val="120000"/>
-              </a:lnSpc>
-            </a:pPr>
-            <a:r>
-              <a:rPr lang="zh-CN" altLang="en-US" b="1" dirty="0"/>
-              <a:t>降低：</a:t>
-            </a:r>
-            <a:r>
-              <a:rPr lang="zh-CN" altLang="en-US" dirty="0"/>
-              <a:t>降低某个风险对团队的危害程度。例如，我们知道飞行总是有一定的风险，但 是我们不能因为这种可能性而不出门。有些公司就有明确规定不能让三个或以上的副 总裁搭乘同一个航班。</a:t>
-            </a:r>
-            <a:endParaRPr lang="en-US" altLang="zh-CN" dirty="0"/>
-          </a:p>
-          <a:p>
-            <a:pPr>
-              <a:lnSpc>
-                <a:spcPct val="120000"/>
-              </a:lnSpc>
-            </a:pPr>
-            <a:r>
-              <a:rPr lang="zh-CN" altLang="en-US" b="1" dirty="0"/>
-              <a:t>制定应急计划：</a:t>
-            </a:r>
-            <a:r>
-              <a:rPr lang="zh-CN" altLang="en-US" dirty="0"/>
-              <a:t>下半年的预算很可能会缩减，我们不能支持所有的开发和测试人员， 但是团队的目标不会有大的变化。这时候我们要准备一两套预案。</a:t>
-            </a:r>
-          </a:p>
-        </p:txBody>
-      </p:sp>
-    </p:spTree>
-    <p:extLst>
-      <p:ext uri="{BB962C8B-B14F-4D97-AF65-F5344CB8AC3E}">
-        <p14:creationId xmlns:p14="http://schemas.microsoft.com/office/powerpoint/2010/main" val="4139357929"/>
-      </p:ext>
-    </p:extLst>
-  </p:cSld>
-  <p:clrMapOvr>
-    <a:masterClrMapping/>
-  </p:clrMapOvr>
-</p:sld>
-</file>
-
-<file path=ppt/slides/slide48.xml><?xml version="1.0" encoding="utf-8"?>
-<p:sld xmlns:a="http://schemas.openxmlformats.org/drawingml/2006/main" xmlns:r="http://schemas.openxmlformats.org/officeDocument/2006/relationships" xmlns:p="http://schemas.openxmlformats.org/presentationml/2006/main">
-  <p:cSld>
-    <p:spTree>
-      <p:nvGrpSpPr>
-        <p:cNvPr id="1" name=""/>
-        <p:cNvGrpSpPr/>
-        <p:nvPr/>
-      </p:nvGrpSpPr>
-      <p:grpSpPr>
-        <a:xfrm>
-          <a:off x="0" y="0"/>
-          <a:ext cx="0" cy="0"/>
-          <a:chOff x="0" y="0"/>
-          <a:chExt cx="0" cy="0"/>
-        </a:xfrm>
-      </p:grpSpPr>
-      <p:sp>
-        <p:nvSpPr>
-          <p:cNvPr id="2" name="标题 1"/>
-          <p:cNvSpPr>
-            <a:spLocks noGrp="1"/>
-          </p:cNvSpPr>
-          <p:nvPr>
-            <p:ph type="title"/>
-          </p:nvPr>
-        </p:nvSpPr>
-        <p:spPr/>
-        <p:txBody>
-          <a:bodyPr/>
-          <a:lstStyle/>
-          <a:p>
-            <a:r>
-              <a:rPr lang="zh-CN" altLang="en-US" dirty="0"/>
-              <a:t>练习：风险的作业</a:t>
-            </a:r>
-            <a:endParaRPr lang="en-US" dirty="0"/>
-          </a:p>
-        </p:txBody>
-      </p:sp>
-      <p:sp>
-        <p:nvSpPr>
-          <p:cNvPr id="3" name="内容占位符 2"/>
-          <p:cNvSpPr>
-            <a:spLocks noGrp="1"/>
-          </p:cNvSpPr>
-          <p:nvPr>
-            <p:ph idx="1"/>
-          </p:nvPr>
-        </p:nvSpPr>
-        <p:spPr/>
-        <p:txBody>
-          <a:bodyPr>
-            <a:normAutofit/>
-          </a:bodyPr>
-          <a:lstStyle/>
-          <a:p>
-            <a:r>
-              <a:rPr lang="zh-CN" altLang="en-US" dirty="0"/>
-              <a:t>每个团队列出自己项目中的风险</a:t>
-            </a:r>
-            <a:endParaRPr lang="en-US" altLang="zh-CN" dirty="0"/>
-          </a:p>
-          <a:p>
-            <a:pPr lvl="1"/>
-            <a:r>
-              <a:rPr lang="zh-CN" altLang="en-US" dirty="0"/>
-              <a:t>按严重性排序</a:t>
-            </a:r>
-            <a:endParaRPr lang="en-US" altLang="zh-CN" dirty="0"/>
-          </a:p>
-          <a:p>
-            <a:pPr lvl="1"/>
-            <a:r>
-              <a:rPr lang="zh-CN" altLang="en-US" dirty="0"/>
-              <a:t>团队中有人原来许诺要努力工作，但是后来做了南郭先生，这是一个</a:t>
-            </a:r>
-            <a:r>
-              <a:rPr lang="zh-CN" altLang="en-US" b="1" dirty="0"/>
-              <a:t>风险</a:t>
-            </a:r>
-            <a:endParaRPr lang="en-US" altLang="zh-CN" b="1" dirty="0"/>
-          </a:p>
-          <a:p>
-            <a:pPr lvl="1"/>
-            <a:r>
-              <a:rPr lang="zh-CN" altLang="en-US" dirty="0"/>
-              <a:t>并列出应对方法</a:t>
-            </a:r>
-            <a:endParaRPr lang="en-US" altLang="zh-CN" dirty="0"/>
-          </a:p>
-          <a:p>
-            <a:r>
-              <a:rPr lang="zh-CN" altLang="en-US" dirty="0"/>
-              <a:t>你们小组出现这个情况怎么办：</a:t>
-            </a:r>
-            <a:endParaRPr lang="en-US" altLang="zh-CN" dirty="0"/>
-          </a:p>
-          <a:p>
-            <a:pPr lvl="1"/>
-            <a:r>
-              <a:rPr lang="en-US" altLang="zh-CN" dirty="0">
-                <a:hlinkClick r:id="rId2"/>
-              </a:rPr>
-              <a:t>http://www.cnblogs.com/mxdmxdmxd78/p/5550916.html</a:t>
-            </a:r>
-            <a:r>
-              <a:rPr lang="en-US" altLang="zh-CN" dirty="0"/>
-              <a:t>  </a:t>
-            </a:r>
-          </a:p>
-          <a:p>
-            <a:endParaRPr lang="en-US" dirty="0"/>
-          </a:p>
-          <a:p>
-            <a:r>
-              <a:rPr lang="zh-CN" altLang="en-US" dirty="0"/>
-              <a:t>写成博客发表</a:t>
-            </a:r>
-            <a:endParaRPr lang="en-US" dirty="0"/>
-          </a:p>
-        </p:txBody>
-      </p:sp>
-    </p:spTree>
-    <p:extLst>
-      <p:ext uri="{BB962C8B-B14F-4D97-AF65-F5344CB8AC3E}">
-        <p14:creationId xmlns:p14="http://schemas.microsoft.com/office/powerpoint/2010/main" val="3101830749"/>
-      </p:ext>
-    </p:extLst>
-  </p:cSld>
-  <p:clrMapOvr>
-    <a:masterClrMapping/>
-  </p:clrMapOvr>
-</p:sld>
-</file>
-
-<file path=ppt/slides/slide49.xml><?xml version="1.0" encoding="utf-8"?>
-<p:sld xmlns:a="http://schemas.openxmlformats.org/drawingml/2006/main" xmlns:r="http://schemas.openxmlformats.org/officeDocument/2006/relationships" xmlns:p="http://schemas.openxmlformats.org/presentationml/2006/main">
-  <p:cSld>
-    <p:spTree>
-      <p:nvGrpSpPr>
-        <p:cNvPr id="1" name=""/>
-        <p:cNvGrpSpPr/>
-        <p:nvPr/>
-      </p:nvGrpSpPr>
-      <p:grpSpPr>
-        <a:xfrm>
-          <a:off x="0" y="0"/>
-          <a:ext cx="0" cy="0"/>
-          <a:chOff x="0" y="0"/>
-          <a:chExt cx="0" cy="0"/>
-        </a:xfrm>
-      </p:grpSpPr>
-      <p:sp>
-        <p:nvSpPr>
           <p:cNvPr id="2" name="Title 1">
             <a:extLst>
               <a:ext uri="{FF2B5EF4-FFF2-40B4-BE49-F238E27FC236}">
@@ -27616,158 +27519,7 @@
 </p:sld>
 </file>
 
-<file path=ppt/slides/slide5.xml><?xml version="1.0" encoding="utf-8"?>
-<p:sld xmlns:a="http://schemas.openxmlformats.org/drawingml/2006/main" xmlns:r="http://schemas.openxmlformats.org/officeDocument/2006/relationships" xmlns:p="http://schemas.openxmlformats.org/presentationml/2006/main">
-  <p:cSld>
-    <p:spTree>
-      <p:nvGrpSpPr>
-        <p:cNvPr id="1" name=""/>
-        <p:cNvGrpSpPr/>
-        <p:nvPr/>
-      </p:nvGrpSpPr>
-      <p:grpSpPr>
-        <a:xfrm>
-          <a:off x="0" y="0"/>
-          <a:ext cx="0" cy="0"/>
-          <a:chOff x="0" y="0"/>
-          <a:chExt cx="0" cy="0"/>
-        </a:xfrm>
-      </p:grpSpPr>
-      <p:sp>
-        <p:nvSpPr>
-          <p:cNvPr id="2" name="Title 1"/>
-          <p:cNvSpPr>
-            <a:spLocks noGrp="1"/>
-          </p:cNvSpPr>
-          <p:nvPr>
-            <p:ph type="title"/>
-          </p:nvPr>
-        </p:nvSpPr>
-        <p:spPr/>
-        <p:txBody>
-          <a:bodyPr/>
-          <a:lstStyle/>
-          <a:p>
-            <a:r>
-              <a:rPr lang="en-US" altLang="zh-CN" dirty="0"/>
-              <a:t>History of PM in Microsoft</a:t>
-            </a:r>
-            <a:endParaRPr lang="en-US" dirty="0"/>
-          </a:p>
-        </p:txBody>
-      </p:sp>
-      <p:sp>
-        <p:nvSpPr>
-          <p:cNvPr id="3" name="Content Placeholder 2"/>
-          <p:cNvSpPr>
-            <a:spLocks noGrp="1"/>
-          </p:cNvSpPr>
-          <p:nvPr>
-            <p:ph idx="1"/>
-          </p:nvPr>
-        </p:nvSpPr>
-        <p:spPr>
-          <a:xfrm>
-            <a:off x="1981200" y="1775192"/>
-            <a:ext cx="4953000" cy="4625609"/>
-          </a:xfrm>
-        </p:spPr>
-        <p:txBody>
-          <a:bodyPr/>
-          <a:lstStyle/>
-          <a:p>
-            <a:r>
-              <a:rPr lang="en-US" altLang="zh-CN" dirty="0"/>
-              <a:t>As the team grows, communication becomes a problem</a:t>
-            </a:r>
-          </a:p>
-          <a:p>
-            <a:pPr lvl="1"/>
-            <a:r>
-              <a:rPr lang="en-US" altLang="zh-CN" dirty="0"/>
-              <a:t>O(n^2)</a:t>
-            </a:r>
-          </a:p>
-          <a:p>
-            <a:pPr lvl="1"/>
-            <a:r>
-              <a:rPr lang="en-US" altLang="zh-CN" dirty="0"/>
-              <a:t>Keep adding programmers into a </a:t>
-            </a:r>
-          </a:p>
-          <a:p>
-            <a:pPr lvl="1">
-              <a:buNone/>
-            </a:pPr>
-            <a:r>
-              <a:rPr lang="en-US" altLang="zh-CN" dirty="0"/>
-              <a:t>team is NOT going to work</a:t>
-            </a:r>
-          </a:p>
-          <a:p>
-            <a:r>
-              <a:rPr lang="en-US" altLang="zh-CN" dirty="0"/>
-              <a:t>Charles Simonyi has an idea</a:t>
-            </a:r>
-          </a:p>
-          <a:p>
-            <a:pPr>
-              <a:buNone/>
-            </a:pPr>
-            <a:endParaRPr lang="en-US" dirty="0"/>
-          </a:p>
-        </p:txBody>
-      </p:sp>
-      <p:pic>
-        <p:nvPicPr>
-          <p:cNvPr id="6" name="Picture 2"/>
-          <p:cNvPicPr>
-            <a:picLocks noChangeAspect="1" noChangeArrowheads="1"/>
-          </p:cNvPicPr>
-          <p:nvPr/>
-        </p:nvPicPr>
-        <p:blipFill>
-          <a:blip r:embed="rId3" cstate="print"/>
-          <a:srcRect/>
-          <a:stretch>
-            <a:fillRect/>
-          </a:stretch>
-        </p:blipFill>
-        <p:spPr bwMode="auto">
-          <a:xfrm>
-            <a:off x="7086600" y="2438401"/>
-            <a:ext cx="3352800" cy="4158511"/>
-          </a:xfrm>
-          <a:prstGeom prst="rect">
-            <a:avLst/>
-          </a:prstGeom>
-          <a:noFill/>
-          <a:ln w="9525">
-            <a:solidFill>
-              <a:schemeClr val="tx1"/>
-            </a:solidFill>
-            <a:miter lim="800000"/>
-            <a:headEnd/>
-            <a:tailEnd/>
-          </a:ln>
-          <a:effectLst>
-            <a:outerShdw blurRad="50800" dist="38100" dir="2700000" algn="tl" rotWithShape="0">
-              <a:prstClr val="black">
-                <a:alpha val="40000"/>
-              </a:prstClr>
-            </a:outerShdw>
-          </a:effectLst>
-        </p:spPr>
-      </p:pic>
-    </p:spTree>
-  </p:cSld>
-  <p:clrMapOvr>
-    <a:masterClrMapping/>
-  </p:clrMapOvr>
-</p:sld>
-</file>
-
-<file path=ppt/slides/slide50.xml><?xml version="1.0" encoding="utf-8"?>
+<file path=ppt/slides/slide48.xml><?xml version="1.0" encoding="utf-8"?>
 <p:sld xmlns:a="http://schemas.openxmlformats.org/drawingml/2006/main" xmlns:r="http://schemas.openxmlformats.org/officeDocument/2006/relationships" xmlns:p="http://schemas.openxmlformats.org/presentationml/2006/main">
   <p:cSld>
     <p:spTree>
@@ -28087,7 +27839,7 @@
 </p:sld>
 </file>
 
-<file path=ppt/slides/slide51.xml><?xml version="1.0" encoding="utf-8"?>
+<file path=ppt/slides/slide49.xml><?xml version="1.0" encoding="utf-8"?>
 <p:sld xmlns:a="http://schemas.openxmlformats.org/drawingml/2006/main" xmlns:r="http://schemas.openxmlformats.org/officeDocument/2006/relationships" xmlns:p="http://schemas.openxmlformats.org/presentationml/2006/main">
   <p:cSld>
     <p:bg>
@@ -28095,7 +27847,6 @@
         <a:blipFill dpi="0" rotWithShape="1">
           <a:blip r:embed="rId2">
             <a:lum/>
-            <a:extLst/>
           </a:blip>
           <a:srcRect/>
           <a:stretch>
@@ -28177,7 +27928,6 @@
           </p:cNvGraphicFramePr>
           <p:nvPr>
             <p:ph idx="1"/>
-            <p:extLst/>
           </p:nvPr>
         </p:nvGraphicFramePr>
         <p:xfrm>
@@ -28203,7 +27953,158 @@
 </p:sld>
 </file>
 
-<file path=ppt/slides/slide52.xml><?xml version="1.0" encoding="utf-8"?>
+<file path=ppt/slides/slide5.xml><?xml version="1.0" encoding="utf-8"?>
+<p:sld xmlns:a="http://schemas.openxmlformats.org/drawingml/2006/main" xmlns:r="http://schemas.openxmlformats.org/officeDocument/2006/relationships" xmlns:p="http://schemas.openxmlformats.org/presentationml/2006/main">
+  <p:cSld>
+    <p:spTree>
+      <p:nvGrpSpPr>
+        <p:cNvPr id="1" name=""/>
+        <p:cNvGrpSpPr/>
+        <p:nvPr/>
+      </p:nvGrpSpPr>
+      <p:grpSpPr>
+        <a:xfrm>
+          <a:off x="0" y="0"/>
+          <a:ext cx="0" cy="0"/>
+          <a:chOff x="0" y="0"/>
+          <a:chExt cx="0" cy="0"/>
+        </a:xfrm>
+      </p:grpSpPr>
+      <p:sp>
+        <p:nvSpPr>
+          <p:cNvPr id="2" name="Title 1"/>
+          <p:cNvSpPr>
+            <a:spLocks noGrp="1"/>
+          </p:cNvSpPr>
+          <p:nvPr>
+            <p:ph type="title"/>
+          </p:nvPr>
+        </p:nvSpPr>
+        <p:spPr/>
+        <p:txBody>
+          <a:bodyPr/>
+          <a:lstStyle/>
+          <a:p>
+            <a:r>
+              <a:rPr lang="en-US" altLang="zh-CN" dirty="0"/>
+              <a:t>History of PM in Microsoft</a:t>
+            </a:r>
+            <a:endParaRPr lang="en-US" dirty="0"/>
+          </a:p>
+        </p:txBody>
+      </p:sp>
+      <p:sp>
+        <p:nvSpPr>
+          <p:cNvPr id="3" name="Content Placeholder 2"/>
+          <p:cNvSpPr>
+            <a:spLocks noGrp="1"/>
+          </p:cNvSpPr>
+          <p:nvPr>
+            <p:ph idx="1"/>
+          </p:nvPr>
+        </p:nvSpPr>
+        <p:spPr>
+          <a:xfrm>
+            <a:off x="1981200" y="1775192"/>
+            <a:ext cx="4953000" cy="4625609"/>
+          </a:xfrm>
+        </p:spPr>
+        <p:txBody>
+          <a:bodyPr/>
+          <a:lstStyle/>
+          <a:p>
+            <a:r>
+              <a:rPr lang="en-US" altLang="zh-CN" dirty="0"/>
+              <a:t>As the team grows, communication becomes a problem</a:t>
+            </a:r>
+          </a:p>
+          <a:p>
+            <a:pPr lvl="1"/>
+            <a:r>
+              <a:rPr lang="en-US" altLang="zh-CN" dirty="0"/>
+              <a:t>O(n^2)</a:t>
+            </a:r>
+          </a:p>
+          <a:p>
+            <a:pPr lvl="1"/>
+            <a:r>
+              <a:rPr lang="en-US" altLang="zh-CN" dirty="0"/>
+              <a:t>Keep adding programmers into a </a:t>
+            </a:r>
+          </a:p>
+          <a:p>
+            <a:pPr lvl="1">
+              <a:buNone/>
+            </a:pPr>
+            <a:r>
+              <a:rPr lang="en-US" altLang="zh-CN" dirty="0"/>
+              <a:t>team is NOT going to work</a:t>
+            </a:r>
+          </a:p>
+          <a:p>
+            <a:r>
+              <a:rPr lang="en-US" altLang="zh-CN" dirty="0"/>
+              <a:t>Charles Simonyi has an idea</a:t>
+            </a:r>
+          </a:p>
+          <a:p>
+            <a:pPr>
+              <a:buNone/>
+            </a:pPr>
+            <a:endParaRPr lang="en-US" dirty="0"/>
+          </a:p>
+        </p:txBody>
+      </p:sp>
+      <p:pic>
+        <p:nvPicPr>
+          <p:cNvPr id="6" name="Picture 2"/>
+          <p:cNvPicPr>
+            <a:picLocks noChangeAspect="1" noChangeArrowheads="1"/>
+          </p:cNvPicPr>
+          <p:nvPr/>
+        </p:nvPicPr>
+        <p:blipFill>
+          <a:blip r:embed="rId3" cstate="print"/>
+          <a:srcRect/>
+          <a:stretch>
+            <a:fillRect/>
+          </a:stretch>
+        </p:blipFill>
+        <p:spPr bwMode="auto">
+          <a:xfrm>
+            <a:off x="7086600" y="2438401"/>
+            <a:ext cx="3352800" cy="4158511"/>
+          </a:xfrm>
+          <a:prstGeom prst="rect">
+            <a:avLst/>
+          </a:prstGeom>
+          <a:noFill/>
+          <a:ln w="9525">
+            <a:solidFill>
+              <a:schemeClr val="tx1"/>
+            </a:solidFill>
+            <a:miter lim="800000"/>
+            <a:headEnd/>
+            <a:tailEnd/>
+          </a:ln>
+          <a:effectLst>
+            <a:outerShdw blurRad="50800" dist="38100" dir="2700000" algn="tl" rotWithShape="0">
+              <a:prstClr val="black">
+                <a:alpha val="40000"/>
+              </a:prstClr>
+            </a:outerShdw>
+          </a:effectLst>
+        </p:spPr>
+      </p:pic>
+    </p:spTree>
+  </p:cSld>
+  <p:clrMapOvr>
+    <a:masterClrMapping/>
+  </p:clrMapOvr>
+</p:sld>
+</file>
+
+<file path=ppt/slides/slide50.xml><?xml version="1.0" encoding="utf-8"?>
 <p:sld xmlns:a="http://schemas.openxmlformats.org/drawingml/2006/main" xmlns:r="http://schemas.openxmlformats.org/officeDocument/2006/relationships" xmlns:p="http://schemas.openxmlformats.org/presentationml/2006/main">
   <p:cSld>
     <p:spTree>
@@ -29287,6 +29188,818 @@
 </p:sld>
 </file>
 
+<file path=ppt/slides/slide51.xml><?xml version="1.0" encoding="utf-8"?>
+<p:sld xmlns:a="http://schemas.openxmlformats.org/drawingml/2006/main" xmlns:r="http://schemas.openxmlformats.org/officeDocument/2006/relationships" xmlns:p="http://schemas.openxmlformats.org/presentationml/2006/main">
+  <p:cSld>
+    <p:spTree>
+      <p:nvGrpSpPr>
+        <p:cNvPr id="1" name=""/>
+        <p:cNvGrpSpPr/>
+        <p:nvPr/>
+      </p:nvGrpSpPr>
+      <p:grpSpPr>
+        <a:xfrm>
+          <a:off x="0" y="0"/>
+          <a:ext cx="0" cy="0"/>
+          <a:chOff x="0" y="0"/>
+          <a:chExt cx="0" cy="0"/>
+        </a:xfrm>
+      </p:grpSpPr>
+      <p:sp>
+        <p:nvSpPr>
+          <p:cNvPr id="2" name="Title 1">
+            <a:extLst>
+              <a:ext uri="{FF2B5EF4-FFF2-40B4-BE49-F238E27FC236}">
+                <a16:creationId xmlns:a16="http://schemas.microsoft.com/office/drawing/2014/main" id="{2A4F1CC6-9C8D-4829-B5B5-1F57458A0188}"/>
+              </a:ext>
+            </a:extLst>
+          </p:cNvPr>
+          <p:cNvSpPr>
+            <a:spLocks noGrp="1"/>
+          </p:cNvSpPr>
+          <p:nvPr>
+            <p:ph type="title"/>
+          </p:nvPr>
+        </p:nvSpPr>
+        <p:spPr/>
+        <p:txBody>
+          <a:bodyPr>
+            <a:normAutofit/>
+          </a:bodyPr>
+          <a:lstStyle/>
+          <a:p>
+            <a:r>
+              <a:rPr lang="zh-CN" altLang="en-US" dirty="0"/>
+              <a:t>会议的思维活动（</a:t>
+            </a:r>
+            <a:r>
+              <a:rPr lang="en-US" altLang="zh-CN" dirty="0"/>
+              <a:t>2</a:t>
+            </a:r>
+            <a:r>
+              <a:rPr lang="zh-CN" altLang="en-US" dirty="0"/>
+              <a:t>）直觉和感情</a:t>
+            </a:r>
+            <a:endParaRPr lang="en-US" dirty="0"/>
+          </a:p>
+        </p:txBody>
+      </p:sp>
+      <p:sp>
+        <p:nvSpPr>
+          <p:cNvPr id="3" name="Content Placeholder 2">
+            <a:extLst>
+              <a:ext uri="{FF2B5EF4-FFF2-40B4-BE49-F238E27FC236}">
+                <a16:creationId xmlns:a16="http://schemas.microsoft.com/office/drawing/2014/main" id="{417E3E16-EC1F-473E-9D03-B236FE71E927}"/>
+              </a:ext>
+            </a:extLst>
+          </p:cNvPr>
+          <p:cNvSpPr>
+            <a:spLocks noGrp="1"/>
+          </p:cNvSpPr>
+          <p:nvPr>
+            <p:ph idx="1"/>
+          </p:nvPr>
+        </p:nvSpPr>
+        <p:spPr>
+          <a:xfrm>
+            <a:off x="1120000" y="1825625"/>
+            <a:ext cx="5475353" cy="1603375"/>
+          </a:xfrm>
+        </p:spPr>
+        <p:txBody>
+          <a:bodyPr/>
+          <a:lstStyle/>
+          <a:p>
+            <a:r>
+              <a:rPr lang="zh-CN" altLang="en-US" dirty="0"/>
+              <a:t>拨出几分钟让大家表达情绪和直觉</a:t>
+            </a:r>
+            <a:endParaRPr lang="en-US" altLang="zh-CN" dirty="0"/>
+          </a:p>
+          <a:p>
+            <a:r>
+              <a:rPr lang="zh-CN" altLang="en-US" dirty="0"/>
+              <a:t>不必担心是否理性</a:t>
+            </a:r>
+            <a:endParaRPr lang="en-US" altLang="zh-CN" dirty="0"/>
+          </a:p>
+        </p:txBody>
+      </p:sp>
+      <p:sp>
+        <p:nvSpPr>
+          <p:cNvPr id="4" name="TextBox 3">
+            <a:extLst>
+              <a:ext uri="{FF2B5EF4-FFF2-40B4-BE49-F238E27FC236}">
+                <a16:creationId xmlns:a16="http://schemas.microsoft.com/office/drawing/2014/main" id="{38189547-FB59-4E3B-BC7D-BF8166DA650E}"/>
+              </a:ext>
+            </a:extLst>
+          </p:cNvPr>
+          <p:cNvSpPr txBox="1"/>
+          <p:nvPr/>
+        </p:nvSpPr>
+        <p:spPr>
+          <a:xfrm>
+            <a:off x="7782128" y="1825625"/>
+            <a:ext cx="4017523" cy="1200329"/>
+          </a:xfrm>
+          <a:prstGeom prst="rect">
+            <a:avLst/>
+          </a:prstGeom>
+          <a:noFill/>
+        </p:spPr>
+        <p:txBody>
+          <a:bodyPr wrap="square" rtlCol="0">
+            <a:spAutoFit/>
+          </a:bodyPr>
+          <a:lstStyle/>
+          <a:p>
+            <a:pPr marL="0" marR="0" lvl="0" indent="0" algn="l" defTabSz="457200" rtl="0" eaLnBrk="1" fontAlgn="auto" latinLnBrk="0" hangingPunct="1">
+              <a:lnSpc>
+                <a:spcPct val="100000"/>
+              </a:lnSpc>
+              <a:spcBef>
+                <a:spcPts val="0"/>
+              </a:spcBef>
+              <a:spcAft>
+                <a:spcPts val="0"/>
+              </a:spcAft>
+              <a:buClrTx/>
+              <a:buSzTx/>
+              <a:buFontTx/>
+              <a:buNone/>
+              <a:tabLst/>
+              <a:defRPr/>
+            </a:pPr>
+            <a:r>
+              <a:rPr kumimoji="0" lang="zh-CN" altLang="en-US" sz="1800" b="0" i="0" u="none" strike="noStrike" kern="1200" cap="none" spc="0" normalizeH="0" baseline="0" noProof="0" dirty="0">
+                <a:ln>
+                  <a:noFill/>
+                </a:ln>
+                <a:solidFill>
+                  <a:prstClr val="white"/>
+                </a:solidFill>
+                <a:effectLst/>
+                <a:uLnTx/>
+                <a:uFillTx/>
+                <a:latin typeface="Calibri"/>
+                <a:ea typeface="Microsoft YaHei"/>
+                <a:cs typeface="+mn-cs"/>
+              </a:rPr>
+              <a:t>参加这个培训有什么意义？</a:t>
+            </a:r>
+            <a:endParaRPr kumimoji="0" lang="en-US" altLang="zh-CN" sz="1800" b="0" i="0" u="none" strike="noStrike" kern="1200" cap="none" spc="0" normalizeH="0" baseline="0" noProof="0" dirty="0">
+              <a:ln>
+                <a:noFill/>
+              </a:ln>
+              <a:solidFill>
+                <a:prstClr val="white"/>
+              </a:solidFill>
+              <a:effectLst/>
+              <a:uLnTx/>
+              <a:uFillTx/>
+              <a:latin typeface="Calibri"/>
+              <a:ea typeface="Microsoft YaHei"/>
+              <a:cs typeface="+mn-cs"/>
+            </a:endParaRPr>
+          </a:p>
+          <a:p>
+            <a:pPr marL="0" marR="0" lvl="0" indent="0" algn="l" defTabSz="457200" rtl="0" eaLnBrk="1" fontAlgn="auto" latinLnBrk="0" hangingPunct="1">
+              <a:lnSpc>
+                <a:spcPct val="100000"/>
+              </a:lnSpc>
+              <a:spcBef>
+                <a:spcPts val="0"/>
+              </a:spcBef>
+              <a:spcAft>
+                <a:spcPts val="0"/>
+              </a:spcAft>
+              <a:buClrTx/>
+              <a:buSzTx/>
+              <a:buFontTx/>
+              <a:buNone/>
+              <a:tabLst/>
+              <a:defRPr/>
+            </a:pPr>
+            <a:r>
+              <a:rPr kumimoji="0" lang="zh-CN" altLang="en-US" sz="1800" b="0" i="0" u="none" strike="noStrike" kern="1200" cap="none" spc="0" normalizeH="0" baseline="0" noProof="0" dirty="0">
+                <a:ln>
+                  <a:noFill/>
+                </a:ln>
+                <a:solidFill>
+                  <a:prstClr val="white"/>
+                </a:solidFill>
+                <a:effectLst/>
+                <a:uLnTx/>
+                <a:uFillTx/>
+                <a:latin typeface="Calibri"/>
+                <a:ea typeface="Microsoft YaHei"/>
+                <a:cs typeface="+mn-cs"/>
+              </a:rPr>
+              <a:t>我直觉上有什么担心？</a:t>
+            </a:r>
+            <a:endParaRPr kumimoji="0" lang="en-US" altLang="zh-CN" sz="1800" b="0" i="0" u="none" strike="noStrike" kern="1200" cap="none" spc="0" normalizeH="0" baseline="0" noProof="0" dirty="0">
+              <a:ln>
+                <a:noFill/>
+              </a:ln>
+              <a:solidFill>
+                <a:prstClr val="white"/>
+              </a:solidFill>
+              <a:effectLst/>
+              <a:uLnTx/>
+              <a:uFillTx/>
+              <a:latin typeface="Calibri"/>
+              <a:ea typeface="Microsoft YaHei"/>
+              <a:cs typeface="+mn-cs"/>
+            </a:endParaRPr>
+          </a:p>
+          <a:p>
+            <a:pPr marL="0" marR="0" lvl="0" indent="0" algn="l" defTabSz="457200" rtl="0" eaLnBrk="1" fontAlgn="auto" latinLnBrk="0" hangingPunct="1">
+              <a:lnSpc>
+                <a:spcPct val="100000"/>
+              </a:lnSpc>
+              <a:spcBef>
+                <a:spcPts val="0"/>
+              </a:spcBef>
+              <a:spcAft>
+                <a:spcPts val="0"/>
+              </a:spcAft>
+              <a:buClrTx/>
+              <a:buSzTx/>
+              <a:buFontTx/>
+              <a:buNone/>
+              <a:tabLst/>
+              <a:defRPr/>
+            </a:pPr>
+            <a:r>
+              <a:rPr kumimoji="0" lang="zh-CN" altLang="en-US" sz="1800" b="0" i="0" u="none" strike="noStrike" kern="1200" cap="none" spc="0" normalizeH="0" baseline="0" noProof="0" dirty="0">
+                <a:ln>
+                  <a:noFill/>
+                </a:ln>
+                <a:solidFill>
+                  <a:prstClr val="white"/>
+                </a:solidFill>
+                <a:effectLst/>
+                <a:uLnTx/>
+                <a:uFillTx/>
+                <a:latin typeface="Calibri"/>
+                <a:ea typeface="Microsoft YaHei"/>
+                <a:cs typeface="+mn-cs"/>
+              </a:rPr>
+              <a:t>我情绪上有什么期待，不爽？</a:t>
+            </a:r>
+            <a:endParaRPr kumimoji="0" lang="en-US" altLang="zh-CN" sz="1800" b="0" i="0" u="none" strike="noStrike" kern="1200" cap="none" spc="0" normalizeH="0" baseline="0" noProof="0" dirty="0">
+              <a:ln>
+                <a:noFill/>
+              </a:ln>
+              <a:solidFill>
+                <a:prstClr val="white"/>
+              </a:solidFill>
+              <a:effectLst/>
+              <a:uLnTx/>
+              <a:uFillTx/>
+              <a:latin typeface="Calibri"/>
+              <a:ea typeface="Microsoft YaHei"/>
+              <a:cs typeface="+mn-cs"/>
+            </a:endParaRPr>
+          </a:p>
+          <a:p>
+            <a:pPr marL="0" marR="0" lvl="0" indent="0" algn="l" defTabSz="457200" rtl="0" eaLnBrk="1" fontAlgn="auto" latinLnBrk="0" hangingPunct="1">
+              <a:lnSpc>
+                <a:spcPct val="100000"/>
+              </a:lnSpc>
+              <a:spcBef>
+                <a:spcPts val="0"/>
+              </a:spcBef>
+              <a:spcAft>
+                <a:spcPts val="0"/>
+              </a:spcAft>
+              <a:buClrTx/>
+              <a:buSzTx/>
+              <a:buFontTx/>
+              <a:buNone/>
+              <a:tabLst/>
+              <a:defRPr/>
+            </a:pPr>
+            <a:endParaRPr kumimoji="0" lang="en-US" sz="1800" b="0" i="0" u="none" strike="noStrike" kern="1200" cap="none" spc="0" normalizeH="0" baseline="0" noProof="0" dirty="0">
+              <a:ln>
+                <a:noFill/>
+              </a:ln>
+              <a:solidFill>
+                <a:prstClr val="white"/>
+              </a:solidFill>
+              <a:effectLst/>
+              <a:uLnTx/>
+              <a:uFillTx/>
+              <a:latin typeface="Calibri"/>
+              <a:ea typeface="Microsoft YaHei"/>
+              <a:cs typeface="+mn-cs"/>
+            </a:endParaRPr>
+          </a:p>
+        </p:txBody>
+      </p:sp>
+      <p:sp>
+        <p:nvSpPr>
+          <p:cNvPr id="5" name="Rectangle 4">
+            <a:extLst>
+              <a:ext uri="{FF2B5EF4-FFF2-40B4-BE49-F238E27FC236}">
+                <a16:creationId xmlns:a16="http://schemas.microsoft.com/office/drawing/2014/main" id="{C2123BF2-217F-48DB-B8A8-FF9D1DF6D618}"/>
+              </a:ext>
+            </a:extLst>
+          </p:cNvPr>
+          <p:cNvSpPr/>
+          <p:nvPr/>
+        </p:nvSpPr>
+        <p:spPr>
+          <a:xfrm>
+            <a:off x="1120000" y="6123543"/>
+            <a:ext cx="2492990" cy="369332"/>
+          </a:xfrm>
+          <a:prstGeom prst="rect">
+            <a:avLst/>
+          </a:prstGeom>
+        </p:spPr>
+        <p:txBody>
+          <a:bodyPr wrap="none">
+            <a:spAutoFit/>
+          </a:bodyPr>
+          <a:lstStyle/>
+          <a:p>
+            <a:pPr marL="0" marR="0" lvl="0" indent="0" algn="l" defTabSz="457200" rtl="0" eaLnBrk="1" fontAlgn="auto" latinLnBrk="0" hangingPunct="1">
+              <a:lnSpc>
+                <a:spcPct val="100000"/>
+              </a:lnSpc>
+              <a:spcBef>
+                <a:spcPts val="0"/>
+              </a:spcBef>
+              <a:spcAft>
+                <a:spcPts val="0"/>
+              </a:spcAft>
+              <a:buClrTx/>
+              <a:buSzTx/>
+              <a:buFontTx/>
+              <a:buNone/>
+              <a:tabLst/>
+              <a:defRPr/>
+            </a:pPr>
+            <a:r>
+              <a:rPr kumimoji="0" lang="zh-CN" altLang="en-US" sz="1800" b="1" i="0" u="none" strike="noStrike" kern="1200" cap="none" spc="0" normalizeH="0" baseline="0" noProof="0" dirty="0">
+                <a:ln>
+                  <a:noFill/>
+                </a:ln>
+                <a:solidFill>
+                  <a:srgbClr val="FFC000"/>
+                </a:solidFill>
+                <a:effectLst/>
+                <a:uLnTx/>
+                <a:uFillTx/>
+                <a:latin typeface="Calibri"/>
+                <a:ea typeface="Microsoft YaHei"/>
+                <a:cs typeface="+mn-cs"/>
+              </a:rPr>
+              <a:t>小组：写下直觉和感情</a:t>
+            </a:r>
+            <a:endParaRPr kumimoji="0" lang="en-US" sz="1800" b="1" i="0" u="none" strike="noStrike" kern="1200" cap="none" spc="0" normalizeH="0" baseline="0" noProof="0" dirty="0">
+              <a:ln>
+                <a:noFill/>
+              </a:ln>
+              <a:solidFill>
+                <a:srgbClr val="FFC000"/>
+              </a:solidFill>
+              <a:effectLst/>
+              <a:uLnTx/>
+              <a:uFillTx/>
+              <a:latin typeface="Calibri"/>
+              <a:ea typeface="Microsoft YaHei"/>
+              <a:cs typeface="+mn-cs"/>
+            </a:endParaRPr>
+          </a:p>
+        </p:txBody>
+      </p:sp>
+    </p:spTree>
+    <p:extLst>
+      <p:ext uri="{BB962C8B-B14F-4D97-AF65-F5344CB8AC3E}">
+        <p14:creationId xmlns:p14="http://schemas.microsoft.com/office/powerpoint/2010/main" val="1796555868"/>
+      </p:ext>
+    </p:extLst>
+  </p:cSld>
+  <p:clrMapOvr>
+    <a:masterClrMapping/>
+  </p:clrMapOvr>
+</p:sld>
+</file>
+
+<file path=ppt/slides/slide52.xml><?xml version="1.0" encoding="utf-8"?>
+<p:sld xmlns:a="http://schemas.openxmlformats.org/drawingml/2006/main" xmlns:r="http://schemas.openxmlformats.org/officeDocument/2006/relationships" xmlns:p="http://schemas.openxmlformats.org/presentationml/2006/main">
+  <p:cSld>
+    <p:spTree>
+      <p:nvGrpSpPr>
+        <p:cNvPr id="1" name=""/>
+        <p:cNvGrpSpPr/>
+        <p:nvPr/>
+      </p:nvGrpSpPr>
+      <p:grpSpPr>
+        <a:xfrm>
+          <a:off x="0" y="0"/>
+          <a:ext cx="0" cy="0"/>
+          <a:chOff x="0" y="0"/>
+          <a:chExt cx="0" cy="0"/>
+        </a:xfrm>
+      </p:grpSpPr>
+      <p:sp>
+        <p:nvSpPr>
+          <p:cNvPr id="2" name="Title 1">
+            <a:extLst>
+              <a:ext uri="{FF2B5EF4-FFF2-40B4-BE49-F238E27FC236}">
+                <a16:creationId xmlns:a16="http://schemas.microsoft.com/office/drawing/2014/main" id="{2A4F1CC6-9C8D-4829-B5B5-1F57458A0188}"/>
+              </a:ext>
+            </a:extLst>
+          </p:cNvPr>
+          <p:cNvSpPr>
+            <a:spLocks noGrp="1"/>
+          </p:cNvSpPr>
+          <p:nvPr>
+            <p:ph type="title"/>
+          </p:nvPr>
+        </p:nvSpPr>
+        <p:spPr/>
+        <p:txBody>
+          <a:bodyPr/>
+          <a:lstStyle/>
+          <a:p>
+            <a:r>
+              <a:rPr lang="zh-CN" altLang="en-US" dirty="0"/>
+              <a:t>会议的思维活动（</a:t>
+            </a:r>
+            <a:r>
+              <a:rPr lang="en-US" altLang="zh-CN" dirty="0"/>
+              <a:t>3</a:t>
+            </a:r>
+            <a:r>
+              <a:rPr lang="zh-CN" altLang="en-US" dirty="0"/>
+              <a:t>）乐观角度</a:t>
+            </a:r>
+            <a:endParaRPr lang="en-US" dirty="0"/>
+          </a:p>
+        </p:txBody>
+      </p:sp>
+      <p:sp>
+        <p:nvSpPr>
+          <p:cNvPr id="3" name="Content Placeholder 2">
+            <a:extLst>
+              <a:ext uri="{FF2B5EF4-FFF2-40B4-BE49-F238E27FC236}">
+                <a16:creationId xmlns:a16="http://schemas.microsoft.com/office/drawing/2014/main" id="{417E3E16-EC1F-473E-9D03-B236FE71E927}"/>
+              </a:ext>
+            </a:extLst>
+          </p:cNvPr>
+          <p:cNvSpPr>
+            <a:spLocks noGrp="1"/>
+          </p:cNvSpPr>
+          <p:nvPr>
+            <p:ph idx="1"/>
+          </p:nvPr>
+        </p:nvSpPr>
+        <p:spPr>
+          <a:xfrm>
+            <a:off x="1120000" y="1825625"/>
+            <a:ext cx="5475353" cy="3330035"/>
+          </a:xfrm>
+        </p:spPr>
+        <p:txBody>
+          <a:bodyPr>
+            <a:normAutofit fontScale="77500" lnSpcReduction="20000"/>
+          </a:bodyPr>
+          <a:lstStyle/>
+          <a:p>
+            <a:r>
+              <a:rPr lang="zh-CN" altLang="en-US" dirty="0"/>
+              <a:t>从乐观的角度分析问题</a:t>
+            </a:r>
+            <a:endParaRPr lang="en-US" altLang="zh-CN" dirty="0"/>
+          </a:p>
+          <a:p>
+            <a:r>
+              <a:rPr lang="zh-CN" altLang="en-US" dirty="0"/>
+              <a:t>“对，并且</a:t>
+            </a:r>
+            <a:r>
+              <a:rPr lang="en-US" altLang="zh-CN" dirty="0"/>
+              <a:t>…</a:t>
+            </a:r>
+            <a:r>
+              <a:rPr lang="zh-CN" altLang="en-US" dirty="0"/>
+              <a:t>”</a:t>
+            </a:r>
+            <a:endParaRPr lang="en-US" altLang="zh-CN" dirty="0"/>
+          </a:p>
+          <a:p>
+            <a:r>
+              <a:rPr lang="zh-CN" altLang="en-US" dirty="0"/>
+              <a:t>“对，而且</a:t>
+            </a:r>
+            <a:r>
+              <a:rPr lang="en-US" altLang="zh-CN" dirty="0"/>
+              <a:t>…</a:t>
+            </a:r>
+            <a:r>
+              <a:rPr lang="zh-CN" altLang="en-US" dirty="0"/>
+              <a:t>”</a:t>
+            </a:r>
+            <a:endParaRPr lang="en-US" altLang="zh-CN" dirty="0"/>
+          </a:p>
+          <a:p>
+            <a:r>
+              <a:rPr lang="zh-CN" altLang="en-US" dirty="0"/>
+              <a:t>“对，另外</a:t>
+            </a:r>
+            <a:r>
+              <a:rPr lang="en-US" altLang="zh-CN" dirty="0"/>
+              <a:t>…</a:t>
+            </a:r>
+            <a:r>
+              <a:rPr lang="zh-CN" altLang="en-US" dirty="0"/>
+              <a:t>”</a:t>
+            </a:r>
+            <a:endParaRPr lang="en-US" altLang="zh-CN" dirty="0"/>
+          </a:p>
+          <a:p>
+            <a:r>
+              <a:rPr lang="zh-CN" altLang="en-US" dirty="0"/>
+              <a:t>“对，还有</a:t>
+            </a:r>
+            <a:r>
+              <a:rPr lang="en-US" altLang="zh-CN" dirty="0"/>
+              <a:t>…”</a:t>
+            </a:r>
+          </a:p>
+          <a:p>
+            <a:endParaRPr lang="en-US" altLang="zh-CN" dirty="0"/>
+          </a:p>
+          <a:p>
+            <a:r>
+              <a:rPr lang="zh-CN" altLang="en-US" dirty="0"/>
+              <a:t>我们可以做什么不一样的事情？</a:t>
+            </a:r>
+            <a:endParaRPr lang="en-US" altLang="zh-CN" dirty="0"/>
+          </a:p>
+          <a:p>
+            <a:r>
+              <a:rPr lang="zh-CN" altLang="en-US" dirty="0"/>
+              <a:t>有什么不寻常的事情可以发生？</a:t>
+            </a:r>
+            <a:endParaRPr lang="en-US" altLang="zh-CN" dirty="0"/>
+          </a:p>
+          <a:p>
+            <a:r>
+              <a:rPr lang="zh-CN" altLang="en-US" dirty="0"/>
+              <a:t>怎样才能更有趣？</a:t>
+            </a:r>
+            <a:endParaRPr lang="en-US" altLang="zh-CN" dirty="0"/>
+          </a:p>
+          <a:p>
+            <a:endParaRPr lang="en-US" dirty="0"/>
+          </a:p>
+        </p:txBody>
+      </p:sp>
+      <p:sp>
+        <p:nvSpPr>
+          <p:cNvPr id="4" name="TextBox 3">
+            <a:extLst>
+              <a:ext uri="{FF2B5EF4-FFF2-40B4-BE49-F238E27FC236}">
+                <a16:creationId xmlns:a16="http://schemas.microsoft.com/office/drawing/2014/main" id="{38189547-FB59-4E3B-BC7D-BF8166DA650E}"/>
+              </a:ext>
+            </a:extLst>
+          </p:cNvPr>
+          <p:cNvSpPr txBox="1"/>
+          <p:nvPr/>
+        </p:nvSpPr>
+        <p:spPr>
+          <a:xfrm>
+            <a:off x="6595353" y="1825625"/>
+            <a:ext cx="4476647" cy="646331"/>
+          </a:xfrm>
+          <a:prstGeom prst="rect">
+            <a:avLst/>
+          </a:prstGeom>
+          <a:noFill/>
+        </p:spPr>
+        <p:txBody>
+          <a:bodyPr wrap="square" rtlCol="0">
+            <a:spAutoFit/>
+          </a:bodyPr>
+          <a:lstStyle/>
+          <a:p>
+            <a:pPr marL="0" marR="0" lvl="0" indent="0" algn="l" defTabSz="457200" rtl="0" eaLnBrk="1" fontAlgn="auto" latinLnBrk="0" hangingPunct="1">
+              <a:lnSpc>
+                <a:spcPct val="100000"/>
+              </a:lnSpc>
+              <a:spcBef>
+                <a:spcPts val="0"/>
+              </a:spcBef>
+              <a:spcAft>
+                <a:spcPts val="0"/>
+              </a:spcAft>
+              <a:buClrTx/>
+              <a:buSzTx/>
+              <a:buFontTx/>
+              <a:buNone/>
+              <a:tabLst/>
+              <a:defRPr/>
+            </a:pPr>
+            <a:r>
+              <a:rPr kumimoji="0" lang="zh-CN" altLang="en-US" sz="1800" b="0" i="0" u="none" strike="noStrike" kern="1200" cap="none" spc="0" normalizeH="0" baseline="0" noProof="0" dirty="0">
+                <a:ln>
+                  <a:noFill/>
+                </a:ln>
+                <a:solidFill>
+                  <a:prstClr val="white"/>
+                </a:solidFill>
+                <a:effectLst/>
+                <a:uLnTx/>
+                <a:uFillTx/>
+                <a:latin typeface="Calibri"/>
+                <a:ea typeface="Microsoft YaHei"/>
+                <a:cs typeface="+mn-cs"/>
+              </a:rPr>
+              <a:t>我应该怎么样才能从这个活动中收获更大</a:t>
+            </a:r>
+            <a:r>
+              <a:rPr kumimoji="0" lang="en-US" altLang="zh-CN" sz="1800" b="0" i="0" u="none" strike="noStrike" kern="1200" cap="none" spc="0" normalizeH="0" baseline="0" noProof="0" dirty="0">
+                <a:ln>
+                  <a:noFill/>
+                </a:ln>
+                <a:solidFill>
+                  <a:prstClr val="white"/>
+                </a:solidFill>
+                <a:effectLst/>
+                <a:uLnTx/>
+                <a:uFillTx/>
+                <a:latin typeface="Calibri"/>
+                <a:ea typeface="Microsoft YaHei"/>
+                <a:cs typeface="+mn-cs"/>
+              </a:rPr>
+              <a:t>?</a:t>
+            </a:r>
+          </a:p>
+          <a:p>
+            <a:pPr marL="0" marR="0" lvl="0" indent="0" algn="l" defTabSz="457200" rtl="0" eaLnBrk="1" fontAlgn="auto" latinLnBrk="0" hangingPunct="1">
+              <a:lnSpc>
+                <a:spcPct val="100000"/>
+              </a:lnSpc>
+              <a:spcBef>
+                <a:spcPts val="0"/>
+              </a:spcBef>
+              <a:spcAft>
+                <a:spcPts val="0"/>
+              </a:spcAft>
+              <a:buClrTx/>
+              <a:buSzTx/>
+              <a:buFontTx/>
+              <a:buNone/>
+              <a:tabLst/>
+              <a:defRPr/>
+            </a:pPr>
+            <a:r>
+              <a:rPr kumimoji="0" lang="zh-CN" altLang="en-US" sz="1800" b="0" i="0" u="none" strike="noStrike" kern="1200" cap="none" spc="0" normalizeH="0" baseline="0" noProof="0" dirty="0">
+                <a:ln>
+                  <a:noFill/>
+                </a:ln>
+                <a:solidFill>
+                  <a:prstClr val="white"/>
+                </a:solidFill>
+                <a:effectLst/>
+                <a:uLnTx/>
+                <a:uFillTx/>
+                <a:latin typeface="Calibri"/>
+                <a:ea typeface="Microsoft YaHei"/>
+                <a:cs typeface="+mn-cs"/>
+              </a:rPr>
+              <a:t>既然这样， 为何不再进一步</a:t>
+            </a:r>
+            <a:r>
+              <a:rPr kumimoji="0" lang="en-US" altLang="zh-CN" sz="1800" b="0" i="0" u="none" strike="noStrike" kern="1200" cap="none" spc="0" normalizeH="0" baseline="0" noProof="0" dirty="0">
+                <a:ln>
+                  <a:noFill/>
+                </a:ln>
+                <a:solidFill>
+                  <a:prstClr val="white"/>
+                </a:solidFill>
+                <a:effectLst/>
+                <a:uLnTx/>
+                <a:uFillTx/>
+                <a:latin typeface="Calibri"/>
+                <a:ea typeface="Microsoft YaHei"/>
+                <a:cs typeface="+mn-cs"/>
+              </a:rPr>
+              <a:t>…? </a:t>
+            </a:r>
+            <a:endParaRPr kumimoji="0" lang="en-US" sz="1800" b="0" i="0" u="none" strike="noStrike" kern="1200" cap="none" spc="0" normalizeH="0" baseline="0" noProof="0" dirty="0">
+              <a:ln>
+                <a:noFill/>
+              </a:ln>
+              <a:solidFill>
+                <a:prstClr val="white"/>
+              </a:solidFill>
+              <a:effectLst/>
+              <a:uLnTx/>
+              <a:uFillTx/>
+              <a:latin typeface="Calibri"/>
+              <a:ea typeface="Microsoft YaHei"/>
+              <a:cs typeface="+mn-cs"/>
+            </a:endParaRPr>
+          </a:p>
+        </p:txBody>
+      </p:sp>
+      <p:sp>
+        <p:nvSpPr>
+          <p:cNvPr id="5" name="Rectangle 4">
+            <a:extLst>
+              <a:ext uri="{FF2B5EF4-FFF2-40B4-BE49-F238E27FC236}">
+                <a16:creationId xmlns:a16="http://schemas.microsoft.com/office/drawing/2014/main" id="{5898A5FC-C6FF-40F1-B769-0DECF4B361A4}"/>
+              </a:ext>
+            </a:extLst>
+          </p:cNvPr>
+          <p:cNvSpPr/>
+          <p:nvPr/>
+        </p:nvSpPr>
+        <p:spPr>
+          <a:xfrm>
+            <a:off x="838200" y="6123543"/>
+            <a:ext cx="5493812" cy="369332"/>
+          </a:xfrm>
+          <a:prstGeom prst="rect">
+            <a:avLst/>
+          </a:prstGeom>
+        </p:spPr>
+        <p:txBody>
+          <a:bodyPr wrap="none">
+            <a:spAutoFit/>
+          </a:bodyPr>
+          <a:lstStyle/>
+          <a:p>
+            <a:pPr marL="0" marR="0" lvl="0" indent="0" algn="l" defTabSz="457200" rtl="0" eaLnBrk="1" fontAlgn="auto" latinLnBrk="0" hangingPunct="1">
+              <a:lnSpc>
+                <a:spcPct val="100000"/>
+              </a:lnSpc>
+              <a:spcBef>
+                <a:spcPts val="0"/>
+              </a:spcBef>
+              <a:spcAft>
+                <a:spcPts val="0"/>
+              </a:spcAft>
+              <a:buClrTx/>
+              <a:buSzTx/>
+              <a:buFontTx/>
+              <a:buNone/>
+              <a:tabLst/>
+              <a:defRPr/>
+            </a:pPr>
+            <a:r>
+              <a:rPr kumimoji="0" lang="zh-CN" altLang="en-US" sz="1800" b="1" i="0" u="none" strike="noStrike" kern="1200" cap="none" spc="0" normalizeH="0" baseline="0" noProof="0" dirty="0">
+                <a:ln>
+                  <a:noFill/>
+                </a:ln>
+                <a:solidFill>
+                  <a:srgbClr val="FFC000"/>
+                </a:solidFill>
+                <a:effectLst/>
+                <a:uLnTx/>
+                <a:uFillTx/>
+                <a:latin typeface="Calibri"/>
+                <a:ea typeface="Microsoft YaHei"/>
+                <a:cs typeface="+mn-cs"/>
+              </a:rPr>
+              <a:t>小组：写下一些“对，并且”的想法，提供一些创意</a:t>
+            </a:r>
+            <a:endParaRPr kumimoji="0" lang="en-US" sz="1800" b="1" i="0" u="none" strike="noStrike" kern="1200" cap="none" spc="0" normalizeH="0" baseline="0" noProof="0" dirty="0">
+              <a:ln>
+                <a:noFill/>
+              </a:ln>
+              <a:solidFill>
+                <a:srgbClr val="FFC000"/>
+              </a:solidFill>
+              <a:effectLst/>
+              <a:uLnTx/>
+              <a:uFillTx/>
+              <a:latin typeface="Calibri"/>
+              <a:ea typeface="Microsoft YaHei"/>
+              <a:cs typeface="+mn-cs"/>
+            </a:endParaRPr>
+          </a:p>
+        </p:txBody>
+      </p:sp>
+    </p:spTree>
+    <p:extLst>
+      <p:ext uri="{BB962C8B-B14F-4D97-AF65-F5344CB8AC3E}">
+        <p14:creationId xmlns:p14="http://schemas.microsoft.com/office/powerpoint/2010/main" val="184108523"/>
+      </p:ext>
+    </p:extLst>
+  </p:cSld>
+  <p:clrMapOvr>
+    <a:masterClrMapping/>
+  </p:clrMapOvr>
+</p:sld>
+</file>
+
 <file path=ppt/slides/slide53.xml><?xml version="1.0" encoding="utf-8"?>
 <p:sld xmlns:a="http://schemas.openxmlformats.org/drawingml/2006/main" xmlns:r="http://schemas.openxmlformats.org/officeDocument/2006/relationships" xmlns:p="http://schemas.openxmlformats.org/presentationml/2006/main">
   <p:cSld>
@@ -29309,818 +30022,6 @@
           <p:cNvPr id="2" name="Title 1">
             <a:extLst>
               <a:ext uri="{FF2B5EF4-FFF2-40B4-BE49-F238E27FC236}">
-                <a16:creationId xmlns:a16="http://schemas.microsoft.com/office/drawing/2014/main" id="{2A4F1CC6-9C8D-4829-B5B5-1F57458A0188}"/>
-              </a:ext>
-            </a:extLst>
-          </p:cNvPr>
-          <p:cNvSpPr>
-            <a:spLocks noGrp="1"/>
-          </p:cNvSpPr>
-          <p:nvPr>
-            <p:ph type="title"/>
-          </p:nvPr>
-        </p:nvSpPr>
-        <p:spPr/>
-        <p:txBody>
-          <a:bodyPr>
-            <a:normAutofit/>
-          </a:bodyPr>
-          <a:lstStyle/>
-          <a:p>
-            <a:r>
-              <a:rPr lang="zh-CN" altLang="en-US" dirty="0"/>
-              <a:t>会议的思维活动（</a:t>
-            </a:r>
-            <a:r>
-              <a:rPr lang="en-US" altLang="zh-CN" dirty="0"/>
-              <a:t>2</a:t>
-            </a:r>
-            <a:r>
-              <a:rPr lang="zh-CN" altLang="en-US" dirty="0"/>
-              <a:t>）直觉和感情</a:t>
-            </a:r>
-            <a:endParaRPr lang="en-US" dirty="0"/>
-          </a:p>
-        </p:txBody>
-      </p:sp>
-      <p:sp>
-        <p:nvSpPr>
-          <p:cNvPr id="3" name="Content Placeholder 2">
-            <a:extLst>
-              <a:ext uri="{FF2B5EF4-FFF2-40B4-BE49-F238E27FC236}">
-                <a16:creationId xmlns:a16="http://schemas.microsoft.com/office/drawing/2014/main" id="{417E3E16-EC1F-473E-9D03-B236FE71E927}"/>
-              </a:ext>
-            </a:extLst>
-          </p:cNvPr>
-          <p:cNvSpPr>
-            <a:spLocks noGrp="1"/>
-          </p:cNvSpPr>
-          <p:nvPr>
-            <p:ph idx="1"/>
-          </p:nvPr>
-        </p:nvSpPr>
-        <p:spPr>
-          <a:xfrm>
-            <a:off x="1120000" y="1825625"/>
-            <a:ext cx="5475353" cy="1603375"/>
-          </a:xfrm>
-        </p:spPr>
-        <p:txBody>
-          <a:bodyPr/>
-          <a:lstStyle/>
-          <a:p>
-            <a:r>
-              <a:rPr lang="zh-CN" altLang="en-US" dirty="0"/>
-              <a:t>拨出几分钟让大家表达情绪和直觉</a:t>
-            </a:r>
-            <a:endParaRPr lang="en-US" altLang="zh-CN" dirty="0"/>
-          </a:p>
-          <a:p>
-            <a:r>
-              <a:rPr lang="zh-CN" altLang="en-US" dirty="0"/>
-              <a:t>不必担心是否理性</a:t>
-            </a:r>
-            <a:endParaRPr lang="en-US" altLang="zh-CN" dirty="0"/>
-          </a:p>
-        </p:txBody>
-      </p:sp>
-      <p:sp>
-        <p:nvSpPr>
-          <p:cNvPr id="4" name="TextBox 3">
-            <a:extLst>
-              <a:ext uri="{FF2B5EF4-FFF2-40B4-BE49-F238E27FC236}">
-                <a16:creationId xmlns:a16="http://schemas.microsoft.com/office/drawing/2014/main" id="{38189547-FB59-4E3B-BC7D-BF8166DA650E}"/>
-              </a:ext>
-            </a:extLst>
-          </p:cNvPr>
-          <p:cNvSpPr txBox="1"/>
-          <p:nvPr/>
-        </p:nvSpPr>
-        <p:spPr>
-          <a:xfrm>
-            <a:off x="7782128" y="1825625"/>
-            <a:ext cx="4017523" cy="1200329"/>
-          </a:xfrm>
-          <a:prstGeom prst="rect">
-            <a:avLst/>
-          </a:prstGeom>
-          <a:noFill/>
-        </p:spPr>
-        <p:txBody>
-          <a:bodyPr wrap="square" rtlCol="0">
-            <a:spAutoFit/>
-          </a:bodyPr>
-          <a:lstStyle/>
-          <a:p>
-            <a:pPr marL="0" marR="0" lvl="0" indent="0" algn="l" defTabSz="457200" rtl="0" eaLnBrk="1" fontAlgn="auto" latinLnBrk="0" hangingPunct="1">
-              <a:lnSpc>
-                <a:spcPct val="100000"/>
-              </a:lnSpc>
-              <a:spcBef>
-                <a:spcPts val="0"/>
-              </a:spcBef>
-              <a:spcAft>
-                <a:spcPts val="0"/>
-              </a:spcAft>
-              <a:buClrTx/>
-              <a:buSzTx/>
-              <a:buFontTx/>
-              <a:buNone/>
-              <a:tabLst/>
-              <a:defRPr/>
-            </a:pPr>
-            <a:r>
-              <a:rPr kumimoji="0" lang="zh-CN" altLang="en-US" sz="1800" b="0" i="0" u="none" strike="noStrike" kern="1200" cap="none" spc="0" normalizeH="0" baseline="0" noProof="0" dirty="0">
-                <a:ln>
-                  <a:noFill/>
-                </a:ln>
-                <a:solidFill>
-                  <a:prstClr val="white"/>
-                </a:solidFill>
-                <a:effectLst/>
-                <a:uLnTx/>
-                <a:uFillTx/>
-                <a:latin typeface="Calibri"/>
-                <a:ea typeface="Microsoft YaHei"/>
-                <a:cs typeface="+mn-cs"/>
-              </a:rPr>
-              <a:t>参加这个培训有什么意义？</a:t>
-            </a:r>
-            <a:endParaRPr kumimoji="0" lang="en-US" altLang="zh-CN" sz="1800" b="0" i="0" u="none" strike="noStrike" kern="1200" cap="none" spc="0" normalizeH="0" baseline="0" noProof="0" dirty="0">
-              <a:ln>
-                <a:noFill/>
-              </a:ln>
-              <a:solidFill>
-                <a:prstClr val="white"/>
-              </a:solidFill>
-              <a:effectLst/>
-              <a:uLnTx/>
-              <a:uFillTx/>
-              <a:latin typeface="Calibri"/>
-              <a:ea typeface="Microsoft YaHei"/>
-              <a:cs typeface="+mn-cs"/>
-            </a:endParaRPr>
-          </a:p>
-          <a:p>
-            <a:pPr marL="0" marR="0" lvl="0" indent="0" algn="l" defTabSz="457200" rtl="0" eaLnBrk="1" fontAlgn="auto" latinLnBrk="0" hangingPunct="1">
-              <a:lnSpc>
-                <a:spcPct val="100000"/>
-              </a:lnSpc>
-              <a:spcBef>
-                <a:spcPts val="0"/>
-              </a:spcBef>
-              <a:spcAft>
-                <a:spcPts val="0"/>
-              </a:spcAft>
-              <a:buClrTx/>
-              <a:buSzTx/>
-              <a:buFontTx/>
-              <a:buNone/>
-              <a:tabLst/>
-              <a:defRPr/>
-            </a:pPr>
-            <a:r>
-              <a:rPr kumimoji="0" lang="zh-CN" altLang="en-US" sz="1800" b="0" i="0" u="none" strike="noStrike" kern="1200" cap="none" spc="0" normalizeH="0" baseline="0" noProof="0" dirty="0">
-                <a:ln>
-                  <a:noFill/>
-                </a:ln>
-                <a:solidFill>
-                  <a:prstClr val="white"/>
-                </a:solidFill>
-                <a:effectLst/>
-                <a:uLnTx/>
-                <a:uFillTx/>
-                <a:latin typeface="Calibri"/>
-                <a:ea typeface="Microsoft YaHei"/>
-                <a:cs typeface="+mn-cs"/>
-              </a:rPr>
-              <a:t>我直觉上有什么担心？</a:t>
-            </a:r>
-            <a:endParaRPr kumimoji="0" lang="en-US" altLang="zh-CN" sz="1800" b="0" i="0" u="none" strike="noStrike" kern="1200" cap="none" spc="0" normalizeH="0" baseline="0" noProof="0" dirty="0">
-              <a:ln>
-                <a:noFill/>
-              </a:ln>
-              <a:solidFill>
-                <a:prstClr val="white"/>
-              </a:solidFill>
-              <a:effectLst/>
-              <a:uLnTx/>
-              <a:uFillTx/>
-              <a:latin typeface="Calibri"/>
-              <a:ea typeface="Microsoft YaHei"/>
-              <a:cs typeface="+mn-cs"/>
-            </a:endParaRPr>
-          </a:p>
-          <a:p>
-            <a:pPr marL="0" marR="0" lvl="0" indent="0" algn="l" defTabSz="457200" rtl="0" eaLnBrk="1" fontAlgn="auto" latinLnBrk="0" hangingPunct="1">
-              <a:lnSpc>
-                <a:spcPct val="100000"/>
-              </a:lnSpc>
-              <a:spcBef>
-                <a:spcPts val="0"/>
-              </a:spcBef>
-              <a:spcAft>
-                <a:spcPts val="0"/>
-              </a:spcAft>
-              <a:buClrTx/>
-              <a:buSzTx/>
-              <a:buFontTx/>
-              <a:buNone/>
-              <a:tabLst/>
-              <a:defRPr/>
-            </a:pPr>
-            <a:r>
-              <a:rPr kumimoji="0" lang="zh-CN" altLang="en-US" sz="1800" b="0" i="0" u="none" strike="noStrike" kern="1200" cap="none" spc="0" normalizeH="0" baseline="0" noProof="0" dirty="0">
-                <a:ln>
-                  <a:noFill/>
-                </a:ln>
-                <a:solidFill>
-                  <a:prstClr val="white"/>
-                </a:solidFill>
-                <a:effectLst/>
-                <a:uLnTx/>
-                <a:uFillTx/>
-                <a:latin typeface="Calibri"/>
-                <a:ea typeface="Microsoft YaHei"/>
-                <a:cs typeface="+mn-cs"/>
-              </a:rPr>
-              <a:t>我情绪上有什么期待，不爽？</a:t>
-            </a:r>
-            <a:endParaRPr kumimoji="0" lang="en-US" altLang="zh-CN" sz="1800" b="0" i="0" u="none" strike="noStrike" kern="1200" cap="none" spc="0" normalizeH="0" baseline="0" noProof="0" dirty="0">
-              <a:ln>
-                <a:noFill/>
-              </a:ln>
-              <a:solidFill>
-                <a:prstClr val="white"/>
-              </a:solidFill>
-              <a:effectLst/>
-              <a:uLnTx/>
-              <a:uFillTx/>
-              <a:latin typeface="Calibri"/>
-              <a:ea typeface="Microsoft YaHei"/>
-              <a:cs typeface="+mn-cs"/>
-            </a:endParaRPr>
-          </a:p>
-          <a:p>
-            <a:pPr marL="0" marR="0" lvl="0" indent="0" algn="l" defTabSz="457200" rtl="0" eaLnBrk="1" fontAlgn="auto" latinLnBrk="0" hangingPunct="1">
-              <a:lnSpc>
-                <a:spcPct val="100000"/>
-              </a:lnSpc>
-              <a:spcBef>
-                <a:spcPts val="0"/>
-              </a:spcBef>
-              <a:spcAft>
-                <a:spcPts val="0"/>
-              </a:spcAft>
-              <a:buClrTx/>
-              <a:buSzTx/>
-              <a:buFontTx/>
-              <a:buNone/>
-              <a:tabLst/>
-              <a:defRPr/>
-            </a:pPr>
-            <a:endParaRPr kumimoji="0" lang="en-US" sz="1800" b="0" i="0" u="none" strike="noStrike" kern="1200" cap="none" spc="0" normalizeH="0" baseline="0" noProof="0" dirty="0">
-              <a:ln>
-                <a:noFill/>
-              </a:ln>
-              <a:solidFill>
-                <a:prstClr val="white"/>
-              </a:solidFill>
-              <a:effectLst/>
-              <a:uLnTx/>
-              <a:uFillTx/>
-              <a:latin typeface="Calibri"/>
-              <a:ea typeface="Microsoft YaHei"/>
-              <a:cs typeface="+mn-cs"/>
-            </a:endParaRPr>
-          </a:p>
-        </p:txBody>
-      </p:sp>
-      <p:sp>
-        <p:nvSpPr>
-          <p:cNvPr id="5" name="Rectangle 4">
-            <a:extLst>
-              <a:ext uri="{FF2B5EF4-FFF2-40B4-BE49-F238E27FC236}">
-                <a16:creationId xmlns:a16="http://schemas.microsoft.com/office/drawing/2014/main" id="{C2123BF2-217F-48DB-B8A8-FF9D1DF6D618}"/>
-              </a:ext>
-            </a:extLst>
-          </p:cNvPr>
-          <p:cNvSpPr/>
-          <p:nvPr/>
-        </p:nvSpPr>
-        <p:spPr>
-          <a:xfrm>
-            <a:off x="1120000" y="6123543"/>
-            <a:ext cx="2492990" cy="369332"/>
-          </a:xfrm>
-          <a:prstGeom prst="rect">
-            <a:avLst/>
-          </a:prstGeom>
-        </p:spPr>
-        <p:txBody>
-          <a:bodyPr wrap="none">
-            <a:spAutoFit/>
-          </a:bodyPr>
-          <a:lstStyle/>
-          <a:p>
-            <a:pPr marL="0" marR="0" lvl="0" indent="0" algn="l" defTabSz="457200" rtl="0" eaLnBrk="1" fontAlgn="auto" latinLnBrk="0" hangingPunct="1">
-              <a:lnSpc>
-                <a:spcPct val="100000"/>
-              </a:lnSpc>
-              <a:spcBef>
-                <a:spcPts val="0"/>
-              </a:spcBef>
-              <a:spcAft>
-                <a:spcPts val="0"/>
-              </a:spcAft>
-              <a:buClrTx/>
-              <a:buSzTx/>
-              <a:buFontTx/>
-              <a:buNone/>
-              <a:tabLst/>
-              <a:defRPr/>
-            </a:pPr>
-            <a:r>
-              <a:rPr kumimoji="0" lang="zh-CN" altLang="en-US" sz="1800" b="1" i="0" u="none" strike="noStrike" kern="1200" cap="none" spc="0" normalizeH="0" baseline="0" noProof="0" dirty="0">
-                <a:ln>
-                  <a:noFill/>
-                </a:ln>
-                <a:solidFill>
-                  <a:srgbClr val="FFC000"/>
-                </a:solidFill>
-                <a:effectLst/>
-                <a:uLnTx/>
-                <a:uFillTx/>
-                <a:latin typeface="Calibri"/>
-                <a:ea typeface="Microsoft YaHei"/>
-                <a:cs typeface="+mn-cs"/>
-              </a:rPr>
-              <a:t>小组：写下直觉和感情</a:t>
-            </a:r>
-            <a:endParaRPr kumimoji="0" lang="en-US" sz="1800" b="1" i="0" u="none" strike="noStrike" kern="1200" cap="none" spc="0" normalizeH="0" baseline="0" noProof="0" dirty="0">
-              <a:ln>
-                <a:noFill/>
-              </a:ln>
-              <a:solidFill>
-                <a:srgbClr val="FFC000"/>
-              </a:solidFill>
-              <a:effectLst/>
-              <a:uLnTx/>
-              <a:uFillTx/>
-              <a:latin typeface="Calibri"/>
-              <a:ea typeface="Microsoft YaHei"/>
-              <a:cs typeface="+mn-cs"/>
-            </a:endParaRPr>
-          </a:p>
-        </p:txBody>
-      </p:sp>
-    </p:spTree>
-    <p:extLst>
-      <p:ext uri="{BB962C8B-B14F-4D97-AF65-F5344CB8AC3E}">
-        <p14:creationId xmlns:p14="http://schemas.microsoft.com/office/powerpoint/2010/main" val="1796555868"/>
-      </p:ext>
-    </p:extLst>
-  </p:cSld>
-  <p:clrMapOvr>
-    <a:masterClrMapping/>
-  </p:clrMapOvr>
-</p:sld>
-</file>
-
-<file path=ppt/slides/slide54.xml><?xml version="1.0" encoding="utf-8"?>
-<p:sld xmlns:a="http://schemas.openxmlformats.org/drawingml/2006/main" xmlns:r="http://schemas.openxmlformats.org/officeDocument/2006/relationships" xmlns:p="http://schemas.openxmlformats.org/presentationml/2006/main">
-  <p:cSld>
-    <p:spTree>
-      <p:nvGrpSpPr>
-        <p:cNvPr id="1" name=""/>
-        <p:cNvGrpSpPr/>
-        <p:nvPr/>
-      </p:nvGrpSpPr>
-      <p:grpSpPr>
-        <a:xfrm>
-          <a:off x="0" y="0"/>
-          <a:ext cx="0" cy="0"/>
-          <a:chOff x="0" y="0"/>
-          <a:chExt cx="0" cy="0"/>
-        </a:xfrm>
-      </p:grpSpPr>
-      <p:sp>
-        <p:nvSpPr>
-          <p:cNvPr id="2" name="Title 1">
-            <a:extLst>
-              <a:ext uri="{FF2B5EF4-FFF2-40B4-BE49-F238E27FC236}">
-                <a16:creationId xmlns:a16="http://schemas.microsoft.com/office/drawing/2014/main" id="{2A4F1CC6-9C8D-4829-B5B5-1F57458A0188}"/>
-              </a:ext>
-            </a:extLst>
-          </p:cNvPr>
-          <p:cNvSpPr>
-            <a:spLocks noGrp="1"/>
-          </p:cNvSpPr>
-          <p:nvPr>
-            <p:ph type="title"/>
-          </p:nvPr>
-        </p:nvSpPr>
-        <p:spPr/>
-        <p:txBody>
-          <a:bodyPr/>
-          <a:lstStyle/>
-          <a:p>
-            <a:r>
-              <a:rPr lang="zh-CN" altLang="en-US" dirty="0"/>
-              <a:t>会议的思维活动（</a:t>
-            </a:r>
-            <a:r>
-              <a:rPr lang="en-US" altLang="zh-CN" dirty="0"/>
-              <a:t>3</a:t>
-            </a:r>
-            <a:r>
-              <a:rPr lang="zh-CN" altLang="en-US" dirty="0"/>
-              <a:t>）乐观角度</a:t>
-            </a:r>
-            <a:endParaRPr lang="en-US" dirty="0"/>
-          </a:p>
-        </p:txBody>
-      </p:sp>
-      <p:sp>
-        <p:nvSpPr>
-          <p:cNvPr id="3" name="Content Placeholder 2">
-            <a:extLst>
-              <a:ext uri="{FF2B5EF4-FFF2-40B4-BE49-F238E27FC236}">
-                <a16:creationId xmlns:a16="http://schemas.microsoft.com/office/drawing/2014/main" id="{417E3E16-EC1F-473E-9D03-B236FE71E927}"/>
-              </a:ext>
-            </a:extLst>
-          </p:cNvPr>
-          <p:cNvSpPr>
-            <a:spLocks noGrp="1"/>
-          </p:cNvSpPr>
-          <p:nvPr>
-            <p:ph idx="1"/>
-          </p:nvPr>
-        </p:nvSpPr>
-        <p:spPr>
-          <a:xfrm>
-            <a:off x="1120000" y="1825625"/>
-            <a:ext cx="5475353" cy="3330035"/>
-          </a:xfrm>
-        </p:spPr>
-        <p:txBody>
-          <a:bodyPr>
-            <a:normAutofit fontScale="77500" lnSpcReduction="20000"/>
-          </a:bodyPr>
-          <a:lstStyle/>
-          <a:p>
-            <a:r>
-              <a:rPr lang="zh-CN" altLang="en-US" dirty="0"/>
-              <a:t>从乐观的角度分析问题</a:t>
-            </a:r>
-            <a:endParaRPr lang="en-US" altLang="zh-CN" dirty="0"/>
-          </a:p>
-          <a:p>
-            <a:r>
-              <a:rPr lang="zh-CN" altLang="en-US" dirty="0"/>
-              <a:t>“对，并且</a:t>
-            </a:r>
-            <a:r>
-              <a:rPr lang="en-US" altLang="zh-CN" dirty="0"/>
-              <a:t>…</a:t>
-            </a:r>
-            <a:r>
-              <a:rPr lang="zh-CN" altLang="en-US" dirty="0"/>
-              <a:t>”</a:t>
-            </a:r>
-            <a:endParaRPr lang="en-US" altLang="zh-CN" dirty="0"/>
-          </a:p>
-          <a:p>
-            <a:r>
-              <a:rPr lang="zh-CN" altLang="en-US" dirty="0"/>
-              <a:t>“对，而且</a:t>
-            </a:r>
-            <a:r>
-              <a:rPr lang="en-US" altLang="zh-CN" dirty="0"/>
-              <a:t>…</a:t>
-            </a:r>
-            <a:r>
-              <a:rPr lang="zh-CN" altLang="en-US" dirty="0"/>
-              <a:t>”</a:t>
-            </a:r>
-            <a:endParaRPr lang="en-US" altLang="zh-CN" dirty="0"/>
-          </a:p>
-          <a:p>
-            <a:r>
-              <a:rPr lang="zh-CN" altLang="en-US" dirty="0"/>
-              <a:t>“对，另外</a:t>
-            </a:r>
-            <a:r>
-              <a:rPr lang="en-US" altLang="zh-CN" dirty="0"/>
-              <a:t>…</a:t>
-            </a:r>
-            <a:r>
-              <a:rPr lang="zh-CN" altLang="en-US" dirty="0"/>
-              <a:t>”</a:t>
-            </a:r>
-            <a:endParaRPr lang="en-US" altLang="zh-CN" dirty="0"/>
-          </a:p>
-          <a:p>
-            <a:r>
-              <a:rPr lang="zh-CN" altLang="en-US" dirty="0"/>
-              <a:t>“对，还有</a:t>
-            </a:r>
-            <a:r>
-              <a:rPr lang="en-US" altLang="zh-CN" dirty="0"/>
-              <a:t>…”</a:t>
-            </a:r>
-          </a:p>
-          <a:p>
-            <a:endParaRPr lang="en-US" altLang="zh-CN" dirty="0"/>
-          </a:p>
-          <a:p>
-            <a:r>
-              <a:rPr lang="zh-CN" altLang="en-US" dirty="0"/>
-              <a:t>我们可以做什么不一样的事情？</a:t>
-            </a:r>
-            <a:endParaRPr lang="en-US" altLang="zh-CN" dirty="0"/>
-          </a:p>
-          <a:p>
-            <a:r>
-              <a:rPr lang="zh-CN" altLang="en-US" dirty="0"/>
-              <a:t>有什么不寻常的事情可以发生？</a:t>
-            </a:r>
-            <a:endParaRPr lang="en-US" altLang="zh-CN" dirty="0"/>
-          </a:p>
-          <a:p>
-            <a:r>
-              <a:rPr lang="zh-CN" altLang="en-US" dirty="0"/>
-              <a:t>怎样才能更有趣？</a:t>
-            </a:r>
-            <a:endParaRPr lang="en-US" altLang="zh-CN" dirty="0"/>
-          </a:p>
-          <a:p>
-            <a:endParaRPr lang="en-US" dirty="0"/>
-          </a:p>
-        </p:txBody>
-      </p:sp>
-      <p:sp>
-        <p:nvSpPr>
-          <p:cNvPr id="4" name="TextBox 3">
-            <a:extLst>
-              <a:ext uri="{FF2B5EF4-FFF2-40B4-BE49-F238E27FC236}">
-                <a16:creationId xmlns:a16="http://schemas.microsoft.com/office/drawing/2014/main" id="{38189547-FB59-4E3B-BC7D-BF8166DA650E}"/>
-              </a:ext>
-            </a:extLst>
-          </p:cNvPr>
-          <p:cNvSpPr txBox="1"/>
-          <p:nvPr/>
-        </p:nvSpPr>
-        <p:spPr>
-          <a:xfrm>
-            <a:off x="6595353" y="1825625"/>
-            <a:ext cx="4476647" cy="646331"/>
-          </a:xfrm>
-          <a:prstGeom prst="rect">
-            <a:avLst/>
-          </a:prstGeom>
-          <a:noFill/>
-        </p:spPr>
-        <p:txBody>
-          <a:bodyPr wrap="square" rtlCol="0">
-            <a:spAutoFit/>
-          </a:bodyPr>
-          <a:lstStyle/>
-          <a:p>
-            <a:pPr marL="0" marR="0" lvl="0" indent="0" algn="l" defTabSz="457200" rtl="0" eaLnBrk="1" fontAlgn="auto" latinLnBrk="0" hangingPunct="1">
-              <a:lnSpc>
-                <a:spcPct val="100000"/>
-              </a:lnSpc>
-              <a:spcBef>
-                <a:spcPts val="0"/>
-              </a:spcBef>
-              <a:spcAft>
-                <a:spcPts val="0"/>
-              </a:spcAft>
-              <a:buClrTx/>
-              <a:buSzTx/>
-              <a:buFontTx/>
-              <a:buNone/>
-              <a:tabLst/>
-              <a:defRPr/>
-            </a:pPr>
-            <a:r>
-              <a:rPr kumimoji="0" lang="zh-CN" altLang="en-US" sz="1800" b="0" i="0" u="none" strike="noStrike" kern="1200" cap="none" spc="0" normalizeH="0" baseline="0" noProof="0" dirty="0">
-                <a:ln>
-                  <a:noFill/>
-                </a:ln>
-                <a:solidFill>
-                  <a:prstClr val="white"/>
-                </a:solidFill>
-                <a:effectLst/>
-                <a:uLnTx/>
-                <a:uFillTx/>
-                <a:latin typeface="Calibri"/>
-                <a:ea typeface="Microsoft YaHei"/>
-                <a:cs typeface="+mn-cs"/>
-              </a:rPr>
-              <a:t>我应该怎么样才能从这个活动中收获更大</a:t>
-            </a:r>
-            <a:r>
-              <a:rPr kumimoji="0" lang="en-US" altLang="zh-CN" sz="1800" b="0" i="0" u="none" strike="noStrike" kern="1200" cap="none" spc="0" normalizeH="0" baseline="0" noProof="0" dirty="0">
-                <a:ln>
-                  <a:noFill/>
-                </a:ln>
-                <a:solidFill>
-                  <a:prstClr val="white"/>
-                </a:solidFill>
-                <a:effectLst/>
-                <a:uLnTx/>
-                <a:uFillTx/>
-                <a:latin typeface="Calibri"/>
-                <a:ea typeface="Microsoft YaHei"/>
-                <a:cs typeface="+mn-cs"/>
-              </a:rPr>
-              <a:t>?</a:t>
-            </a:r>
-          </a:p>
-          <a:p>
-            <a:pPr marL="0" marR="0" lvl="0" indent="0" algn="l" defTabSz="457200" rtl="0" eaLnBrk="1" fontAlgn="auto" latinLnBrk="0" hangingPunct="1">
-              <a:lnSpc>
-                <a:spcPct val="100000"/>
-              </a:lnSpc>
-              <a:spcBef>
-                <a:spcPts val="0"/>
-              </a:spcBef>
-              <a:spcAft>
-                <a:spcPts val="0"/>
-              </a:spcAft>
-              <a:buClrTx/>
-              <a:buSzTx/>
-              <a:buFontTx/>
-              <a:buNone/>
-              <a:tabLst/>
-              <a:defRPr/>
-            </a:pPr>
-            <a:r>
-              <a:rPr kumimoji="0" lang="zh-CN" altLang="en-US" sz="1800" b="0" i="0" u="none" strike="noStrike" kern="1200" cap="none" spc="0" normalizeH="0" baseline="0" noProof="0" dirty="0">
-                <a:ln>
-                  <a:noFill/>
-                </a:ln>
-                <a:solidFill>
-                  <a:prstClr val="white"/>
-                </a:solidFill>
-                <a:effectLst/>
-                <a:uLnTx/>
-                <a:uFillTx/>
-                <a:latin typeface="Calibri"/>
-                <a:ea typeface="Microsoft YaHei"/>
-                <a:cs typeface="+mn-cs"/>
-              </a:rPr>
-              <a:t>既然这样， 为何不再进一步</a:t>
-            </a:r>
-            <a:r>
-              <a:rPr kumimoji="0" lang="en-US" altLang="zh-CN" sz="1800" b="0" i="0" u="none" strike="noStrike" kern="1200" cap="none" spc="0" normalizeH="0" baseline="0" noProof="0" dirty="0">
-                <a:ln>
-                  <a:noFill/>
-                </a:ln>
-                <a:solidFill>
-                  <a:prstClr val="white"/>
-                </a:solidFill>
-                <a:effectLst/>
-                <a:uLnTx/>
-                <a:uFillTx/>
-                <a:latin typeface="Calibri"/>
-                <a:ea typeface="Microsoft YaHei"/>
-                <a:cs typeface="+mn-cs"/>
-              </a:rPr>
-              <a:t>…? </a:t>
-            </a:r>
-            <a:endParaRPr kumimoji="0" lang="en-US" sz="1800" b="0" i="0" u="none" strike="noStrike" kern="1200" cap="none" spc="0" normalizeH="0" baseline="0" noProof="0" dirty="0">
-              <a:ln>
-                <a:noFill/>
-              </a:ln>
-              <a:solidFill>
-                <a:prstClr val="white"/>
-              </a:solidFill>
-              <a:effectLst/>
-              <a:uLnTx/>
-              <a:uFillTx/>
-              <a:latin typeface="Calibri"/>
-              <a:ea typeface="Microsoft YaHei"/>
-              <a:cs typeface="+mn-cs"/>
-            </a:endParaRPr>
-          </a:p>
-        </p:txBody>
-      </p:sp>
-      <p:sp>
-        <p:nvSpPr>
-          <p:cNvPr id="5" name="Rectangle 4">
-            <a:extLst>
-              <a:ext uri="{FF2B5EF4-FFF2-40B4-BE49-F238E27FC236}">
-                <a16:creationId xmlns:a16="http://schemas.microsoft.com/office/drawing/2014/main" id="{5898A5FC-C6FF-40F1-B769-0DECF4B361A4}"/>
-              </a:ext>
-            </a:extLst>
-          </p:cNvPr>
-          <p:cNvSpPr/>
-          <p:nvPr/>
-        </p:nvSpPr>
-        <p:spPr>
-          <a:xfrm>
-            <a:off x="838200" y="6123543"/>
-            <a:ext cx="5493812" cy="369332"/>
-          </a:xfrm>
-          <a:prstGeom prst="rect">
-            <a:avLst/>
-          </a:prstGeom>
-        </p:spPr>
-        <p:txBody>
-          <a:bodyPr wrap="none">
-            <a:spAutoFit/>
-          </a:bodyPr>
-          <a:lstStyle/>
-          <a:p>
-            <a:pPr marL="0" marR="0" lvl="0" indent="0" algn="l" defTabSz="457200" rtl="0" eaLnBrk="1" fontAlgn="auto" latinLnBrk="0" hangingPunct="1">
-              <a:lnSpc>
-                <a:spcPct val="100000"/>
-              </a:lnSpc>
-              <a:spcBef>
-                <a:spcPts val="0"/>
-              </a:spcBef>
-              <a:spcAft>
-                <a:spcPts val="0"/>
-              </a:spcAft>
-              <a:buClrTx/>
-              <a:buSzTx/>
-              <a:buFontTx/>
-              <a:buNone/>
-              <a:tabLst/>
-              <a:defRPr/>
-            </a:pPr>
-            <a:r>
-              <a:rPr kumimoji="0" lang="zh-CN" altLang="en-US" sz="1800" b="1" i="0" u="none" strike="noStrike" kern="1200" cap="none" spc="0" normalizeH="0" baseline="0" noProof="0" dirty="0">
-                <a:ln>
-                  <a:noFill/>
-                </a:ln>
-                <a:solidFill>
-                  <a:srgbClr val="FFC000"/>
-                </a:solidFill>
-                <a:effectLst/>
-                <a:uLnTx/>
-                <a:uFillTx/>
-                <a:latin typeface="Calibri"/>
-                <a:ea typeface="Microsoft YaHei"/>
-                <a:cs typeface="+mn-cs"/>
-              </a:rPr>
-              <a:t>小组：写下一些“对，并且”的想法，提供一些创意</a:t>
-            </a:r>
-            <a:endParaRPr kumimoji="0" lang="en-US" sz="1800" b="1" i="0" u="none" strike="noStrike" kern="1200" cap="none" spc="0" normalizeH="0" baseline="0" noProof="0" dirty="0">
-              <a:ln>
-                <a:noFill/>
-              </a:ln>
-              <a:solidFill>
-                <a:srgbClr val="FFC000"/>
-              </a:solidFill>
-              <a:effectLst/>
-              <a:uLnTx/>
-              <a:uFillTx/>
-              <a:latin typeface="Calibri"/>
-              <a:ea typeface="Microsoft YaHei"/>
-              <a:cs typeface="+mn-cs"/>
-            </a:endParaRPr>
-          </a:p>
-        </p:txBody>
-      </p:sp>
-    </p:spTree>
-    <p:extLst>
-      <p:ext uri="{BB962C8B-B14F-4D97-AF65-F5344CB8AC3E}">
-        <p14:creationId xmlns:p14="http://schemas.microsoft.com/office/powerpoint/2010/main" val="184108523"/>
-      </p:ext>
-    </p:extLst>
-  </p:cSld>
-  <p:clrMapOvr>
-    <a:masterClrMapping/>
-  </p:clrMapOvr>
-</p:sld>
-</file>
-
-<file path=ppt/slides/slide55.xml><?xml version="1.0" encoding="utf-8"?>
-<p:sld xmlns:a="http://schemas.openxmlformats.org/drawingml/2006/main" xmlns:r="http://schemas.openxmlformats.org/officeDocument/2006/relationships" xmlns:p="http://schemas.openxmlformats.org/presentationml/2006/main">
-  <p:cSld>
-    <p:spTree>
-      <p:nvGrpSpPr>
-        <p:cNvPr id="1" name=""/>
-        <p:cNvGrpSpPr/>
-        <p:nvPr/>
-      </p:nvGrpSpPr>
-      <p:grpSpPr>
-        <a:xfrm>
-          <a:off x="0" y="0"/>
-          <a:ext cx="0" cy="0"/>
-          <a:chOff x="0" y="0"/>
-          <a:chExt cx="0" cy="0"/>
-        </a:xfrm>
-      </p:grpSpPr>
-      <p:sp>
-        <p:nvSpPr>
-          <p:cNvPr id="2" name="Title 1">
-            <a:extLst>
-              <a:ext uri="{FF2B5EF4-FFF2-40B4-BE49-F238E27FC236}">
                 <a16:creationId xmlns:a16="http://schemas.microsoft.com/office/drawing/2014/main" id="{DBC0037C-772E-407B-9C2D-7FF88F7F6B5B}"/>
               </a:ext>
             </a:extLst>
@@ -30233,7 +30134,7 @@
 </p:sld>
 </file>
 
-<file path=ppt/slides/slide56.xml><?xml version="1.0" encoding="utf-8"?>
+<file path=ppt/slides/slide54.xml><?xml version="1.0" encoding="utf-8"?>
 <p:sld xmlns:a="http://schemas.openxmlformats.org/drawingml/2006/main" xmlns:r="http://schemas.openxmlformats.org/officeDocument/2006/relationships" xmlns:p="http://schemas.openxmlformats.org/presentationml/2006/main">
   <p:cSld>
     <p:spTree>
@@ -30755,7 +30656,7 @@
 </p:sld>
 </file>
 
-<file path=ppt/slides/slide57.xml><?xml version="1.0" encoding="utf-8"?>
+<file path=ppt/slides/slide55.xml><?xml version="1.0" encoding="utf-8"?>
 <p:sld xmlns:a="http://schemas.openxmlformats.org/drawingml/2006/main" xmlns:r="http://schemas.openxmlformats.org/officeDocument/2006/relationships" xmlns:p="http://schemas.openxmlformats.org/presentationml/2006/main">
   <p:cSld>
     <p:bg>
@@ -30763,7 +30664,6 @@
         <a:blipFill dpi="0" rotWithShape="1">
           <a:blip r:embed="rId2">
             <a:lum/>
-            <a:extLst/>
           </a:blip>
           <a:srcRect/>
           <a:stretch>
@@ -31153,6 +31053,485 @@
 </p:sld>
 </file>
 
+<file path=ppt/slides/slide56.xml><?xml version="1.0" encoding="utf-8"?>
+<p:sld xmlns:a="http://schemas.openxmlformats.org/drawingml/2006/main" xmlns:r="http://schemas.openxmlformats.org/officeDocument/2006/relationships" xmlns:p="http://schemas.openxmlformats.org/presentationml/2006/main">
+  <p:cSld>
+    <p:spTree>
+      <p:nvGrpSpPr>
+        <p:cNvPr id="1" name=""/>
+        <p:cNvGrpSpPr/>
+        <p:nvPr/>
+      </p:nvGrpSpPr>
+      <p:grpSpPr>
+        <a:xfrm>
+          <a:off x="0" y="0"/>
+          <a:ext cx="0" cy="0"/>
+          <a:chOff x="0" y="0"/>
+          <a:chExt cx="0" cy="0"/>
+        </a:xfrm>
+      </p:grpSpPr>
+      <p:sp>
+        <p:nvSpPr>
+          <p:cNvPr id="2" name="Title 1"/>
+          <p:cNvSpPr>
+            <a:spLocks noGrp="1"/>
+          </p:cNvSpPr>
+          <p:nvPr>
+            <p:ph type="title"/>
+          </p:nvPr>
+        </p:nvSpPr>
+        <p:spPr/>
+        <p:txBody>
+          <a:bodyPr/>
+          <a:lstStyle/>
+          <a:p>
+            <a:r>
+              <a:rPr lang="en-US" dirty="0"/>
+              <a:t>Exercise</a:t>
+            </a:r>
+          </a:p>
+        </p:txBody>
+      </p:sp>
+      <p:sp>
+        <p:nvSpPr>
+          <p:cNvPr id="3" name="Content Placeholder 2"/>
+          <p:cNvSpPr>
+            <a:spLocks noGrp="1"/>
+          </p:cNvSpPr>
+          <p:nvPr>
+            <p:ph idx="1"/>
+          </p:nvPr>
+        </p:nvSpPr>
+        <p:spPr>
+          <a:xfrm>
+            <a:off x="1120000" y="1825625"/>
+            <a:ext cx="5052200" cy="4351338"/>
+          </a:xfrm>
+        </p:spPr>
+        <p:txBody>
+          <a:bodyPr/>
+          <a:lstStyle/>
+          <a:p>
+            <a:r>
+              <a:rPr lang="en-US" dirty="0"/>
+              <a:t>PM  </a:t>
+            </a:r>
+            <a:r>
+              <a:rPr lang="zh-CN" altLang="en-US" dirty="0"/>
+              <a:t>在敏捷开发模式中负责和用户打交道， 为自己的团队争取最大的短期和长期利益。</a:t>
+            </a:r>
+            <a:endParaRPr lang="en-US" dirty="0"/>
+          </a:p>
+          <a:p>
+            <a:r>
+              <a:rPr lang="en-US" dirty="0"/>
+              <a:t> </a:t>
+            </a:r>
+            <a:r>
+              <a:rPr lang="zh-CN" altLang="en-US" dirty="0"/>
+              <a:t>在软件兼职项目中，有很多不同的任务和完成任务的条件，下面的任务都有什么样的风险</a:t>
+            </a:r>
+            <a:r>
+              <a:rPr lang="en-US" dirty="0"/>
+              <a:t>?  </a:t>
+            </a:r>
+            <a:r>
+              <a:rPr lang="zh-CN" altLang="en-US" dirty="0"/>
+              <a:t>你如何应对</a:t>
+            </a:r>
+            <a:r>
+              <a:rPr lang="en-US" dirty="0"/>
+              <a:t>?  </a:t>
+            </a:r>
+            <a:r>
+              <a:rPr lang="zh-CN" altLang="en-US" dirty="0"/>
+              <a:t>你作为团队的</a:t>
+            </a:r>
+            <a:r>
+              <a:rPr lang="en-US" dirty="0"/>
+              <a:t>PM  </a:t>
+            </a:r>
+            <a:r>
+              <a:rPr lang="zh-CN" altLang="en-US" dirty="0"/>
+              <a:t>你决定接手这个项目么</a:t>
+            </a:r>
+            <a:r>
+              <a:rPr lang="en-US" dirty="0"/>
+              <a:t>? </a:t>
+            </a:r>
+          </a:p>
+          <a:p>
+            <a:r>
+              <a:rPr lang="en-US" dirty="0"/>
+              <a:t>  </a:t>
+            </a:r>
+          </a:p>
+          <a:p>
+            <a:pPr marL="0" indent="0">
+              <a:buNone/>
+            </a:pPr>
+            <a:endParaRPr lang="en-US" dirty="0"/>
+          </a:p>
+        </p:txBody>
+      </p:sp>
+      <p:sp>
+        <p:nvSpPr>
+          <p:cNvPr id="4" name="TextBox 3">
+            <a:extLst>
+              <a:ext uri="{FF2B5EF4-FFF2-40B4-BE49-F238E27FC236}">
+                <a16:creationId xmlns:a16="http://schemas.microsoft.com/office/drawing/2014/main" id="{E1FBD344-3558-4F9A-8582-20F723F5FC26}"/>
+              </a:ext>
+            </a:extLst>
+          </p:cNvPr>
+          <p:cNvSpPr txBox="1"/>
+          <p:nvPr/>
+        </p:nvSpPr>
+        <p:spPr>
+          <a:xfrm>
+            <a:off x="6553200" y="1905000"/>
+            <a:ext cx="4518800" cy="3970318"/>
+          </a:xfrm>
+          <a:prstGeom prst="rect">
+            <a:avLst/>
+          </a:prstGeom>
+          <a:noFill/>
+        </p:spPr>
+        <p:txBody>
+          <a:bodyPr wrap="square" rtlCol="0">
+            <a:spAutoFit/>
+          </a:bodyPr>
+          <a:lstStyle/>
+          <a:p>
+            <a:pPr lvl="0"/>
+            <a:r>
+              <a:rPr lang="zh-CN" altLang="en-US" b="1" dirty="0"/>
+              <a:t>案例：</a:t>
+            </a:r>
+            <a:endParaRPr lang="en-US" altLang="zh-CN" b="1" dirty="0"/>
+          </a:p>
+          <a:p>
+            <a:pPr lvl="0"/>
+            <a:r>
+              <a:rPr lang="zh-CN" altLang="en-US" dirty="0"/>
+              <a:t>你发现跟你联系的</a:t>
+            </a:r>
+            <a:r>
+              <a:rPr lang="en-US" dirty="0"/>
+              <a:t>”</a:t>
+            </a:r>
+            <a:r>
+              <a:rPr lang="zh-CN" altLang="en-US" dirty="0"/>
+              <a:t>客户</a:t>
+            </a:r>
+            <a:r>
+              <a:rPr lang="en-US" dirty="0"/>
+              <a:t>” </a:t>
+            </a:r>
+            <a:r>
+              <a:rPr lang="zh-CN" altLang="en-US" dirty="0"/>
+              <a:t>不是真的客户， 而是转手把他接到的活转包给你了，但是你见不到用户，你只跟转包的二道贩子交流。</a:t>
+            </a:r>
+            <a:endParaRPr lang="en-US" altLang="zh-CN" dirty="0"/>
+          </a:p>
+          <a:p>
+            <a:pPr lvl="0"/>
+            <a:r>
+              <a:rPr lang="zh-CN" altLang="en-US" dirty="0"/>
+              <a:t> </a:t>
+            </a:r>
+            <a:endParaRPr lang="en-US" dirty="0"/>
+          </a:p>
+          <a:p>
+            <a:pPr lvl="0"/>
+            <a:r>
+              <a:rPr lang="zh-CN" altLang="en-US" dirty="0"/>
+              <a:t>用户声称这是一个</a:t>
+            </a:r>
+            <a:r>
+              <a:rPr lang="en-US" dirty="0"/>
+              <a:t> "</a:t>
+            </a:r>
+            <a:r>
+              <a:rPr lang="zh-CN" altLang="en-US" dirty="0"/>
+              <a:t>小案子</a:t>
+            </a:r>
+            <a:r>
+              <a:rPr lang="en-US" dirty="0"/>
+              <a:t>",   "</a:t>
+            </a:r>
+            <a:r>
+              <a:rPr lang="zh-CN" altLang="en-US" dirty="0"/>
+              <a:t>用开源程序改一下就行</a:t>
+            </a:r>
+            <a:r>
+              <a:rPr lang="en-US" dirty="0"/>
+              <a:t>"</a:t>
+            </a:r>
+            <a:r>
+              <a:rPr lang="zh-CN" altLang="en-US" dirty="0"/>
+              <a:t>。</a:t>
+            </a:r>
+            <a:endParaRPr lang="en-US" altLang="zh-CN" dirty="0"/>
+          </a:p>
+          <a:p>
+            <a:pPr lvl="0"/>
+            <a:endParaRPr lang="en-US" dirty="0"/>
+          </a:p>
+          <a:p>
+            <a:pPr lvl="0"/>
+            <a:r>
+              <a:rPr lang="zh-CN" altLang="en-US" dirty="0"/>
+              <a:t>客户声称</a:t>
+            </a:r>
+            <a:r>
+              <a:rPr lang="en-US" dirty="0"/>
+              <a:t>  “</a:t>
+            </a:r>
+            <a:r>
+              <a:rPr lang="zh-CN" altLang="en-US" dirty="0"/>
+              <a:t>目前钱不多， 但是优秀者以后会给股份</a:t>
+            </a:r>
+            <a:r>
+              <a:rPr lang="en-US" dirty="0"/>
+              <a:t>"</a:t>
+            </a:r>
+          </a:p>
+          <a:p>
+            <a:pPr lvl="0"/>
+            <a:r>
+              <a:rPr lang="zh-CN" altLang="en-US" dirty="0"/>
+              <a:t>客户不签合同</a:t>
+            </a:r>
+            <a:r>
+              <a:rPr lang="en-US" dirty="0"/>
+              <a:t>, </a:t>
+            </a:r>
+            <a:r>
+              <a:rPr lang="zh-CN" altLang="en-US" dirty="0"/>
+              <a:t>不给预付金。 </a:t>
+            </a:r>
+            <a:endParaRPr lang="en-US" dirty="0"/>
+          </a:p>
+          <a:p>
+            <a:endParaRPr lang="en-US" dirty="0"/>
+          </a:p>
+          <a:p>
+            <a:endParaRPr lang="en-US" dirty="0"/>
+          </a:p>
+        </p:txBody>
+      </p:sp>
+    </p:spTree>
+  </p:cSld>
+  <p:clrMapOvr>
+    <a:masterClrMapping/>
+  </p:clrMapOvr>
+</p:sld>
+</file>
+
+<file path=ppt/slides/slide57.xml><?xml version="1.0" encoding="utf-8"?>
+<p:sld xmlns:a="http://schemas.openxmlformats.org/drawingml/2006/main" xmlns:r="http://schemas.openxmlformats.org/officeDocument/2006/relationships" xmlns:p="http://schemas.openxmlformats.org/presentationml/2006/main">
+  <p:cSld>
+    <p:spTree>
+      <p:nvGrpSpPr>
+        <p:cNvPr id="1" name=""/>
+        <p:cNvGrpSpPr/>
+        <p:nvPr/>
+      </p:nvGrpSpPr>
+      <p:grpSpPr>
+        <a:xfrm>
+          <a:off x="0" y="0"/>
+          <a:ext cx="0" cy="0"/>
+          <a:chOff x="0" y="0"/>
+          <a:chExt cx="0" cy="0"/>
+        </a:xfrm>
+      </p:grpSpPr>
+      <p:sp>
+        <p:nvSpPr>
+          <p:cNvPr id="2" name="Title 1"/>
+          <p:cNvSpPr>
+            <a:spLocks noGrp="1"/>
+          </p:cNvSpPr>
+          <p:nvPr>
+            <p:ph type="title"/>
+          </p:nvPr>
+        </p:nvSpPr>
+        <p:spPr/>
+        <p:txBody>
+          <a:bodyPr/>
+          <a:lstStyle/>
+          <a:p>
+            <a:r>
+              <a:rPr lang="en-US" dirty="0"/>
+              <a:t>Exercise</a:t>
+            </a:r>
+          </a:p>
+        </p:txBody>
+      </p:sp>
+      <p:sp>
+        <p:nvSpPr>
+          <p:cNvPr id="3" name="Content Placeholder 2"/>
+          <p:cNvSpPr>
+            <a:spLocks noGrp="1"/>
+          </p:cNvSpPr>
+          <p:nvPr>
+            <p:ph idx="1"/>
+          </p:nvPr>
+        </p:nvSpPr>
+        <p:spPr/>
+        <p:txBody>
+          <a:bodyPr/>
+          <a:lstStyle/>
+          <a:p>
+            <a:r>
+              <a:rPr lang="en-US" altLang="zh-CN" dirty="0"/>
+              <a:t>PM </a:t>
+            </a:r>
+            <a:r>
+              <a:rPr lang="zh-CN" altLang="en-US" dirty="0"/>
+              <a:t>对项目所有功能的把握</a:t>
+            </a:r>
+            <a:r>
+              <a:rPr lang="en-US" altLang="zh-CN" dirty="0"/>
+              <a:t>, </a:t>
+            </a:r>
+            <a:r>
+              <a:rPr lang="zh-CN" altLang="en-US" dirty="0"/>
+              <a:t>特别是</a:t>
+            </a:r>
+            <a:r>
+              <a:rPr lang="en-US" altLang="zh-CN" dirty="0"/>
+              <a:t>UX</a:t>
+            </a:r>
+          </a:p>
+          <a:p>
+            <a:pPr lvl="1"/>
+            <a:r>
+              <a:rPr lang="zh-CN" altLang="en-US" dirty="0"/>
+              <a:t>最差的</a:t>
+            </a:r>
+            <a:r>
+              <a:rPr lang="en-US" altLang="zh-CN" dirty="0"/>
+              <a:t>UX, </a:t>
+            </a:r>
+            <a:r>
+              <a:rPr lang="zh-CN" altLang="en-US" dirty="0"/>
+              <a:t>体现了团队的组织架构</a:t>
+            </a:r>
+            <a:endParaRPr lang="en-US" altLang="zh-CN" dirty="0"/>
+          </a:p>
+          <a:p>
+            <a:pPr lvl="1"/>
+            <a:r>
+              <a:rPr lang="zh-CN" altLang="en-US" dirty="0"/>
+              <a:t>其次</a:t>
+            </a:r>
+            <a:r>
+              <a:rPr lang="en-US" altLang="zh-CN" dirty="0"/>
+              <a:t>, </a:t>
+            </a:r>
+            <a:r>
+              <a:rPr lang="zh-CN" altLang="en-US" dirty="0"/>
+              <a:t>体现了产品的内部结构</a:t>
+            </a:r>
+            <a:endParaRPr lang="en-US" altLang="zh-CN" dirty="0"/>
+          </a:p>
+          <a:p>
+            <a:pPr lvl="1"/>
+            <a:r>
+              <a:rPr lang="zh-CN" altLang="en-US" dirty="0"/>
+              <a:t>最好</a:t>
+            </a:r>
+            <a:r>
+              <a:rPr lang="en-US" altLang="zh-CN" dirty="0"/>
+              <a:t>, </a:t>
+            </a:r>
+            <a:r>
+              <a:rPr lang="zh-CN" altLang="en-US" dirty="0"/>
+              <a:t>体现了用户的自然需求</a:t>
+            </a:r>
+            <a:endParaRPr lang="en-US" altLang="zh-CN" dirty="0"/>
+          </a:p>
+          <a:p>
+            <a:pPr lvl="1"/>
+            <a:endParaRPr lang="en-US" dirty="0"/>
+          </a:p>
+          <a:p>
+            <a:r>
+              <a:rPr lang="zh-CN" altLang="en-US" dirty="0"/>
+              <a:t>在常用的网站中</a:t>
+            </a:r>
+            <a:r>
+              <a:rPr lang="en-US" altLang="zh-CN" dirty="0"/>
+              <a:t>, </a:t>
+            </a:r>
+            <a:r>
+              <a:rPr lang="zh-CN" altLang="en-US" dirty="0"/>
+              <a:t>找出这些例子</a:t>
+            </a:r>
+            <a:endParaRPr lang="en-US" altLang="zh-CN" dirty="0"/>
+          </a:p>
+          <a:p>
+            <a:pPr lvl="1"/>
+            <a:r>
+              <a:rPr lang="zh-CN" altLang="en-US" dirty="0"/>
+              <a:t>学校的网站 </a:t>
+            </a:r>
+            <a:r>
+              <a:rPr lang="en-US" altLang="zh-CN" dirty="0"/>
+              <a:t>(</a:t>
+            </a:r>
+            <a:r>
+              <a:rPr lang="zh-CN" altLang="en-US" dirty="0"/>
+              <a:t>学校领导</a:t>
+            </a:r>
+            <a:r>
+              <a:rPr lang="en-US" altLang="zh-CN" dirty="0"/>
+              <a:t>/</a:t>
+            </a:r>
+            <a:r>
+              <a:rPr lang="zh-CN" altLang="en-US" dirty="0"/>
+              <a:t>历届领导</a:t>
+            </a:r>
+            <a:r>
+              <a:rPr lang="en-US" altLang="zh-CN" dirty="0"/>
+              <a:t>)</a:t>
+            </a:r>
+          </a:p>
+          <a:p>
+            <a:pPr lvl="1"/>
+            <a:r>
+              <a:rPr lang="en-US" altLang="zh-CN" dirty="0"/>
+              <a:t>Word </a:t>
+            </a:r>
+            <a:r>
+              <a:rPr lang="zh-CN" altLang="en-US" dirty="0"/>
+              <a:t>的 </a:t>
+            </a:r>
+            <a:r>
+              <a:rPr lang="en-US" altLang="zh-CN" dirty="0"/>
+              <a:t>ribbon </a:t>
+            </a:r>
+            <a:r>
+              <a:rPr lang="zh-CN" altLang="en-US" dirty="0"/>
+              <a:t>界面等。</a:t>
+            </a:r>
+            <a:endParaRPr lang="en-US" dirty="0"/>
+          </a:p>
+        </p:txBody>
+      </p:sp>
+    </p:spTree>
+    <p:extLst>
+      <p:ext uri="{BB962C8B-B14F-4D97-AF65-F5344CB8AC3E}">
+        <p14:creationId xmlns:p14="http://schemas.microsoft.com/office/powerpoint/2010/main" val="3037766885"/>
+      </p:ext>
+    </p:extLst>
+  </p:cSld>
+  <p:clrMapOvr>
+    <a:masterClrMapping/>
+  </p:clrMapOvr>
+</p:sld>
+</file>
+
 <file path=ppt/slides/slide58.xml><?xml version="1.0" encoding="utf-8"?>
 <p:sld xmlns:a="http://schemas.openxmlformats.org/drawingml/2006/main" xmlns:r="http://schemas.openxmlformats.org/officeDocument/2006/relationships" xmlns:p="http://schemas.openxmlformats.org/presentationml/2006/main">
   <p:cSld>
@@ -31186,9 +31565,10 @@
           <a:lstStyle/>
           <a:p>
             <a:r>
-              <a:rPr lang="en-US" dirty="0"/>
-              <a:t>Exercise</a:t>
-            </a:r>
+              <a:rPr lang="en-US" altLang="zh-CN" dirty="0"/>
+              <a:t>Summary</a:t>
+            </a:r>
+            <a:endParaRPr lang="en-US" dirty="0"/>
           </a:p>
         </p:txBody>
       </p:sp>
@@ -31202,220 +31582,75 @@
             <p:ph idx="1"/>
           </p:nvPr>
         </p:nvSpPr>
-        <p:spPr>
-          <a:xfrm>
-            <a:off x="1120000" y="1825625"/>
-            <a:ext cx="5052200" cy="4351338"/>
-          </a:xfrm>
-        </p:spPr>
+        <p:spPr/>
         <p:txBody>
           <a:bodyPr/>
           <a:lstStyle/>
           <a:p>
             <a:r>
-              <a:rPr lang="en-US" dirty="0"/>
-              <a:t>PM  </a:t>
+              <a:rPr lang="en-US" altLang="zh-CN" dirty="0"/>
+              <a:t>History of PM</a:t>
+            </a:r>
+          </a:p>
+          <a:p>
+            <a:r>
+              <a:rPr lang="en-US" altLang="zh-CN" dirty="0"/>
+              <a:t>Role of PM</a:t>
+            </a:r>
+          </a:p>
+          <a:p>
+            <a:r>
+              <a:rPr lang="en-US" altLang="zh-CN" dirty="0"/>
+              <a:t>Impact of PM</a:t>
+            </a:r>
+          </a:p>
+          <a:p>
+            <a:endParaRPr lang="en-US" dirty="0"/>
+          </a:p>
+          <a:p>
+            <a:r>
+              <a:rPr lang="en-US" altLang="zh-CN" dirty="0"/>
+              <a:t>Q&amp;A</a:t>
+            </a:r>
+          </a:p>
+          <a:p>
+            <a:r>
+              <a:rPr lang="en-US" altLang="zh-CN" dirty="0"/>
+              <a:t>Book for PM:</a:t>
+            </a:r>
+          </a:p>
+          <a:p>
+            <a:pPr lvl="1"/>
+            <a:r>
+              <a:rPr lang="en-US" altLang="zh-CN" dirty="0"/>
+              <a:t>The Art of Project Management</a:t>
+            </a:r>
+          </a:p>
+          <a:p>
+            <a:pPr lvl="1"/>
+            <a:r>
+              <a:rPr lang="en-US" altLang="zh-CN" dirty="0"/>
+              <a:t>The Power of Persuasion</a:t>
+            </a:r>
+          </a:p>
+          <a:p>
+            <a:pPr lvl="1"/>
+            <a:r>
+              <a:rPr lang="en-US" altLang="zh-CN" dirty="0" err="1"/>
+              <a:t>PeopleWare</a:t>
+            </a:r>
+            <a:r>
+              <a:rPr lang="en-US" altLang="zh-CN" dirty="0"/>
+              <a:t> (</a:t>
             </a:r>
             <a:r>
               <a:rPr lang="zh-CN" altLang="en-US" dirty="0"/>
-              <a:t>在敏捷开发模式中负责和用户打交道， 为自己的团队争取最大的短期和长期利益。</a:t>
-            </a:r>
-            <a:endParaRPr lang="en-US" dirty="0"/>
-          </a:p>
-          <a:p>
-            <a:r>
-              <a:rPr lang="en-US" dirty="0"/>
-              <a:t> </a:t>
-            </a:r>
-            <a:r>
-              <a:rPr lang="zh-CN" altLang="en-US" dirty="0"/>
-              <a:t>在软件兼职项目中，有很多不同的任务和完成任务的条件，下面的任务都有什么样的风险</a:t>
-            </a:r>
-            <a:r>
-              <a:rPr lang="en-US" dirty="0"/>
-              <a:t>?  </a:t>
-            </a:r>
-            <a:r>
-              <a:rPr lang="zh-CN" altLang="en-US" dirty="0"/>
-              <a:t>你如何应对</a:t>
-            </a:r>
-            <a:r>
-              <a:rPr lang="en-US" dirty="0"/>
-              <a:t>?  </a:t>
-            </a:r>
-            <a:r>
-              <a:rPr lang="zh-CN" altLang="en-US" dirty="0"/>
-              <a:t>你作为团队的</a:t>
-            </a:r>
-            <a:r>
-              <a:rPr lang="en-US" dirty="0"/>
-              <a:t>PM  </a:t>
-            </a:r>
-            <a:r>
-              <a:rPr lang="zh-CN" altLang="en-US" dirty="0"/>
-              <a:t>你决定接手这个项目么</a:t>
-            </a:r>
-            <a:r>
-              <a:rPr lang="en-US" dirty="0"/>
-              <a:t>? </a:t>
-            </a:r>
-          </a:p>
-          <a:p>
-            <a:r>
-              <a:rPr lang="en-US" dirty="0"/>
-              <a:t>  </a:t>
-            </a:r>
-          </a:p>
-          <a:p>
-            <a:pPr marL="0" indent="0">
-              <a:buNone/>
-            </a:pPr>
-            <a:endParaRPr lang="en-US" dirty="0"/>
-          </a:p>
-        </p:txBody>
-      </p:sp>
-      <p:sp>
-        <p:nvSpPr>
-          <p:cNvPr id="4" name="TextBox 3">
-            <a:extLst>
-              <a:ext uri="{FF2B5EF4-FFF2-40B4-BE49-F238E27FC236}">
-                <a16:creationId xmlns:a16="http://schemas.microsoft.com/office/drawing/2014/main" id="{E1FBD344-3558-4F9A-8582-20F723F5FC26}"/>
-              </a:ext>
-            </a:extLst>
-          </p:cNvPr>
-          <p:cNvSpPr txBox="1"/>
-          <p:nvPr/>
-        </p:nvSpPr>
-        <p:spPr>
-          <a:xfrm>
-            <a:off x="6553200" y="1905000"/>
-            <a:ext cx="4518800" cy="3970318"/>
-          </a:xfrm>
-          <a:prstGeom prst="rect">
-            <a:avLst/>
-          </a:prstGeom>
-          <a:noFill/>
-        </p:spPr>
-        <p:txBody>
-          <a:bodyPr wrap="square" rtlCol="0">
-            <a:spAutoFit/>
-          </a:bodyPr>
-          <a:lstStyle/>
-          <a:p>
-            <a:pPr lvl="0"/>
-            <a:r>
-              <a:rPr lang="zh-CN" altLang="en-US" b="1" dirty="0"/>
-              <a:t>案例：</a:t>
-            </a:r>
-            <a:endParaRPr lang="en-US" altLang="zh-CN" b="1" dirty="0"/>
-          </a:p>
-          <a:p>
-            <a:pPr lvl="0"/>
-            <a:r>
-              <a:rPr lang="zh-CN" altLang="en-US" dirty="0"/>
-              <a:t>你发现跟你联系的</a:t>
-            </a:r>
-            <a:r>
-              <a:rPr lang="en-US" dirty="0"/>
-              <a:t>”</a:t>
-            </a:r>
-            <a:r>
-              <a:rPr lang="zh-CN" altLang="en-US" dirty="0"/>
-              <a:t>客户</a:t>
-            </a:r>
-            <a:r>
-              <a:rPr lang="en-US" dirty="0"/>
-              <a:t>” </a:t>
-            </a:r>
-            <a:r>
-              <a:rPr lang="zh-CN" altLang="en-US" dirty="0"/>
-              <a:t>不是真的客户， 而是转手把他接到的活转包给你了，但是你见不到用户，你只跟转包的二道贩子交流。</a:t>
-            </a:r>
-            <a:endParaRPr lang="en-US" altLang="zh-CN" dirty="0"/>
-          </a:p>
-          <a:p>
-            <a:pPr lvl="0"/>
-            <a:r>
-              <a:rPr lang="zh-CN" altLang="en-US" dirty="0"/>
-              <a:t> </a:t>
-            </a:r>
-            <a:endParaRPr lang="en-US" dirty="0"/>
-          </a:p>
-          <a:p>
-            <a:pPr lvl="0"/>
-            <a:r>
-              <a:rPr lang="zh-CN" altLang="en-US" dirty="0"/>
-              <a:t>用户声称这是一个</a:t>
-            </a:r>
-            <a:r>
-              <a:rPr lang="en-US" dirty="0"/>
-              <a:t> "</a:t>
-            </a:r>
-            <a:r>
-              <a:rPr lang="zh-CN" altLang="en-US" dirty="0"/>
-              <a:t>小案子</a:t>
-            </a:r>
-            <a:r>
-              <a:rPr lang="en-US" dirty="0"/>
-              <a:t>",   "</a:t>
-            </a:r>
-            <a:r>
-              <a:rPr lang="zh-CN" altLang="en-US" dirty="0"/>
-              <a:t>用开源程序改一下就行</a:t>
-            </a:r>
-            <a:r>
-              <a:rPr lang="en-US" dirty="0"/>
-              <a:t>"</a:t>
-            </a:r>
-            <a:r>
-              <a:rPr lang="zh-CN" altLang="en-US" dirty="0"/>
-              <a:t>。</a:t>
-            </a:r>
-            <a:endParaRPr lang="en-US" altLang="zh-CN" dirty="0"/>
-          </a:p>
-          <a:p>
-            <a:pPr lvl="0"/>
-            <a:endParaRPr lang="en-US" dirty="0"/>
-          </a:p>
-          <a:p>
-            <a:pPr lvl="0"/>
-            <a:r>
-              <a:rPr lang="zh-CN" altLang="en-US" dirty="0"/>
-              <a:t>客户声称</a:t>
-            </a:r>
-            <a:r>
-              <a:rPr lang="en-US" dirty="0"/>
-              <a:t>  “</a:t>
-            </a:r>
-            <a:r>
-              <a:rPr lang="zh-CN" altLang="en-US" dirty="0"/>
-              <a:t>目前钱不多， 但是优秀者以后会给股份</a:t>
-            </a:r>
-            <a:r>
-              <a:rPr lang="en-US" dirty="0"/>
-              <a:t>"</a:t>
-            </a:r>
-          </a:p>
-          <a:p>
-            <a:pPr lvl="0"/>
-            <a:r>
-              <a:rPr lang="zh-CN" altLang="en-US" dirty="0"/>
-              <a:t>客户不签合同</a:t>
-            </a:r>
-            <a:r>
-              <a:rPr lang="en-US" dirty="0"/>
-              <a:t>, </a:t>
-            </a:r>
-            <a:r>
-              <a:rPr lang="zh-CN" altLang="en-US" dirty="0"/>
-              <a:t>不给预付金。 </a:t>
-            </a:r>
-            <a:endParaRPr lang="en-US" dirty="0"/>
-          </a:p>
-          <a:p>
-            <a:endParaRPr lang="en-US" dirty="0"/>
-          </a:p>
-          <a:p>
+              <a:t>人件</a:t>
+            </a:r>
+            <a:r>
+              <a:rPr lang="en-US" altLang="zh-CN" dirty="0"/>
+              <a:t>)</a:t>
+            </a:r>
             <a:endParaRPr lang="en-US" dirty="0"/>
           </a:p>
         </p:txBody>
@@ -31447,7 +31682,13 @@
       </p:grpSpPr>
       <p:sp>
         <p:nvSpPr>
-          <p:cNvPr id="2" name="Title 1"/>
+          <p:cNvPr id="2" name="Title 1">
+            <a:extLst>
+              <a:ext uri="{FF2B5EF4-FFF2-40B4-BE49-F238E27FC236}">
+                <a16:creationId xmlns:a16="http://schemas.microsoft.com/office/drawing/2014/main" id="{C53B4456-2C2A-4A21-BC3F-141A0D4BE4D4}"/>
+              </a:ext>
+            </a:extLst>
+          </p:cNvPr>
           <p:cNvSpPr>
             <a:spLocks noGrp="1"/>
           </p:cNvSpPr>
@@ -31461,15 +31702,22 @@
           <a:lstStyle/>
           <a:p>
             <a:r>
-              <a:rPr lang="en-US" dirty="0"/>
-              <a:t>Exercise</a:t>
-            </a:r>
-          </a:p>
-        </p:txBody>
-      </p:sp>
-      <p:sp>
-        <p:nvSpPr>
-          <p:cNvPr id="3" name="Content Placeholder 2"/>
+              <a:rPr lang="zh-CN" altLang="en-US" dirty="0"/>
+              <a:t>更多练习</a:t>
+            </a:r>
+            <a:endParaRPr lang="en-US" dirty="0"/>
+          </a:p>
+        </p:txBody>
+      </p:sp>
+      <p:sp>
+        <p:nvSpPr>
+          <p:cNvPr id="3" name="Content Placeholder 2">
+            <a:extLst>
+              <a:ext uri="{FF2B5EF4-FFF2-40B4-BE49-F238E27FC236}">
+                <a16:creationId xmlns:a16="http://schemas.microsoft.com/office/drawing/2014/main" id="{24647FCB-119E-4B79-83F5-D9B25D19F51C}"/>
+              </a:ext>
+            </a:extLst>
+          </p:cNvPr>
           <p:cNvSpPr>
             <a:spLocks noGrp="1"/>
           </p:cNvSpPr>
@@ -31483,138 +31731,14 @@
           <a:lstStyle/>
           <a:p>
             <a:r>
-              <a:rPr lang="en-US" altLang="zh-CN" dirty="0"/>
-              <a:t>PM </a:t>
-            </a:r>
-            <a:r>
-              <a:rPr lang="zh-CN" altLang="en-US" dirty="0"/>
-              <a:t>对项目所有功能的把握</a:t>
-            </a:r>
-            <a:r>
-              <a:rPr lang="en-US" altLang="zh-CN" dirty="0"/>
-              <a:t>, </a:t>
-            </a:r>
-            <a:r>
-              <a:rPr lang="zh-CN" altLang="en-US" dirty="0"/>
-              <a:t>特别是</a:t>
-            </a:r>
-            <a:r>
-              <a:rPr lang="en-US" altLang="zh-CN" dirty="0"/>
-              <a:t>UX</a:t>
-            </a:r>
-          </a:p>
-          <a:p>
-            <a:pPr lvl="1"/>
-            <a:r>
-              <a:rPr lang="zh-CN" altLang="en-US" dirty="0"/>
-              <a:t>最差的</a:t>
-            </a:r>
-            <a:r>
-              <a:rPr lang="en-US" altLang="zh-CN" dirty="0"/>
-              <a:t>UX, </a:t>
-            </a:r>
-            <a:r>
-              <a:rPr lang="zh-CN" altLang="en-US" dirty="0"/>
-              <a:t>体现了团队的组织架构</a:t>
-            </a:r>
-            <a:endParaRPr lang="en-US" altLang="zh-CN" dirty="0"/>
-          </a:p>
-          <a:p>
-            <a:pPr lvl="1"/>
-            <a:r>
-              <a:rPr lang="zh-CN" altLang="en-US" dirty="0"/>
-              <a:t>其次</a:t>
-            </a:r>
-            <a:r>
-              <a:rPr lang="en-US" altLang="zh-CN" dirty="0"/>
-              <a:t>, </a:t>
-            </a:r>
-            <a:r>
-              <a:rPr lang="zh-CN" altLang="en-US" dirty="0"/>
-              <a:t>体现了产品的内部结构</a:t>
-            </a:r>
-            <a:endParaRPr lang="en-US" altLang="zh-CN" dirty="0"/>
-          </a:p>
-          <a:p>
-            <a:pPr lvl="1"/>
-            <a:r>
-              <a:rPr lang="zh-CN" altLang="en-US" dirty="0"/>
-              <a:t>最好</a:t>
-            </a:r>
-            <a:r>
-              <a:rPr lang="en-US" altLang="zh-CN" dirty="0"/>
-              <a:t>, </a:t>
-            </a:r>
-            <a:r>
-              <a:rPr lang="zh-CN" altLang="en-US" dirty="0"/>
-              <a:t>体现了用户的自然需求</a:t>
-            </a:r>
-            <a:endParaRPr lang="en-US" altLang="zh-CN" dirty="0"/>
-          </a:p>
-          <a:p>
-            <a:pPr lvl="1"/>
-            <a:endParaRPr lang="en-US" dirty="0"/>
-          </a:p>
-          <a:p>
-            <a:r>
-              <a:rPr lang="zh-CN" altLang="en-US" dirty="0"/>
-              <a:t>在常用的网站中</a:t>
-            </a:r>
-            <a:r>
-              <a:rPr lang="en-US" altLang="zh-CN" dirty="0"/>
-              <a:t>, </a:t>
-            </a:r>
-            <a:r>
-              <a:rPr lang="zh-CN" altLang="en-US" dirty="0"/>
-              <a:t>找出这些例子</a:t>
-            </a:r>
-            <a:endParaRPr lang="en-US" altLang="zh-CN" dirty="0"/>
-          </a:p>
-          <a:p>
-            <a:pPr lvl="1"/>
-            <a:r>
-              <a:rPr lang="zh-CN" altLang="en-US" dirty="0"/>
-              <a:t>学校的网站 </a:t>
-            </a:r>
-            <a:r>
-              <a:rPr lang="en-US" altLang="zh-CN" dirty="0"/>
-              <a:t>(</a:t>
-            </a:r>
-            <a:r>
-              <a:rPr lang="zh-CN" altLang="en-US" dirty="0"/>
-              <a:t>学校领导</a:t>
-            </a:r>
-            <a:r>
-              <a:rPr lang="en-US" altLang="zh-CN" dirty="0"/>
-              <a:t>/</a:t>
-            </a:r>
-            <a:r>
-              <a:rPr lang="zh-CN" altLang="en-US" dirty="0"/>
-              <a:t>历届领导</a:t>
-            </a:r>
-            <a:r>
-              <a:rPr lang="en-US" altLang="zh-CN" dirty="0"/>
-              <a:t>)</a:t>
-            </a:r>
-          </a:p>
-          <a:p>
-            <a:pPr lvl="1"/>
-            <a:r>
-              <a:rPr lang="en-US" altLang="zh-CN" dirty="0"/>
-              <a:t>Word </a:t>
-            </a:r>
-            <a:r>
-              <a:rPr lang="zh-CN" altLang="en-US" dirty="0"/>
-              <a:t>的 </a:t>
-            </a:r>
-            <a:r>
-              <a:rPr lang="en-US" altLang="zh-CN" dirty="0"/>
-              <a:t>ribbon </a:t>
-            </a:r>
-            <a:r>
-              <a:rPr lang="zh-CN" altLang="en-US" dirty="0"/>
-              <a:t>界面等。</a:t>
-            </a:r>
+              <a:rPr lang="en-US">
+                <a:hlinkClick r:id="rId2"/>
+              </a:rPr>
+              <a:t>http://www.cnblogs.com/xinz/p/3855189.html</a:t>
+            </a:r>
+            <a:endParaRPr lang="en-US"/>
+          </a:p>
+          <a:p>
             <a:endParaRPr lang="en-US" dirty="0"/>
           </a:p>
         </p:txBody>
@@ -31622,7 +31746,7 @@
     </p:spTree>
     <p:extLst>
       <p:ext uri="{BB962C8B-B14F-4D97-AF65-F5344CB8AC3E}">
-        <p14:creationId xmlns:p14="http://schemas.microsoft.com/office/powerpoint/2010/main" val="3037766885"/>
+        <p14:creationId xmlns:p14="http://schemas.microsoft.com/office/powerpoint/2010/main" val="1136788009"/>
       </p:ext>
     </p:extLst>
   </p:cSld>
@@ -32283,230 +32407,6 @@
 </p:sld>
 </file>
 
-<file path=ppt/slides/slide60.xml><?xml version="1.0" encoding="utf-8"?>
-<p:sld xmlns:a="http://schemas.openxmlformats.org/drawingml/2006/main" xmlns:r="http://schemas.openxmlformats.org/officeDocument/2006/relationships" xmlns:p="http://schemas.openxmlformats.org/presentationml/2006/main">
-  <p:cSld>
-    <p:spTree>
-      <p:nvGrpSpPr>
-        <p:cNvPr id="1" name=""/>
-        <p:cNvGrpSpPr/>
-        <p:nvPr/>
-      </p:nvGrpSpPr>
-      <p:grpSpPr>
-        <a:xfrm>
-          <a:off x="0" y="0"/>
-          <a:ext cx="0" cy="0"/>
-          <a:chOff x="0" y="0"/>
-          <a:chExt cx="0" cy="0"/>
-        </a:xfrm>
-      </p:grpSpPr>
-      <p:sp>
-        <p:nvSpPr>
-          <p:cNvPr id="2" name="Title 1"/>
-          <p:cNvSpPr>
-            <a:spLocks noGrp="1"/>
-          </p:cNvSpPr>
-          <p:nvPr>
-            <p:ph type="title"/>
-          </p:nvPr>
-        </p:nvSpPr>
-        <p:spPr/>
-        <p:txBody>
-          <a:bodyPr/>
-          <a:lstStyle/>
-          <a:p>
-            <a:r>
-              <a:rPr lang="en-US" altLang="zh-CN" dirty="0"/>
-              <a:t>Summary</a:t>
-            </a:r>
-            <a:endParaRPr lang="en-US" dirty="0"/>
-          </a:p>
-        </p:txBody>
-      </p:sp>
-      <p:sp>
-        <p:nvSpPr>
-          <p:cNvPr id="3" name="Content Placeholder 2"/>
-          <p:cNvSpPr>
-            <a:spLocks noGrp="1"/>
-          </p:cNvSpPr>
-          <p:nvPr>
-            <p:ph idx="1"/>
-          </p:nvPr>
-        </p:nvSpPr>
-        <p:spPr/>
-        <p:txBody>
-          <a:bodyPr/>
-          <a:lstStyle/>
-          <a:p>
-            <a:r>
-              <a:rPr lang="en-US" altLang="zh-CN" dirty="0"/>
-              <a:t>History of PM</a:t>
-            </a:r>
-          </a:p>
-          <a:p>
-            <a:r>
-              <a:rPr lang="en-US" altLang="zh-CN" dirty="0"/>
-              <a:t>Role of PM</a:t>
-            </a:r>
-          </a:p>
-          <a:p>
-            <a:r>
-              <a:rPr lang="en-US" altLang="zh-CN" dirty="0"/>
-              <a:t>Impact of PM</a:t>
-            </a:r>
-          </a:p>
-          <a:p>
-            <a:endParaRPr lang="en-US" dirty="0"/>
-          </a:p>
-          <a:p>
-            <a:r>
-              <a:rPr lang="en-US" altLang="zh-CN" dirty="0"/>
-              <a:t>Q&amp;A</a:t>
-            </a:r>
-          </a:p>
-          <a:p>
-            <a:r>
-              <a:rPr lang="en-US" altLang="zh-CN" dirty="0"/>
-              <a:t>Book for PM:</a:t>
-            </a:r>
-          </a:p>
-          <a:p>
-            <a:pPr lvl="1"/>
-            <a:r>
-              <a:rPr lang="en-US" altLang="zh-CN" dirty="0"/>
-              <a:t>The Art of Project Management</a:t>
-            </a:r>
-          </a:p>
-          <a:p>
-            <a:pPr lvl="1"/>
-            <a:r>
-              <a:rPr lang="en-US" altLang="zh-CN" dirty="0"/>
-              <a:t>The Power of Persuasion</a:t>
-            </a:r>
-          </a:p>
-          <a:p>
-            <a:pPr lvl="1"/>
-            <a:r>
-              <a:rPr lang="en-US" altLang="zh-CN" dirty="0" err="1"/>
-              <a:t>PeopleWare</a:t>
-            </a:r>
-            <a:r>
-              <a:rPr lang="en-US" altLang="zh-CN" dirty="0"/>
-              <a:t> (</a:t>
-            </a:r>
-            <a:r>
-              <a:rPr lang="zh-CN" altLang="en-US" dirty="0"/>
-              <a:t>人件</a:t>
-            </a:r>
-            <a:r>
-              <a:rPr lang="en-US" altLang="zh-CN" dirty="0"/>
-              <a:t>)</a:t>
-            </a:r>
-            <a:endParaRPr lang="en-US" dirty="0"/>
-          </a:p>
-        </p:txBody>
-      </p:sp>
-    </p:spTree>
-  </p:cSld>
-  <p:clrMapOvr>
-    <a:masterClrMapping/>
-  </p:clrMapOvr>
-</p:sld>
-</file>
-
-<file path=ppt/slides/slide61.xml><?xml version="1.0" encoding="utf-8"?>
-<p:sld xmlns:a="http://schemas.openxmlformats.org/drawingml/2006/main" xmlns:r="http://schemas.openxmlformats.org/officeDocument/2006/relationships" xmlns:p="http://schemas.openxmlformats.org/presentationml/2006/main">
-  <p:cSld>
-    <p:spTree>
-      <p:nvGrpSpPr>
-        <p:cNvPr id="1" name=""/>
-        <p:cNvGrpSpPr/>
-        <p:nvPr/>
-      </p:nvGrpSpPr>
-      <p:grpSpPr>
-        <a:xfrm>
-          <a:off x="0" y="0"/>
-          <a:ext cx="0" cy="0"/>
-          <a:chOff x="0" y="0"/>
-          <a:chExt cx="0" cy="0"/>
-        </a:xfrm>
-      </p:grpSpPr>
-      <p:sp>
-        <p:nvSpPr>
-          <p:cNvPr id="2" name="Title 1">
-            <a:extLst>
-              <a:ext uri="{FF2B5EF4-FFF2-40B4-BE49-F238E27FC236}">
-                <a16:creationId xmlns:a16="http://schemas.microsoft.com/office/drawing/2014/main" id="{C53B4456-2C2A-4A21-BC3F-141A0D4BE4D4}"/>
-              </a:ext>
-            </a:extLst>
-          </p:cNvPr>
-          <p:cNvSpPr>
-            <a:spLocks noGrp="1"/>
-          </p:cNvSpPr>
-          <p:nvPr>
-            <p:ph type="title"/>
-          </p:nvPr>
-        </p:nvSpPr>
-        <p:spPr/>
-        <p:txBody>
-          <a:bodyPr/>
-          <a:lstStyle/>
-          <a:p>
-            <a:r>
-              <a:rPr lang="zh-CN" altLang="en-US" dirty="0"/>
-              <a:t>更多练习</a:t>
-            </a:r>
-            <a:endParaRPr lang="en-US" dirty="0"/>
-          </a:p>
-        </p:txBody>
-      </p:sp>
-      <p:sp>
-        <p:nvSpPr>
-          <p:cNvPr id="3" name="Content Placeholder 2">
-            <a:extLst>
-              <a:ext uri="{FF2B5EF4-FFF2-40B4-BE49-F238E27FC236}">
-                <a16:creationId xmlns:a16="http://schemas.microsoft.com/office/drawing/2014/main" id="{24647FCB-119E-4B79-83F5-D9B25D19F51C}"/>
-              </a:ext>
-            </a:extLst>
-          </p:cNvPr>
-          <p:cNvSpPr>
-            <a:spLocks noGrp="1"/>
-          </p:cNvSpPr>
-          <p:nvPr>
-            <p:ph idx="1"/>
-          </p:nvPr>
-        </p:nvSpPr>
-        <p:spPr/>
-        <p:txBody>
-          <a:bodyPr/>
-          <a:lstStyle/>
-          <a:p>
-            <a:r>
-              <a:rPr lang="en-US">
-                <a:hlinkClick r:id="rId2"/>
-              </a:rPr>
-              <a:t>http://www.cnblogs.com/xinz/p/3855189.html</a:t>
-            </a:r>
-            <a:endParaRPr lang="en-US"/>
-          </a:p>
-          <a:p>
-            <a:endParaRPr lang="en-US" dirty="0"/>
-          </a:p>
-        </p:txBody>
-      </p:sp>
-    </p:spTree>
-    <p:extLst>
-      <p:ext uri="{BB962C8B-B14F-4D97-AF65-F5344CB8AC3E}">
-        <p14:creationId xmlns:p14="http://schemas.microsoft.com/office/powerpoint/2010/main" val="1136788009"/>
-      </p:ext>
-    </p:extLst>
-  </p:cSld>
-  <p:clrMapOvr>
-    <a:masterClrMapping/>
-  </p:clrMapOvr>
-</p:sld>
-</file>
-
 <file path=ppt/slides/slide7.xml><?xml version="1.0" encoding="utf-8"?>
 <p:sld xmlns:a="http://schemas.openxmlformats.org/drawingml/2006/main" xmlns:r="http://schemas.openxmlformats.org/officeDocument/2006/relationships" xmlns:p="http://schemas.openxmlformats.org/presentationml/2006/main">
   <p:cSld>
@@ -33152,8 +33052,8 @@
         </p:nvSpPr>
         <p:spPr bwMode="auto">
           <a:xfrm>
-            <a:off x="1981200" y="1752600"/>
-            <a:ext cx="6096000" cy="4648200"/>
+            <a:off x="838200" y="1690688"/>
+            <a:ext cx="7543800" cy="4648200"/>
           </a:xfrm>
           <a:prstGeom prst="rect">
             <a:avLst/>
